--- a/slides/slides.pptx
+++ b/slides/slides.pptx
@@ -16,28 +16,40 @@
     <p:sldId id="261" r:id="rId10"/>
     <p:sldId id="262" r:id="rId11"/>
     <p:sldId id="263" r:id="rId12"/>
+    <p:sldId id="264" r:id="rId13"/>
+    <p:sldId id="265" r:id="rId14"/>
   </p:sldIdLst>
   <p:sldSz cy="5143500" cx="9144000"/>
   <p:notesSz cx="6858000" cy="9144000"/>
   <p:embeddedFontLst>
     <p:embeddedFont>
       <p:font typeface="Raleway"/>
-      <p:regular r:id="rId13"/>
-      <p:bold r:id="rId14"/>
-      <p:italic r:id="rId15"/>
-      <p:boldItalic r:id="rId16"/>
+      <p:regular r:id="rId15"/>
+      <p:bold r:id="rId16"/>
+      <p:italic r:id="rId17"/>
+      <p:boldItalic r:id="rId18"/>
     </p:embeddedFont>
     <p:embeddedFont>
       <p:font typeface="Raleway ExtraBold"/>
-      <p:bold r:id="rId17"/>
-      <p:boldItalic r:id="rId18"/>
+      <p:bold r:id="rId19"/>
+      <p:boldItalic r:id="rId20"/>
     </p:embeddedFont>
     <p:embeddedFont>
       <p:font typeface="Raleway Light"/>
-      <p:regular r:id="rId19"/>
-      <p:bold r:id="rId20"/>
-      <p:italic r:id="rId21"/>
-      <p:boldItalic r:id="rId22"/>
+      <p:regular r:id="rId21"/>
+      <p:bold r:id="rId22"/>
+      <p:italic r:id="rId23"/>
+      <p:boldItalic r:id="rId24"/>
+    </p:embeddedFont>
+    <p:embeddedFont>
+      <p:font typeface="Source Code Pro Semibold"/>
+      <p:regular r:id="rId25"/>
+      <p:bold r:id="rId26"/>
+    </p:embeddedFont>
+    <p:embeddedFont>
+      <p:font typeface="Source Code Pro Medium"/>
+      <p:regular r:id="rId27"/>
+      <p:bold r:id="rId28"/>
     </p:embeddedFont>
   </p:embeddedFontLst>
   <p:defaultTextStyle>
@@ -795,6 +807,105 @@
 </p:notes>
 </file>
 
+<file path=ppt/notesSlides/notesSlide10.xml><?xml version="1.0" encoding="utf-8"?>
+<p:notes xmlns:a="http://schemas.openxmlformats.org/drawingml/2006/main" xmlns:r="http://schemas.openxmlformats.org/officeDocument/2006/relationships" xmlns:mc="http://schemas.openxmlformats.org/markup-compatibility/2006" xmlns:mv="urn:schemas-microsoft-com:mac:vml" xmlns:p="http://schemas.openxmlformats.org/presentationml/2006/main" xmlns:c="http://schemas.openxmlformats.org/drawingml/2006/chart" xmlns:dgm="http://schemas.openxmlformats.org/drawingml/2006/diagram" xmlns:o="urn:schemas-microsoft-com:office:office" xmlns:v="urn:schemas-microsoft-com:vml" xmlns:pvml="urn:schemas-microsoft-com:office:powerpoint" xmlns:com="http://schemas.openxmlformats.org/drawingml/2006/compatibility" xmlns:p14="http://schemas.microsoft.com/office/powerpoint/2010/main" xmlns:p15="http://schemas.microsoft.com/office/powerpoint/2012/main" showMasterPhAnim="0" showMasterSp="0">
+  <p:cSld>
+    <p:spTree>
+      <p:nvGrpSpPr>
+        <p:cNvPr id="163" name="Shape 163"/>
+        <p:cNvGrpSpPr/>
+        <p:nvPr/>
+      </p:nvGrpSpPr>
+      <p:grpSpPr>
+        <a:xfrm>
+          <a:off x="0" y="0"/>
+          <a:ext cx="0" cy="0"/>
+          <a:chOff x="0" y="0"/>
+          <a:chExt cx="0" cy="0"/>
+        </a:xfrm>
+      </p:grpSpPr>
+      <p:sp>
+        <p:nvSpPr>
+          <p:cNvPr id="164" name="Google Shape;164;g35ed75ccf_022:notes"/>
+          <p:cNvSpPr/>
+          <p:nvPr>
+            <p:ph idx="2" type="sldImg"/>
+          </p:nvPr>
+        </p:nvSpPr>
+        <p:spPr>
+          <a:xfrm>
+            <a:off x="381175" y="685800"/>
+            <a:ext cx="6096300" cy="3429000"/>
+          </a:xfrm>
+          <a:custGeom>
+            <a:rect b="b" l="l" r="r" t="t"/>
+            <a:pathLst>
+              <a:path extrusionOk="0" h="120000" w="120000">
+                <a:moveTo>
+                  <a:pt x="0" y="0"/>
+                </a:moveTo>
+                <a:lnTo>
+                  <a:pt x="120000" y="0"/>
+                </a:lnTo>
+                <a:lnTo>
+                  <a:pt x="120000" y="120000"/>
+                </a:lnTo>
+                <a:lnTo>
+                  <a:pt x="0" y="120000"/>
+                </a:lnTo>
+                <a:close/>
+              </a:path>
+            </a:pathLst>
+          </a:custGeom>
+        </p:spPr>
+      </p:sp>
+      <p:sp>
+        <p:nvSpPr>
+          <p:cNvPr id="165" name="Google Shape;165;g35ed75ccf_022:notes"/>
+          <p:cNvSpPr txBox="1"/>
+          <p:nvPr>
+            <p:ph idx="1" type="body"/>
+          </p:nvPr>
+        </p:nvSpPr>
+        <p:spPr>
+          <a:xfrm>
+            <a:off x="685800" y="4343400"/>
+            <a:ext cx="5486400" cy="4114800"/>
+          </a:xfrm>
+          <a:prstGeom prst="rect">
+            <a:avLst/>
+          </a:prstGeom>
+        </p:spPr>
+        <p:txBody>
+          <a:bodyPr anchorCtr="0" anchor="t" bIns="91425" lIns="91425" spcFirstLastPara="1" rIns="91425" wrap="square" tIns="91425">
+            <a:noAutofit/>
+          </a:bodyPr>
+          <a:lstStyle/>
+          <a:p>
+            <a:pPr indent="0" lvl="0" marL="0" rtl="0" algn="l">
+              <a:spcBef>
+                <a:spcPts val="0"/>
+              </a:spcBef>
+              <a:spcAft>
+                <a:spcPts val="0"/>
+              </a:spcAft>
+              <a:buNone/>
+            </a:pPr>
+            <a:r>
+              <a:t/>
+            </a:r>
+            <a:endParaRPr/>
+          </a:p>
+        </p:txBody>
+      </p:sp>
+    </p:spTree>
+  </p:cSld>
+  <p:clrMapOvr>
+    <a:masterClrMapping/>
+  </p:clrMapOvr>
+</p:notes>
+</file>
+
 <file path=ppt/notesSlides/notesSlide2.xml><?xml version="1.0" encoding="utf-8"?>
 <p:notes xmlns:a="http://schemas.openxmlformats.org/drawingml/2006/main" xmlns:r="http://schemas.openxmlformats.org/officeDocument/2006/relationships" xmlns:mc="http://schemas.openxmlformats.org/markup-compatibility/2006" xmlns:mv="urn:schemas-microsoft-com:mac:vml" xmlns:p="http://schemas.openxmlformats.org/presentationml/2006/main" xmlns:c="http://schemas.openxmlformats.org/drawingml/2006/chart" xmlns:dgm="http://schemas.openxmlformats.org/drawingml/2006/diagram" xmlns:o="urn:schemas-microsoft-com:office:office" xmlns:v="urn:schemas-microsoft-com:vml" xmlns:pvml="urn:schemas-microsoft-com:office:powerpoint" xmlns:com="http://schemas.openxmlformats.org/drawingml/2006/compatibility" xmlns:p14="http://schemas.microsoft.com/office/powerpoint/2010/main" xmlns:p15="http://schemas.microsoft.com/office/powerpoint/2012/main" showMasterPhAnim="0" showMasterSp="0">
   <p:cSld>
@@ -1309,7 +1420,7 @@
       </p:grpSpPr>
       <p:sp>
         <p:nvSpPr>
-          <p:cNvPr id="112" name="Google Shape;112;g35f391192_017:notes"/>
+          <p:cNvPr id="112" name="Google Shape;112;g4cdde5b9e2_0_0:notes"/>
           <p:cNvSpPr/>
           <p:nvPr>
             <p:ph idx="2" type="sldImg"/>
@@ -1344,7 +1455,7 @@
       </p:sp>
       <p:sp>
         <p:nvSpPr>
-          <p:cNvPr id="113" name="Google Shape;113;g35f391192_017:notes"/>
+          <p:cNvPr id="113" name="Google Shape;113;g4cdde5b9e2_0_0:notes"/>
           <p:cNvSpPr txBox="1"/>
           <p:nvPr>
             <p:ph idx="1" type="body"/>
@@ -1394,7 +1505,7 @@
   <p:cSld>
     <p:spTree>
       <p:nvGrpSpPr>
-        <p:cNvPr id="119" name="Shape 119"/>
+        <p:cNvPr id="124" name="Shape 124"/>
         <p:cNvGrpSpPr/>
         <p:nvPr/>
       </p:nvGrpSpPr>
@@ -1408,7 +1519,7 @@
       </p:grpSpPr>
       <p:sp>
         <p:nvSpPr>
-          <p:cNvPr id="120" name="Google Shape;120;g35ed75ccf_022:notes"/>
+          <p:cNvPr id="125" name="Google Shape;125;g4cdde5b9e2_0_142:notes"/>
           <p:cNvSpPr/>
           <p:nvPr>
             <p:ph idx="2" type="sldImg"/>
@@ -1443,7 +1554,106 @@
       </p:sp>
       <p:sp>
         <p:nvSpPr>
-          <p:cNvPr id="121" name="Google Shape;121;g35ed75ccf_022:notes"/>
+          <p:cNvPr id="126" name="Google Shape;126;g4cdde5b9e2_0_142:notes"/>
+          <p:cNvSpPr txBox="1"/>
+          <p:nvPr>
+            <p:ph idx="1" type="body"/>
+          </p:nvPr>
+        </p:nvSpPr>
+        <p:spPr>
+          <a:xfrm>
+            <a:off x="685800" y="4343400"/>
+            <a:ext cx="5486400" cy="4114800"/>
+          </a:xfrm>
+          <a:prstGeom prst="rect">
+            <a:avLst/>
+          </a:prstGeom>
+        </p:spPr>
+        <p:txBody>
+          <a:bodyPr anchorCtr="0" anchor="t" bIns="91425" lIns="91425" spcFirstLastPara="1" rIns="91425" wrap="square" tIns="91425">
+            <a:noAutofit/>
+          </a:bodyPr>
+          <a:lstStyle/>
+          <a:p>
+            <a:pPr indent="0" lvl="0" marL="0" rtl="0" algn="l">
+              <a:spcBef>
+                <a:spcPts val="0"/>
+              </a:spcBef>
+              <a:spcAft>
+                <a:spcPts val="0"/>
+              </a:spcAft>
+              <a:buNone/>
+            </a:pPr>
+            <a:r>
+              <a:t/>
+            </a:r>
+            <a:endParaRPr/>
+          </a:p>
+        </p:txBody>
+      </p:sp>
+    </p:spTree>
+  </p:cSld>
+  <p:clrMapOvr>
+    <a:masterClrMapping/>
+  </p:clrMapOvr>
+</p:notes>
+</file>
+
+<file path=ppt/notesSlides/notesSlide9.xml><?xml version="1.0" encoding="utf-8"?>
+<p:notes xmlns:a="http://schemas.openxmlformats.org/drawingml/2006/main" xmlns:r="http://schemas.openxmlformats.org/officeDocument/2006/relationships" xmlns:mc="http://schemas.openxmlformats.org/markup-compatibility/2006" xmlns:mv="urn:schemas-microsoft-com:mac:vml" xmlns:p="http://schemas.openxmlformats.org/presentationml/2006/main" xmlns:c="http://schemas.openxmlformats.org/drawingml/2006/chart" xmlns:dgm="http://schemas.openxmlformats.org/drawingml/2006/diagram" xmlns:o="urn:schemas-microsoft-com:office:office" xmlns:v="urn:schemas-microsoft-com:vml" xmlns:pvml="urn:schemas-microsoft-com:office:powerpoint" xmlns:com="http://schemas.openxmlformats.org/drawingml/2006/compatibility" xmlns:p14="http://schemas.microsoft.com/office/powerpoint/2010/main" xmlns:p15="http://schemas.microsoft.com/office/powerpoint/2012/main" showMasterPhAnim="0" showMasterSp="0">
+  <p:cSld>
+    <p:spTree>
+      <p:nvGrpSpPr>
+        <p:cNvPr id="155" name="Shape 155"/>
+        <p:cNvGrpSpPr/>
+        <p:nvPr/>
+      </p:nvGrpSpPr>
+      <p:grpSpPr>
+        <a:xfrm>
+          <a:off x="0" y="0"/>
+          <a:ext cx="0" cy="0"/>
+          <a:chOff x="0" y="0"/>
+          <a:chExt cx="0" cy="0"/>
+        </a:xfrm>
+      </p:grpSpPr>
+      <p:sp>
+        <p:nvSpPr>
+          <p:cNvPr id="156" name="Google Shape;156;g35f391192_017:notes"/>
+          <p:cNvSpPr/>
+          <p:nvPr>
+            <p:ph idx="2" type="sldImg"/>
+          </p:nvPr>
+        </p:nvSpPr>
+        <p:spPr>
+          <a:xfrm>
+            <a:off x="381175" y="685800"/>
+            <a:ext cx="6096300" cy="3429000"/>
+          </a:xfrm>
+          <a:custGeom>
+            <a:rect b="b" l="l" r="r" t="t"/>
+            <a:pathLst>
+              <a:path extrusionOk="0" h="120000" w="120000">
+                <a:moveTo>
+                  <a:pt x="0" y="0"/>
+                </a:moveTo>
+                <a:lnTo>
+                  <a:pt x="120000" y="0"/>
+                </a:lnTo>
+                <a:lnTo>
+                  <a:pt x="120000" y="120000"/>
+                </a:lnTo>
+                <a:lnTo>
+                  <a:pt x="0" y="120000"/>
+                </a:lnTo>
+                <a:close/>
+              </a:path>
+            </a:pathLst>
+          </a:custGeom>
+        </p:spPr>
+      </p:sp>
+      <p:sp>
+        <p:nvSpPr>
+          <p:cNvPr id="157" name="Google Shape;157;g35f391192_017:notes"/>
           <p:cNvSpPr txBox="1"/>
           <p:nvPr>
             <p:ph idx="1" type="body"/>
@@ -9015,6 +9225,699 @@
 </p:sld>
 </file>
 
+<file path=ppt/slides/slide10.xml><?xml version="1.0" encoding="utf-8"?>
+<p:sld xmlns:a="http://schemas.openxmlformats.org/drawingml/2006/main" xmlns:r="http://schemas.openxmlformats.org/officeDocument/2006/relationships" xmlns:mc="http://schemas.openxmlformats.org/markup-compatibility/2006" xmlns:mv="urn:schemas-microsoft-com:mac:vml" xmlns:p="http://schemas.openxmlformats.org/presentationml/2006/main" xmlns:c="http://schemas.openxmlformats.org/drawingml/2006/chart" xmlns:dgm="http://schemas.openxmlformats.org/drawingml/2006/diagram" xmlns:o="urn:schemas-microsoft-com:office:office" xmlns:v="urn:schemas-microsoft-com:vml" xmlns:pvml="urn:schemas-microsoft-com:office:powerpoint" xmlns:com="http://schemas.openxmlformats.org/drawingml/2006/compatibility" xmlns:p14="http://schemas.microsoft.com/office/powerpoint/2010/main" xmlns:p15="http://schemas.microsoft.com/office/powerpoint/2012/main">
+  <p:cSld>
+    <p:spTree>
+      <p:nvGrpSpPr>
+        <p:cNvPr id="166" name="Shape 166"/>
+        <p:cNvGrpSpPr/>
+        <p:nvPr/>
+      </p:nvGrpSpPr>
+      <p:grpSpPr>
+        <a:xfrm>
+          <a:off x="0" y="0"/>
+          <a:ext cx="0" cy="0"/>
+          <a:chOff x="0" y="0"/>
+          <a:chExt cx="0" cy="0"/>
+        </a:xfrm>
+      </p:grpSpPr>
+      <p:sp>
+        <p:nvSpPr>
+          <p:cNvPr id="167" name="Google Shape;167;p21"/>
+          <p:cNvSpPr txBox="1"/>
+          <p:nvPr>
+            <p:ph idx="12" type="sldNum"/>
+          </p:nvPr>
+        </p:nvSpPr>
+        <p:spPr>
+          <a:xfrm>
+            <a:off x="8604400" y="4590300"/>
+            <a:ext cx="539700" cy="553200"/>
+          </a:xfrm>
+          <a:prstGeom prst="rect">
+            <a:avLst/>
+          </a:prstGeom>
+        </p:spPr>
+        <p:txBody>
+          <a:bodyPr anchorCtr="0" anchor="ctr" bIns="91425" lIns="91425" spcFirstLastPara="1" rIns="91425" wrap="square" tIns="91425">
+            <a:noAutofit/>
+          </a:bodyPr>
+          <a:lstStyle/>
+          <a:p>
+            <a:pPr indent="0" lvl="0" marL="0" rtl="0" algn="ctr">
+              <a:spcBef>
+                <a:spcPts val="0"/>
+              </a:spcBef>
+              <a:spcAft>
+                <a:spcPts val="0"/>
+              </a:spcAft>
+              <a:buNone/>
+            </a:pPr>
+            <a:fld id="{00000000-1234-1234-1234-123412341234}" type="slidenum">
+              <a:rPr lang="en"/>
+              <a:t>‹#›</a:t>
+            </a:fld>
+            <a:endParaRPr/>
+          </a:p>
+        </p:txBody>
+      </p:sp>
+      <p:sp>
+        <p:nvSpPr>
+          <p:cNvPr id="168" name="Google Shape;168;p21"/>
+          <p:cNvSpPr txBox="1"/>
+          <p:nvPr>
+            <p:ph idx="4294967295" type="ctrTitle"/>
+          </p:nvPr>
+        </p:nvSpPr>
+        <p:spPr>
+          <a:xfrm>
+            <a:off x="685800" y="1507150"/>
+            <a:ext cx="6593700" cy="1159800"/>
+          </a:xfrm>
+          <a:prstGeom prst="rect">
+            <a:avLst/>
+          </a:prstGeom>
+        </p:spPr>
+        <p:txBody>
+          <a:bodyPr anchorCtr="0" anchor="t" bIns="91425" lIns="91425" spcFirstLastPara="1" rIns="91425" wrap="square" tIns="91425">
+            <a:noAutofit/>
+          </a:bodyPr>
+          <a:lstStyle/>
+          <a:p>
+            <a:pPr indent="0" lvl="0" marL="0" rtl="0" algn="l">
+              <a:spcBef>
+                <a:spcPts val="0"/>
+              </a:spcBef>
+              <a:spcAft>
+                <a:spcPts val="0"/>
+              </a:spcAft>
+              <a:buNone/>
+            </a:pPr>
+            <a:r>
+              <a:rPr lang="en" sz="9600">
+                <a:solidFill>
+                  <a:srgbClr val="FFB600"/>
+                </a:solidFill>
+              </a:rPr>
+              <a:t>Obrigado</a:t>
+            </a:r>
+            <a:r>
+              <a:rPr lang="en" sz="9600">
+                <a:solidFill>
+                  <a:srgbClr val="FFB600"/>
+                </a:solidFill>
+              </a:rPr>
+              <a:t>!</a:t>
+            </a:r>
+            <a:endParaRPr sz="9600">
+              <a:solidFill>
+                <a:srgbClr val="FFB600"/>
+              </a:solidFill>
+            </a:endParaRPr>
+          </a:p>
+          <a:p>
+            <a:pPr indent="0" lvl="0" marL="0" rtl="0" algn="l">
+              <a:spcBef>
+                <a:spcPts val="0"/>
+              </a:spcBef>
+              <a:spcAft>
+                <a:spcPts val="0"/>
+              </a:spcAft>
+              <a:buNone/>
+            </a:pPr>
+            <a:r>
+              <a:t/>
+            </a:r>
+            <a:endParaRPr sz="9600">
+              <a:solidFill>
+                <a:srgbClr val="FFB600"/>
+              </a:solidFill>
+            </a:endParaRPr>
+          </a:p>
+        </p:txBody>
+      </p:sp>
+      <p:sp>
+        <p:nvSpPr>
+          <p:cNvPr id="169" name="Google Shape;169;p21"/>
+          <p:cNvSpPr txBox="1"/>
+          <p:nvPr>
+            <p:ph idx="4294967295" type="subTitle"/>
+          </p:nvPr>
+        </p:nvSpPr>
+        <p:spPr>
+          <a:xfrm>
+            <a:off x="685800" y="2860000"/>
+            <a:ext cx="6593700" cy="1930500"/>
+          </a:xfrm>
+          <a:prstGeom prst="rect">
+            <a:avLst/>
+          </a:prstGeom>
+        </p:spPr>
+        <p:txBody>
+          <a:bodyPr anchorCtr="0" anchor="t" bIns="91425" lIns="91425" spcFirstLastPara="1" rIns="91425" wrap="square" tIns="91425">
+            <a:noAutofit/>
+          </a:bodyPr>
+          <a:lstStyle/>
+          <a:p>
+            <a:pPr indent="0" lvl="0" marL="0" rtl="0" algn="l">
+              <a:spcBef>
+                <a:spcPts val="600"/>
+              </a:spcBef>
+              <a:spcAft>
+                <a:spcPts val="0"/>
+              </a:spcAft>
+              <a:buNone/>
+            </a:pPr>
+            <a:r>
+              <a:rPr b="1" lang="en" sz="3600"/>
+              <a:t>Alguma pergunta?</a:t>
+            </a:r>
+            <a:endParaRPr b="1" sz="3600"/>
+          </a:p>
+          <a:p>
+            <a:pPr indent="0" lvl="0" marL="0" rtl="0" algn="l">
+              <a:spcBef>
+                <a:spcPts val="600"/>
+              </a:spcBef>
+              <a:spcAft>
+                <a:spcPts val="0"/>
+              </a:spcAft>
+              <a:buClr>
+                <a:schemeClr val="dk1"/>
+              </a:buClr>
+              <a:buSzPts val="1100"/>
+              <a:buFont typeface="Arial"/>
+              <a:buNone/>
+            </a:pPr>
+            <a:r>
+              <a:rPr lang="en"/>
+              <a:t>Podem entrar em contato comigo em:</a:t>
+            </a:r>
+            <a:endParaRPr/>
+          </a:p>
+          <a:p>
+            <a:pPr indent="0" lvl="0" marL="0" rtl="0" algn="l">
+              <a:spcBef>
+                <a:spcPts val="600"/>
+              </a:spcBef>
+              <a:spcAft>
+                <a:spcPts val="0"/>
+              </a:spcAft>
+              <a:buClr>
+                <a:schemeClr val="dk1"/>
+              </a:buClr>
+              <a:buSzPts val="1100"/>
+              <a:buFont typeface="Arial"/>
+              <a:buNone/>
+            </a:pPr>
+            <a:r>
+              <a:rPr lang="en"/>
+              <a:t>@tyronedamasceno &amp; tyronedamasceno@gmail.com</a:t>
+            </a:r>
+            <a:endParaRPr/>
+          </a:p>
+        </p:txBody>
+      </p:sp>
+      <p:sp>
+        <p:nvSpPr>
+          <p:cNvPr id="170" name="Google Shape;170;p21"/>
+          <p:cNvSpPr/>
+          <p:nvPr/>
+        </p:nvSpPr>
+        <p:spPr>
+          <a:xfrm>
+            <a:off x="8054234" y="327815"/>
+            <a:ext cx="798007" cy="725835"/>
+          </a:xfrm>
+          <a:custGeom>
+            <a:rect b="b" l="l" r="r" t="t"/>
+            <a:pathLst>
+              <a:path extrusionOk="0" h="14752" w="16218">
+                <a:moveTo>
+                  <a:pt x="7694" y="0"/>
+                </a:moveTo>
+                <a:lnTo>
+                  <a:pt x="7279" y="25"/>
+                </a:lnTo>
+                <a:lnTo>
+                  <a:pt x="6863" y="74"/>
+                </a:lnTo>
+                <a:lnTo>
+                  <a:pt x="6473" y="123"/>
+                </a:lnTo>
+                <a:lnTo>
+                  <a:pt x="6082" y="196"/>
+                </a:lnTo>
+                <a:lnTo>
+                  <a:pt x="5691" y="293"/>
+                </a:lnTo>
+                <a:lnTo>
+                  <a:pt x="5325" y="416"/>
+                </a:lnTo>
+                <a:lnTo>
+                  <a:pt x="4958" y="538"/>
+                </a:lnTo>
+                <a:lnTo>
+                  <a:pt x="4592" y="660"/>
+                </a:lnTo>
+                <a:lnTo>
+                  <a:pt x="4250" y="831"/>
+                </a:lnTo>
+                <a:lnTo>
+                  <a:pt x="3908" y="977"/>
+                </a:lnTo>
+                <a:lnTo>
+                  <a:pt x="3566" y="1173"/>
+                </a:lnTo>
+                <a:lnTo>
+                  <a:pt x="3249" y="1368"/>
+                </a:lnTo>
+                <a:lnTo>
+                  <a:pt x="2956" y="1563"/>
+                </a:lnTo>
+                <a:lnTo>
+                  <a:pt x="2663" y="1783"/>
+                </a:lnTo>
+                <a:lnTo>
+                  <a:pt x="2370" y="2003"/>
+                </a:lnTo>
+                <a:lnTo>
+                  <a:pt x="2101" y="2247"/>
+                </a:lnTo>
+                <a:lnTo>
+                  <a:pt x="1857" y="2492"/>
+                </a:lnTo>
+                <a:lnTo>
+                  <a:pt x="1612" y="2760"/>
+                </a:lnTo>
+                <a:lnTo>
+                  <a:pt x="1393" y="3029"/>
+                </a:lnTo>
+                <a:lnTo>
+                  <a:pt x="1173" y="3298"/>
+                </a:lnTo>
+                <a:lnTo>
+                  <a:pt x="977" y="3591"/>
+                </a:lnTo>
+                <a:lnTo>
+                  <a:pt x="807" y="3884"/>
+                </a:lnTo>
+                <a:lnTo>
+                  <a:pt x="636" y="4201"/>
+                </a:lnTo>
+                <a:lnTo>
+                  <a:pt x="489" y="4519"/>
+                </a:lnTo>
+                <a:lnTo>
+                  <a:pt x="367" y="4836"/>
+                </a:lnTo>
+                <a:lnTo>
+                  <a:pt x="245" y="5154"/>
+                </a:lnTo>
+                <a:lnTo>
+                  <a:pt x="172" y="5496"/>
+                </a:lnTo>
+                <a:lnTo>
+                  <a:pt x="98" y="5838"/>
+                </a:lnTo>
+                <a:lnTo>
+                  <a:pt x="49" y="6179"/>
+                </a:lnTo>
+                <a:lnTo>
+                  <a:pt x="1" y="6521"/>
+                </a:lnTo>
+                <a:lnTo>
+                  <a:pt x="1" y="6888"/>
+                </a:lnTo>
+                <a:lnTo>
+                  <a:pt x="1" y="7254"/>
+                </a:lnTo>
+                <a:lnTo>
+                  <a:pt x="49" y="7645"/>
+                </a:lnTo>
+                <a:lnTo>
+                  <a:pt x="98" y="8011"/>
+                </a:lnTo>
+                <a:lnTo>
+                  <a:pt x="196" y="8353"/>
+                </a:lnTo>
+                <a:lnTo>
+                  <a:pt x="294" y="8719"/>
+                </a:lnTo>
+                <a:lnTo>
+                  <a:pt x="416" y="9061"/>
+                </a:lnTo>
+                <a:lnTo>
+                  <a:pt x="562" y="9403"/>
+                </a:lnTo>
+                <a:lnTo>
+                  <a:pt x="733" y="9745"/>
+                </a:lnTo>
+                <a:lnTo>
+                  <a:pt x="904" y="10063"/>
+                </a:lnTo>
+                <a:lnTo>
+                  <a:pt x="1100" y="10356"/>
+                </a:lnTo>
+                <a:lnTo>
+                  <a:pt x="1344" y="10673"/>
+                </a:lnTo>
+                <a:lnTo>
+                  <a:pt x="1564" y="10966"/>
+                </a:lnTo>
+                <a:lnTo>
+                  <a:pt x="1832" y="11235"/>
+                </a:lnTo>
+                <a:lnTo>
+                  <a:pt x="2101" y="11504"/>
+                </a:lnTo>
+                <a:lnTo>
+                  <a:pt x="2394" y="11772"/>
+                </a:lnTo>
+                <a:lnTo>
+                  <a:pt x="2687" y="12017"/>
+                </a:lnTo>
+                <a:lnTo>
+                  <a:pt x="2492" y="12383"/>
+                </a:lnTo>
+                <a:lnTo>
+                  <a:pt x="2272" y="12749"/>
+                </a:lnTo>
+                <a:lnTo>
+                  <a:pt x="2028" y="13140"/>
+                </a:lnTo>
+                <a:lnTo>
+                  <a:pt x="1710" y="13506"/>
+                </a:lnTo>
+                <a:lnTo>
+                  <a:pt x="1368" y="13873"/>
+                </a:lnTo>
+                <a:lnTo>
+                  <a:pt x="1173" y="14044"/>
+                </a:lnTo>
+                <a:lnTo>
+                  <a:pt x="953" y="14190"/>
+                </a:lnTo>
+                <a:lnTo>
+                  <a:pt x="733" y="14337"/>
+                </a:lnTo>
+                <a:lnTo>
+                  <a:pt x="513" y="14483"/>
+                </a:lnTo>
+                <a:lnTo>
+                  <a:pt x="269" y="14581"/>
+                </a:lnTo>
+                <a:lnTo>
+                  <a:pt x="1" y="14703"/>
+                </a:lnTo>
+                <a:lnTo>
+                  <a:pt x="123" y="14703"/>
+                </a:lnTo>
+                <a:lnTo>
+                  <a:pt x="489" y="14752"/>
+                </a:lnTo>
+                <a:lnTo>
+                  <a:pt x="1368" y="14752"/>
+                </a:lnTo>
+                <a:lnTo>
+                  <a:pt x="1710" y="14728"/>
+                </a:lnTo>
+                <a:lnTo>
+                  <a:pt x="2101" y="14654"/>
+                </a:lnTo>
+                <a:lnTo>
+                  <a:pt x="2492" y="14581"/>
+                </a:lnTo>
+                <a:lnTo>
+                  <a:pt x="2907" y="14459"/>
+                </a:lnTo>
+                <a:lnTo>
+                  <a:pt x="3322" y="14312"/>
+                </a:lnTo>
+                <a:lnTo>
+                  <a:pt x="3762" y="14117"/>
+                </a:lnTo>
+                <a:lnTo>
+                  <a:pt x="4177" y="13873"/>
+                </a:lnTo>
+                <a:lnTo>
+                  <a:pt x="4592" y="13604"/>
+                </a:lnTo>
+                <a:lnTo>
+                  <a:pt x="4983" y="13238"/>
+                </a:lnTo>
+                <a:lnTo>
+                  <a:pt x="5349" y="13360"/>
+                </a:lnTo>
+                <a:lnTo>
+                  <a:pt x="5716" y="13482"/>
+                </a:lnTo>
+                <a:lnTo>
+                  <a:pt x="6106" y="13555"/>
+                </a:lnTo>
+                <a:lnTo>
+                  <a:pt x="6497" y="13628"/>
+                </a:lnTo>
+                <a:lnTo>
+                  <a:pt x="6888" y="13702"/>
+                </a:lnTo>
+                <a:lnTo>
+                  <a:pt x="7279" y="13751"/>
+                </a:lnTo>
+                <a:lnTo>
+                  <a:pt x="7694" y="13775"/>
+                </a:lnTo>
+                <a:lnTo>
+                  <a:pt x="8524" y="13775"/>
+                </a:lnTo>
+                <a:lnTo>
+                  <a:pt x="8939" y="13751"/>
+                </a:lnTo>
+                <a:lnTo>
+                  <a:pt x="9355" y="13702"/>
+                </a:lnTo>
+                <a:lnTo>
+                  <a:pt x="9745" y="13628"/>
+                </a:lnTo>
+                <a:lnTo>
+                  <a:pt x="10136" y="13555"/>
+                </a:lnTo>
+                <a:lnTo>
+                  <a:pt x="10527" y="13458"/>
+                </a:lnTo>
+                <a:lnTo>
+                  <a:pt x="10893" y="13360"/>
+                </a:lnTo>
+                <a:lnTo>
+                  <a:pt x="11260" y="13238"/>
+                </a:lnTo>
+                <a:lnTo>
+                  <a:pt x="11626" y="13091"/>
+                </a:lnTo>
+                <a:lnTo>
+                  <a:pt x="11968" y="12945"/>
+                </a:lnTo>
+                <a:lnTo>
+                  <a:pt x="12310" y="12774"/>
+                </a:lnTo>
+                <a:lnTo>
+                  <a:pt x="12652" y="12603"/>
+                </a:lnTo>
+                <a:lnTo>
+                  <a:pt x="12969" y="12407"/>
+                </a:lnTo>
+                <a:lnTo>
+                  <a:pt x="13262" y="12212"/>
+                </a:lnTo>
+                <a:lnTo>
+                  <a:pt x="13555" y="11992"/>
+                </a:lnTo>
+                <a:lnTo>
+                  <a:pt x="13848" y="11748"/>
+                </a:lnTo>
+                <a:lnTo>
+                  <a:pt x="14117" y="11528"/>
+                </a:lnTo>
+                <a:lnTo>
+                  <a:pt x="14361" y="11259"/>
+                </a:lnTo>
+                <a:lnTo>
+                  <a:pt x="14606" y="11015"/>
+                </a:lnTo>
+                <a:lnTo>
+                  <a:pt x="14825" y="10747"/>
+                </a:lnTo>
+                <a:lnTo>
+                  <a:pt x="15045" y="10453"/>
+                </a:lnTo>
+                <a:lnTo>
+                  <a:pt x="15241" y="10160"/>
+                </a:lnTo>
+                <a:lnTo>
+                  <a:pt x="15412" y="9867"/>
+                </a:lnTo>
+                <a:lnTo>
+                  <a:pt x="15582" y="9574"/>
+                </a:lnTo>
+                <a:lnTo>
+                  <a:pt x="15729" y="9257"/>
+                </a:lnTo>
+                <a:lnTo>
+                  <a:pt x="15851" y="8939"/>
+                </a:lnTo>
+                <a:lnTo>
+                  <a:pt x="15973" y="8597"/>
+                </a:lnTo>
+                <a:lnTo>
+                  <a:pt x="16047" y="8280"/>
+                </a:lnTo>
+                <a:lnTo>
+                  <a:pt x="16120" y="7938"/>
+                </a:lnTo>
+                <a:lnTo>
+                  <a:pt x="16169" y="7596"/>
+                </a:lnTo>
+                <a:lnTo>
+                  <a:pt x="16217" y="7230"/>
+                </a:lnTo>
+                <a:lnTo>
+                  <a:pt x="16217" y="6888"/>
+                </a:lnTo>
+                <a:lnTo>
+                  <a:pt x="16217" y="6521"/>
+                </a:lnTo>
+                <a:lnTo>
+                  <a:pt x="16169" y="6179"/>
+                </a:lnTo>
+                <a:lnTo>
+                  <a:pt x="16120" y="5838"/>
+                </a:lnTo>
+                <a:lnTo>
+                  <a:pt x="16047" y="5496"/>
+                </a:lnTo>
+                <a:lnTo>
+                  <a:pt x="15973" y="5154"/>
+                </a:lnTo>
+                <a:lnTo>
+                  <a:pt x="15851" y="4836"/>
+                </a:lnTo>
+                <a:lnTo>
+                  <a:pt x="15729" y="4519"/>
+                </a:lnTo>
+                <a:lnTo>
+                  <a:pt x="15582" y="4201"/>
+                </a:lnTo>
+                <a:lnTo>
+                  <a:pt x="15412" y="3884"/>
+                </a:lnTo>
+                <a:lnTo>
+                  <a:pt x="15241" y="3591"/>
+                </a:lnTo>
+                <a:lnTo>
+                  <a:pt x="15045" y="3298"/>
+                </a:lnTo>
+                <a:lnTo>
+                  <a:pt x="14825" y="3029"/>
+                </a:lnTo>
+                <a:lnTo>
+                  <a:pt x="14606" y="2760"/>
+                </a:lnTo>
+                <a:lnTo>
+                  <a:pt x="14361" y="2492"/>
+                </a:lnTo>
+                <a:lnTo>
+                  <a:pt x="14117" y="2247"/>
+                </a:lnTo>
+                <a:lnTo>
+                  <a:pt x="13848" y="2003"/>
+                </a:lnTo>
+                <a:lnTo>
+                  <a:pt x="13555" y="1783"/>
+                </a:lnTo>
+                <a:lnTo>
+                  <a:pt x="13262" y="1563"/>
+                </a:lnTo>
+                <a:lnTo>
+                  <a:pt x="12969" y="1368"/>
+                </a:lnTo>
+                <a:lnTo>
+                  <a:pt x="12652" y="1173"/>
+                </a:lnTo>
+                <a:lnTo>
+                  <a:pt x="12310" y="977"/>
+                </a:lnTo>
+                <a:lnTo>
+                  <a:pt x="11968" y="831"/>
+                </a:lnTo>
+                <a:lnTo>
+                  <a:pt x="11626" y="660"/>
+                </a:lnTo>
+                <a:lnTo>
+                  <a:pt x="11260" y="538"/>
+                </a:lnTo>
+                <a:lnTo>
+                  <a:pt x="10893" y="416"/>
+                </a:lnTo>
+                <a:lnTo>
+                  <a:pt x="10527" y="293"/>
+                </a:lnTo>
+                <a:lnTo>
+                  <a:pt x="10136" y="196"/>
+                </a:lnTo>
+                <a:lnTo>
+                  <a:pt x="9745" y="123"/>
+                </a:lnTo>
+                <a:lnTo>
+                  <a:pt x="9355" y="74"/>
+                </a:lnTo>
+                <a:lnTo>
+                  <a:pt x="8939" y="25"/>
+                </a:lnTo>
+                <a:lnTo>
+                  <a:pt x="8524" y="0"/>
+                </a:lnTo>
+                <a:close/>
+              </a:path>
+            </a:pathLst>
+          </a:custGeom>
+          <a:solidFill>
+            <a:srgbClr val="FFB600"/>
+          </a:solidFill>
+          <a:ln>
+            <a:noFill/>
+          </a:ln>
+        </p:spPr>
+        <p:txBody>
+          <a:bodyPr anchorCtr="0" anchor="ctr" bIns="91425" lIns="91425" spcFirstLastPara="1" rIns="91425" wrap="square" tIns="91425">
+            <a:noAutofit/>
+          </a:bodyPr>
+          <a:lstStyle/>
+          <a:p>
+            <a:pPr indent="0" lvl="0" marL="0" rtl="0" algn="l">
+              <a:spcBef>
+                <a:spcPts val="0"/>
+              </a:spcBef>
+              <a:spcAft>
+                <a:spcPts val="0"/>
+              </a:spcAft>
+              <a:buNone/>
+            </a:pPr>
+            <a:r>
+              <a:t/>
+            </a:r>
+            <a:endParaRPr/>
+          </a:p>
+        </p:txBody>
+      </p:sp>
+    </p:spTree>
+  </p:cSld>
+  <p:clrMapOvr>
+    <a:masterClrMapping/>
+  </p:clrMapOvr>
+</p:sld>
+</file>
+
 <file path=ppt/slides/slide2.xml><?xml version="1.0" encoding="utf-8"?>
 <p:sld xmlns:a="http://schemas.openxmlformats.org/drawingml/2006/main" xmlns:r="http://schemas.openxmlformats.org/officeDocument/2006/relationships" xmlns:mc="http://schemas.openxmlformats.org/markup-compatibility/2006" xmlns:mv="urn:schemas-microsoft-com:mac:vml" xmlns:p="http://schemas.openxmlformats.org/presentationml/2006/main" xmlns:c="http://schemas.openxmlformats.org/drawingml/2006/chart" xmlns:dgm="http://schemas.openxmlformats.org/drawingml/2006/diagram" xmlns:o="urn:schemas-microsoft-com:office:office" xmlns:v="urn:schemas-microsoft-com:vml" xmlns:pvml="urn:schemas-microsoft-com:office:powerpoint" xmlns:com="http://schemas.openxmlformats.org/drawingml/2006/compatibility" xmlns:p14="http://schemas.microsoft.com/office/powerpoint/2010/main" xmlns:p15="http://schemas.microsoft.com/office/powerpoint/2012/main">
   <p:cSld>
@@ -10741,8 +11644,8 @@
         </p:nvSpPr>
         <p:spPr>
           <a:xfrm>
-            <a:off x="922000" y="891775"/>
-            <a:ext cx="6866100" cy="857400"/>
+            <a:off x="584500" y="891775"/>
+            <a:ext cx="7203600" cy="857400"/>
           </a:xfrm>
           <a:prstGeom prst="rect">
             <a:avLst/>
@@ -10765,7 +11668,11 @@
             </a:pPr>
             <a:r>
               <a:rPr lang="en"/>
-              <a:t>Passo-a-passo</a:t>
+              <a:t>Comandos </a:t>
+            </a:r>
+            <a:r>
+              <a:rPr lang="en"/>
+              <a:t>comuns</a:t>
             </a:r>
             <a:endParaRPr/>
           </a:p>
@@ -10774,6 +11681,282 @@
       <p:sp>
         <p:nvSpPr>
           <p:cNvPr id="116" name="Google Shape;116;p18"/>
+          <p:cNvSpPr txBox="1"/>
+          <p:nvPr>
+            <p:ph idx="1" type="body"/>
+          </p:nvPr>
+        </p:nvSpPr>
+        <p:spPr>
+          <a:xfrm>
+            <a:off x="954125" y="3248400"/>
+            <a:ext cx="2332200" cy="1341900"/>
+          </a:xfrm>
+          <a:prstGeom prst="rect">
+            <a:avLst/>
+          </a:prstGeom>
+        </p:spPr>
+        <p:txBody>
+          <a:bodyPr anchorCtr="0" anchor="t" bIns="91425" lIns="91425" spcFirstLastPara="1" rIns="91425" wrap="square" tIns="91425">
+            <a:noAutofit/>
+          </a:bodyPr>
+          <a:lstStyle/>
+          <a:p>
+            <a:pPr indent="0" lvl="0" marL="0" rtl="0" algn="l">
+              <a:spcBef>
+                <a:spcPts val="600"/>
+              </a:spcBef>
+              <a:spcAft>
+                <a:spcPts val="0"/>
+              </a:spcAft>
+              <a:buNone/>
+            </a:pPr>
+            <a:r>
+              <a:rPr lang="en" sz="1600">
+                <a:latin typeface="Source Code Pro Medium"/>
+                <a:ea typeface="Source Code Pro Medium"/>
+                <a:cs typeface="Source Code Pro Medium"/>
+                <a:sym typeface="Source Code Pro Medium"/>
+              </a:rPr>
+              <a:t>g</a:t>
+            </a:r>
+            <a:r>
+              <a:rPr lang="en" sz="1600">
+                <a:latin typeface="Source Code Pro Medium"/>
+                <a:ea typeface="Source Code Pro Medium"/>
+                <a:cs typeface="Source Code Pro Medium"/>
+                <a:sym typeface="Source Code Pro Medium"/>
+              </a:rPr>
+              <a:t>it status</a:t>
+            </a:r>
+            <a:endParaRPr sz="1600">
+              <a:latin typeface="Source Code Pro Medium"/>
+              <a:ea typeface="Source Code Pro Medium"/>
+              <a:cs typeface="Source Code Pro Medium"/>
+              <a:sym typeface="Source Code Pro Medium"/>
+            </a:endParaRPr>
+          </a:p>
+          <a:p>
+            <a:pPr indent="0" lvl="0" marL="0" rtl="0" algn="l">
+              <a:spcBef>
+                <a:spcPts val="600"/>
+              </a:spcBef>
+              <a:spcAft>
+                <a:spcPts val="0"/>
+              </a:spcAft>
+              <a:buNone/>
+            </a:pPr>
+            <a:r>
+              <a:t/>
+            </a:r>
+            <a:endParaRPr b="1"/>
+          </a:p>
+          <a:p>
+            <a:pPr indent="0" lvl="0" marL="0" rtl="0" algn="l">
+              <a:spcBef>
+                <a:spcPts val="600"/>
+              </a:spcBef>
+              <a:spcAft>
+                <a:spcPts val="0"/>
+              </a:spcAft>
+              <a:buNone/>
+            </a:pPr>
+            <a:r>
+              <a:rPr lang="en"/>
+              <a:t>Verifica a situação atual do repositório</a:t>
+            </a:r>
+            <a:endParaRPr/>
+          </a:p>
+        </p:txBody>
+      </p:sp>
+      <p:sp>
+        <p:nvSpPr>
+          <p:cNvPr id="117" name="Google Shape;117;p18"/>
+          <p:cNvSpPr txBox="1"/>
+          <p:nvPr>
+            <p:ph idx="2" type="body"/>
+          </p:nvPr>
+        </p:nvSpPr>
+        <p:spPr>
+          <a:xfrm>
+            <a:off x="3405900" y="3248400"/>
+            <a:ext cx="2332200" cy="1341900"/>
+          </a:xfrm>
+          <a:prstGeom prst="rect">
+            <a:avLst/>
+          </a:prstGeom>
+        </p:spPr>
+        <p:txBody>
+          <a:bodyPr anchorCtr="0" anchor="t" bIns="91425" lIns="91425" spcFirstLastPara="1" rIns="91425" wrap="square" tIns="91425">
+            <a:noAutofit/>
+          </a:bodyPr>
+          <a:lstStyle/>
+          <a:p>
+            <a:pPr indent="0" lvl="0" marL="0" rtl="0" algn="l">
+              <a:spcBef>
+                <a:spcPts val="600"/>
+              </a:spcBef>
+              <a:spcAft>
+                <a:spcPts val="0"/>
+              </a:spcAft>
+              <a:buNone/>
+            </a:pPr>
+            <a:r>
+              <a:rPr lang="en" sz="1600">
+                <a:latin typeface="Source Code Pro Medium"/>
+                <a:ea typeface="Source Code Pro Medium"/>
+                <a:cs typeface="Source Code Pro Medium"/>
+                <a:sym typeface="Source Code Pro Medium"/>
+              </a:rPr>
+              <a:t>g</a:t>
+            </a:r>
+            <a:r>
+              <a:rPr lang="en" sz="1600">
+                <a:latin typeface="Source Code Pro Medium"/>
+                <a:ea typeface="Source Code Pro Medium"/>
+                <a:cs typeface="Source Code Pro Medium"/>
+                <a:sym typeface="Source Code Pro Medium"/>
+              </a:rPr>
+              <a:t>it pull</a:t>
+            </a:r>
+            <a:endParaRPr sz="1600">
+              <a:latin typeface="Source Code Pro Medium"/>
+              <a:ea typeface="Source Code Pro Medium"/>
+              <a:cs typeface="Source Code Pro Medium"/>
+              <a:sym typeface="Source Code Pro Medium"/>
+            </a:endParaRPr>
+          </a:p>
+          <a:p>
+            <a:pPr indent="0" lvl="0" marL="0" rtl="0" algn="l">
+              <a:spcBef>
+                <a:spcPts val="600"/>
+              </a:spcBef>
+              <a:spcAft>
+                <a:spcPts val="0"/>
+              </a:spcAft>
+              <a:buNone/>
+            </a:pPr>
+            <a:r>
+              <a:t/>
+            </a:r>
+            <a:endParaRPr/>
+          </a:p>
+          <a:p>
+            <a:pPr indent="0" lvl="0" marL="0" rtl="0" algn="l">
+              <a:spcBef>
+                <a:spcPts val="600"/>
+              </a:spcBef>
+              <a:spcAft>
+                <a:spcPts val="0"/>
+              </a:spcAft>
+              <a:buNone/>
+            </a:pPr>
+            <a:r>
+              <a:rPr lang="en"/>
+              <a:t>Traz as mudanças do repositório remoto</a:t>
+            </a:r>
+            <a:endParaRPr/>
+          </a:p>
+        </p:txBody>
+      </p:sp>
+      <p:sp>
+        <p:nvSpPr>
+          <p:cNvPr id="118" name="Google Shape;118;p18"/>
+          <p:cNvSpPr txBox="1"/>
+          <p:nvPr>
+            <p:ph idx="3" type="body"/>
+          </p:nvPr>
+        </p:nvSpPr>
+        <p:spPr>
+          <a:xfrm>
+            <a:off x="5857675" y="3248400"/>
+            <a:ext cx="2332200" cy="1341900"/>
+          </a:xfrm>
+          <a:prstGeom prst="rect">
+            <a:avLst/>
+          </a:prstGeom>
+        </p:spPr>
+        <p:txBody>
+          <a:bodyPr anchorCtr="0" anchor="t" bIns="91425" lIns="91425" spcFirstLastPara="1" rIns="91425" wrap="square" tIns="91425">
+            <a:noAutofit/>
+          </a:bodyPr>
+          <a:lstStyle/>
+          <a:p>
+            <a:pPr indent="0" lvl="0" marL="0" rtl="0" algn="l">
+              <a:spcBef>
+                <a:spcPts val="600"/>
+              </a:spcBef>
+              <a:spcAft>
+                <a:spcPts val="0"/>
+              </a:spcAft>
+              <a:buNone/>
+            </a:pPr>
+            <a:r>
+              <a:rPr lang="en" sz="1600">
+                <a:latin typeface="Source Code Pro Medium"/>
+                <a:ea typeface="Source Code Pro Medium"/>
+                <a:cs typeface="Source Code Pro Medium"/>
+                <a:sym typeface="Source Code Pro Medium"/>
+              </a:rPr>
+              <a:t>git push</a:t>
+            </a:r>
+            <a:endParaRPr sz="1600">
+              <a:latin typeface="Source Code Pro Medium"/>
+              <a:ea typeface="Source Code Pro Medium"/>
+              <a:cs typeface="Source Code Pro Medium"/>
+              <a:sym typeface="Source Code Pro Medium"/>
+            </a:endParaRPr>
+          </a:p>
+          <a:p>
+            <a:pPr indent="0" lvl="0" marL="0" rtl="0" algn="l">
+              <a:spcBef>
+                <a:spcPts val="600"/>
+              </a:spcBef>
+              <a:spcAft>
+                <a:spcPts val="0"/>
+              </a:spcAft>
+              <a:buNone/>
+            </a:pPr>
+            <a:r>
+              <a:t/>
+            </a:r>
+            <a:endParaRPr/>
+          </a:p>
+          <a:p>
+            <a:pPr indent="0" lvl="0" marL="0" rtl="0" algn="l">
+              <a:spcBef>
+                <a:spcPts val="600"/>
+              </a:spcBef>
+              <a:spcAft>
+                <a:spcPts val="0"/>
+              </a:spcAft>
+              <a:buNone/>
+            </a:pPr>
+            <a:r>
+              <a:rPr lang="en"/>
+              <a:t>Envia os commits locais para o repositório remoto</a:t>
+            </a:r>
+            <a:endParaRPr/>
+          </a:p>
+          <a:p>
+            <a:pPr indent="0" lvl="0" marL="0" rtl="0" algn="l">
+              <a:spcBef>
+                <a:spcPts val="600"/>
+              </a:spcBef>
+              <a:spcAft>
+                <a:spcPts val="0"/>
+              </a:spcAft>
+              <a:buNone/>
+            </a:pPr>
+            <a:r>
+              <a:t/>
+            </a:r>
+            <a:endParaRPr/>
+          </a:p>
+        </p:txBody>
+      </p:sp>
+      <p:sp>
+        <p:nvSpPr>
+          <p:cNvPr id="119" name="Google Shape;119;p18"/>
           <p:cNvSpPr txBox="1"/>
           <p:nvPr>
             <p:ph idx="12" type="sldNum"/>
@@ -10813,7 +11996,7 @@
       </p:sp>
       <p:sp>
         <p:nvSpPr>
-          <p:cNvPr id="117" name="Google Shape;117;p18"/>
+          <p:cNvPr id="120" name="Google Shape;120;p18"/>
           <p:cNvSpPr/>
           <p:nvPr/>
         </p:nvSpPr>
@@ -11800,7 +12983,3822 @@
       </p:sp>
       <p:sp>
         <p:nvSpPr>
-          <p:cNvPr id="118" name="Google Shape;118;p18"/>
+          <p:cNvPr id="121" name="Google Shape;121;p18"/>
+          <p:cNvSpPr txBox="1"/>
+          <p:nvPr>
+            <p:ph idx="1" type="body"/>
+          </p:nvPr>
+        </p:nvSpPr>
+        <p:spPr>
+          <a:xfrm>
+            <a:off x="954125" y="1900800"/>
+            <a:ext cx="2332200" cy="1341900"/>
+          </a:xfrm>
+          <a:prstGeom prst="rect">
+            <a:avLst/>
+          </a:prstGeom>
+        </p:spPr>
+        <p:txBody>
+          <a:bodyPr anchorCtr="0" anchor="t" bIns="91425" lIns="91425" spcFirstLastPara="1" rIns="91425" wrap="square" tIns="91425">
+            <a:noAutofit/>
+          </a:bodyPr>
+          <a:lstStyle/>
+          <a:p>
+            <a:pPr indent="0" lvl="0" marL="0" rtl="0" algn="l">
+              <a:spcBef>
+                <a:spcPts val="600"/>
+              </a:spcBef>
+              <a:spcAft>
+                <a:spcPts val="0"/>
+              </a:spcAft>
+              <a:buNone/>
+            </a:pPr>
+            <a:r>
+              <a:rPr lang="en" sz="1600">
+                <a:latin typeface="Source Code Pro Medium"/>
+                <a:ea typeface="Source Code Pro Medium"/>
+                <a:cs typeface="Source Code Pro Medium"/>
+                <a:sym typeface="Source Code Pro Medium"/>
+              </a:rPr>
+              <a:t>git clone</a:t>
+            </a:r>
+            <a:endParaRPr sz="1600">
+              <a:latin typeface="Source Code Pro Medium"/>
+              <a:ea typeface="Source Code Pro Medium"/>
+              <a:cs typeface="Source Code Pro Medium"/>
+              <a:sym typeface="Source Code Pro Medium"/>
+            </a:endParaRPr>
+          </a:p>
+          <a:p>
+            <a:pPr indent="0" lvl="0" marL="0" rtl="0" algn="l">
+              <a:spcBef>
+                <a:spcPts val="600"/>
+              </a:spcBef>
+              <a:spcAft>
+                <a:spcPts val="0"/>
+              </a:spcAft>
+              <a:buNone/>
+            </a:pPr>
+            <a:r>
+              <a:t/>
+            </a:r>
+            <a:endParaRPr b="1"/>
+          </a:p>
+          <a:p>
+            <a:pPr indent="0" lvl="0" marL="0" rtl="0" algn="l">
+              <a:spcBef>
+                <a:spcPts val="600"/>
+              </a:spcBef>
+              <a:spcAft>
+                <a:spcPts val="0"/>
+              </a:spcAft>
+              <a:buNone/>
+            </a:pPr>
+            <a:r>
+              <a:rPr lang="en"/>
+              <a:t>Faz uma cópia do estado do repositório remoto</a:t>
+            </a:r>
+            <a:endParaRPr/>
+          </a:p>
+        </p:txBody>
+      </p:sp>
+      <p:sp>
+        <p:nvSpPr>
+          <p:cNvPr id="122" name="Google Shape;122;p18"/>
+          <p:cNvSpPr txBox="1"/>
+          <p:nvPr>
+            <p:ph idx="2" type="body"/>
+          </p:nvPr>
+        </p:nvSpPr>
+        <p:spPr>
+          <a:xfrm>
+            <a:off x="3405900" y="1900800"/>
+            <a:ext cx="2332200" cy="1341900"/>
+          </a:xfrm>
+          <a:prstGeom prst="rect">
+            <a:avLst/>
+          </a:prstGeom>
+        </p:spPr>
+        <p:txBody>
+          <a:bodyPr anchorCtr="0" anchor="t" bIns="91425" lIns="91425" spcFirstLastPara="1" rIns="91425" wrap="square" tIns="91425">
+            <a:noAutofit/>
+          </a:bodyPr>
+          <a:lstStyle/>
+          <a:p>
+            <a:pPr indent="0" lvl="0" marL="0" rtl="0" algn="l">
+              <a:spcBef>
+                <a:spcPts val="600"/>
+              </a:spcBef>
+              <a:spcAft>
+                <a:spcPts val="0"/>
+              </a:spcAft>
+              <a:buNone/>
+            </a:pPr>
+            <a:r>
+              <a:rPr lang="en" sz="1600">
+                <a:latin typeface="Source Code Pro Medium"/>
+                <a:ea typeface="Source Code Pro Medium"/>
+                <a:cs typeface="Source Code Pro Medium"/>
+                <a:sym typeface="Source Code Pro Medium"/>
+              </a:rPr>
+              <a:t>git add</a:t>
+            </a:r>
+            <a:endParaRPr sz="1600">
+              <a:latin typeface="Source Code Pro Medium"/>
+              <a:ea typeface="Source Code Pro Medium"/>
+              <a:cs typeface="Source Code Pro Medium"/>
+              <a:sym typeface="Source Code Pro Medium"/>
+            </a:endParaRPr>
+          </a:p>
+          <a:p>
+            <a:pPr indent="0" lvl="0" marL="0" rtl="0" algn="l">
+              <a:spcBef>
+                <a:spcPts val="600"/>
+              </a:spcBef>
+              <a:spcAft>
+                <a:spcPts val="0"/>
+              </a:spcAft>
+              <a:buNone/>
+            </a:pPr>
+            <a:r>
+              <a:t/>
+            </a:r>
+            <a:endParaRPr/>
+          </a:p>
+          <a:p>
+            <a:pPr indent="0" lvl="0" marL="0" rtl="0" algn="l">
+              <a:spcBef>
+                <a:spcPts val="600"/>
+              </a:spcBef>
+              <a:spcAft>
+                <a:spcPts val="0"/>
+              </a:spcAft>
+              <a:buNone/>
+            </a:pPr>
+            <a:r>
+              <a:rPr lang="en"/>
+              <a:t>Coloca as alterações em uma área de espera</a:t>
+            </a:r>
+            <a:endParaRPr/>
+          </a:p>
+        </p:txBody>
+      </p:sp>
+      <p:sp>
+        <p:nvSpPr>
+          <p:cNvPr id="123" name="Google Shape;123;p18"/>
+          <p:cNvSpPr txBox="1"/>
+          <p:nvPr>
+            <p:ph idx="3" type="body"/>
+          </p:nvPr>
+        </p:nvSpPr>
+        <p:spPr>
+          <a:xfrm>
+            <a:off x="5857675" y="1900800"/>
+            <a:ext cx="2332200" cy="1341900"/>
+          </a:xfrm>
+          <a:prstGeom prst="rect">
+            <a:avLst/>
+          </a:prstGeom>
+        </p:spPr>
+        <p:txBody>
+          <a:bodyPr anchorCtr="0" anchor="t" bIns="91425" lIns="91425" spcFirstLastPara="1" rIns="91425" wrap="square" tIns="91425">
+            <a:noAutofit/>
+          </a:bodyPr>
+          <a:lstStyle/>
+          <a:p>
+            <a:pPr indent="0" lvl="0" marL="0" rtl="0" algn="l">
+              <a:spcBef>
+                <a:spcPts val="600"/>
+              </a:spcBef>
+              <a:spcAft>
+                <a:spcPts val="0"/>
+              </a:spcAft>
+              <a:buNone/>
+            </a:pPr>
+            <a:r>
+              <a:rPr lang="en" sz="1600">
+                <a:latin typeface="Source Code Pro Medium"/>
+                <a:ea typeface="Source Code Pro Medium"/>
+                <a:cs typeface="Source Code Pro Medium"/>
+                <a:sym typeface="Source Code Pro Medium"/>
+              </a:rPr>
+              <a:t>git commit</a:t>
+            </a:r>
+            <a:endParaRPr sz="1600">
+              <a:latin typeface="Source Code Pro Medium"/>
+              <a:ea typeface="Source Code Pro Medium"/>
+              <a:cs typeface="Source Code Pro Medium"/>
+              <a:sym typeface="Source Code Pro Medium"/>
+            </a:endParaRPr>
+          </a:p>
+          <a:p>
+            <a:pPr indent="0" lvl="0" marL="0" rtl="0" algn="l">
+              <a:spcBef>
+                <a:spcPts val="600"/>
+              </a:spcBef>
+              <a:spcAft>
+                <a:spcPts val="0"/>
+              </a:spcAft>
+              <a:buNone/>
+            </a:pPr>
+            <a:r>
+              <a:t/>
+            </a:r>
+            <a:endParaRPr/>
+          </a:p>
+          <a:p>
+            <a:pPr indent="0" lvl="0" marL="0" rtl="0" algn="l">
+              <a:spcBef>
+                <a:spcPts val="600"/>
+              </a:spcBef>
+              <a:spcAft>
+                <a:spcPts val="0"/>
+              </a:spcAft>
+              <a:buClr>
+                <a:schemeClr val="dk1"/>
+              </a:buClr>
+              <a:buSzPts val="1100"/>
+              <a:buFont typeface="Arial"/>
+              <a:buNone/>
+            </a:pPr>
+            <a:r>
+              <a:rPr lang="en">
+                <a:solidFill>
+                  <a:schemeClr val="dk2"/>
+                </a:solidFill>
+              </a:rPr>
+              <a:t>Registra as mudanças do projeto naquele momento</a:t>
+            </a:r>
+            <a:endParaRPr/>
+          </a:p>
+          <a:p>
+            <a:pPr indent="0" lvl="0" marL="0" rtl="0" algn="l">
+              <a:spcBef>
+                <a:spcPts val="600"/>
+              </a:spcBef>
+              <a:spcAft>
+                <a:spcPts val="0"/>
+              </a:spcAft>
+              <a:buNone/>
+            </a:pPr>
+            <a:r>
+              <a:t/>
+            </a:r>
+            <a:endParaRPr/>
+          </a:p>
+        </p:txBody>
+      </p:sp>
+    </p:spTree>
+  </p:cSld>
+  <p:clrMapOvr>
+    <a:masterClrMapping/>
+  </p:clrMapOvr>
+</p:sld>
+</file>
+
+<file path=ppt/slides/slide8.xml><?xml version="1.0" encoding="utf-8"?>
+<p:sld xmlns:a="http://schemas.openxmlformats.org/drawingml/2006/main" xmlns:r="http://schemas.openxmlformats.org/officeDocument/2006/relationships" xmlns:mc="http://schemas.openxmlformats.org/markup-compatibility/2006" xmlns:mv="urn:schemas-microsoft-com:mac:vml" xmlns:p="http://schemas.openxmlformats.org/presentationml/2006/main" xmlns:c="http://schemas.openxmlformats.org/drawingml/2006/chart" xmlns:dgm="http://schemas.openxmlformats.org/drawingml/2006/diagram" xmlns:o="urn:schemas-microsoft-com:office:office" xmlns:v="urn:schemas-microsoft-com:vml" xmlns:pvml="urn:schemas-microsoft-com:office:powerpoint" xmlns:com="http://schemas.openxmlformats.org/drawingml/2006/compatibility" xmlns:p14="http://schemas.microsoft.com/office/powerpoint/2010/main" xmlns:p15="http://schemas.microsoft.com/office/powerpoint/2012/main">
+  <p:cSld>
+    <p:spTree>
+      <p:nvGrpSpPr>
+        <p:cNvPr id="127" name="Shape 127"/>
+        <p:cNvGrpSpPr/>
+        <p:nvPr/>
+      </p:nvGrpSpPr>
+      <p:grpSpPr>
+        <a:xfrm>
+          <a:off x="0" y="0"/>
+          <a:ext cx="0" cy="0"/>
+          <a:chOff x="0" y="0"/>
+          <a:chExt cx="0" cy="0"/>
+        </a:xfrm>
+      </p:grpSpPr>
+      <p:sp>
+        <p:nvSpPr>
+          <p:cNvPr id="128" name="Google Shape;128;p19"/>
+          <p:cNvSpPr txBox="1"/>
+          <p:nvPr>
+            <p:ph type="title"/>
+          </p:nvPr>
+        </p:nvSpPr>
+        <p:spPr>
+          <a:xfrm>
+            <a:off x="578350" y="684350"/>
+            <a:ext cx="3538200" cy="857400"/>
+          </a:xfrm>
+          <a:prstGeom prst="rect">
+            <a:avLst/>
+          </a:prstGeom>
+        </p:spPr>
+        <p:txBody>
+          <a:bodyPr anchorCtr="0" anchor="t" bIns="91425" lIns="91425" spcFirstLastPara="1" rIns="91425" wrap="square" tIns="91425">
+            <a:noAutofit/>
+          </a:bodyPr>
+          <a:lstStyle/>
+          <a:p>
+            <a:pPr indent="0" lvl="0" marL="0" rtl="0" algn="l">
+              <a:spcBef>
+                <a:spcPts val="0"/>
+              </a:spcBef>
+              <a:spcAft>
+                <a:spcPts val="0"/>
+              </a:spcAft>
+              <a:buNone/>
+            </a:pPr>
+            <a:r>
+              <a:rPr lang="en" sz="3600"/>
+              <a:t>Branch &amp;</a:t>
+            </a:r>
+            <a:r>
+              <a:rPr lang="en" sz="3600"/>
+              <a:t> </a:t>
+            </a:r>
+            <a:endParaRPr sz="3600"/>
+          </a:p>
+          <a:p>
+            <a:pPr indent="0" lvl="0" marL="0" rtl="0" algn="l">
+              <a:spcBef>
+                <a:spcPts val="0"/>
+              </a:spcBef>
+              <a:spcAft>
+                <a:spcPts val="0"/>
+              </a:spcAft>
+              <a:buNone/>
+            </a:pPr>
+            <a:r>
+              <a:rPr lang="en" sz="3600">
+                <a:solidFill>
+                  <a:srgbClr val="FFB600"/>
+                </a:solidFill>
+              </a:rPr>
+              <a:t>Pull Request &amp;</a:t>
+            </a:r>
+            <a:r>
+              <a:rPr lang="en" sz="3600"/>
+              <a:t> Merge &amp; </a:t>
+            </a:r>
+            <a:endParaRPr sz="3600"/>
+          </a:p>
+          <a:p>
+            <a:pPr indent="0" lvl="0" marL="0" rtl="0" algn="l">
+              <a:spcBef>
+                <a:spcPts val="0"/>
+              </a:spcBef>
+              <a:spcAft>
+                <a:spcPts val="0"/>
+              </a:spcAft>
+              <a:buNone/>
+            </a:pPr>
+            <a:r>
+              <a:rPr lang="en" sz="3600"/>
+              <a:t>Open Source</a:t>
+            </a:r>
+            <a:endParaRPr sz="3600"/>
+          </a:p>
+        </p:txBody>
+      </p:sp>
+      <p:sp>
+        <p:nvSpPr>
+          <p:cNvPr id="129" name="Google Shape;129;p19"/>
+          <p:cNvSpPr txBox="1"/>
+          <p:nvPr>
+            <p:ph idx="12" type="sldNum"/>
+          </p:nvPr>
+        </p:nvSpPr>
+        <p:spPr>
+          <a:xfrm>
+            <a:off x="8604400" y="4590300"/>
+            <a:ext cx="539700" cy="553200"/>
+          </a:xfrm>
+          <a:prstGeom prst="rect">
+            <a:avLst/>
+          </a:prstGeom>
+        </p:spPr>
+        <p:txBody>
+          <a:bodyPr anchorCtr="0" anchor="ctr" bIns="91425" lIns="91425" spcFirstLastPara="1" rIns="91425" wrap="square" tIns="91425">
+            <a:noAutofit/>
+          </a:bodyPr>
+          <a:lstStyle/>
+          <a:p>
+            <a:pPr indent="0" lvl="0" marL="0" rtl="0" algn="ctr">
+              <a:spcBef>
+                <a:spcPts val="0"/>
+              </a:spcBef>
+              <a:spcAft>
+                <a:spcPts val="0"/>
+              </a:spcAft>
+              <a:buNone/>
+            </a:pPr>
+            <a:fld id="{00000000-1234-1234-1234-123412341234}" type="slidenum">
+              <a:rPr lang="en"/>
+              <a:t>‹#›</a:t>
+            </a:fld>
+            <a:endParaRPr/>
+          </a:p>
+        </p:txBody>
+      </p:sp>
+      <p:grpSp>
+        <p:nvGrpSpPr>
+          <p:cNvPr id="130" name="Google Shape;130;p19"/>
+          <p:cNvGrpSpPr/>
+          <p:nvPr/>
+        </p:nvGrpSpPr>
+        <p:grpSpPr>
+          <a:xfrm>
+            <a:off x="4019807" y="600903"/>
+            <a:ext cx="3719825" cy="3941676"/>
+            <a:chOff x="2573332" y="677103"/>
+            <a:chExt cx="3719825" cy="3941676"/>
+          </a:xfrm>
+        </p:grpSpPr>
+        <p:sp>
+          <p:nvSpPr>
+            <p:cNvPr id="131" name="Google Shape;131;p19"/>
+            <p:cNvSpPr/>
+            <p:nvPr/>
+          </p:nvSpPr>
+          <p:spPr>
+            <a:xfrm rot="-6597333">
+              <a:off x="4296826" y="3950027"/>
+              <a:ext cx="586303" cy="586303"/>
+            </a:xfrm>
+            <a:prstGeom prst="ellipse">
+              <a:avLst/>
+            </a:prstGeom>
+            <a:solidFill>
+              <a:srgbClr val="FFF2CC"/>
+            </a:solidFill>
+            <a:ln>
+              <a:noFill/>
+            </a:ln>
+          </p:spPr>
+          <p:txBody>
+            <a:bodyPr anchorCtr="0" anchor="ctr" bIns="91425" lIns="91425" spcFirstLastPara="1" rIns="91425" wrap="square" tIns="91425">
+              <a:noAutofit/>
+            </a:bodyPr>
+            <a:lstStyle/>
+            <a:p>
+              <a:pPr indent="0" lvl="0" marL="0" rtl="0" algn="l">
+                <a:spcBef>
+                  <a:spcPts val="0"/>
+                </a:spcBef>
+                <a:spcAft>
+                  <a:spcPts val="0"/>
+                </a:spcAft>
+                <a:buNone/>
+              </a:pPr>
+              <a:r>
+                <a:t/>
+              </a:r>
+              <a:endParaRPr>
+                <a:latin typeface="Raleway Light"/>
+                <a:ea typeface="Raleway Light"/>
+                <a:cs typeface="Raleway Light"/>
+                <a:sym typeface="Raleway Light"/>
+              </a:endParaRPr>
+            </a:p>
+          </p:txBody>
+        </p:sp>
+        <p:sp>
+          <p:nvSpPr>
+            <p:cNvPr id="132" name="Google Shape;132;p19"/>
+            <p:cNvSpPr/>
+            <p:nvPr/>
+          </p:nvSpPr>
+          <p:spPr>
+            <a:xfrm rot="-6598839">
+              <a:off x="2887641" y="2346984"/>
+              <a:ext cx="1199287" cy="1199287"/>
+            </a:xfrm>
+            <a:prstGeom prst="ellipse">
+              <a:avLst/>
+            </a:prstGeom>
+            <a:solidFill>
+              <a:srgbClr val="FFE599"/>
+            </a:solidFill>
+            <a:ln>
+              <a:noFill/>
+            </a:ln>
+          </p:spPr>
+          <p:txBody>
+            <a:bodyPr anchorCtr="0" anchor="ctr" bIns="91425" lIns="91425" spcFirstLastPara="1" rIns="91425" wrap="square" tIns="91425">
+              <a:noAutofit/>
+            </a:bodyPr>
+            <a:lstStyle/>
+            <a:p>
+              <a:pPr indent="0" lvl="0" marL="0" rtl="0" algn="l">
+                <a:spcBef>
+                  <a:spcPts val="0"/>
+                </a:spcBef>
+                <a:spcAft>
+                  <a:spcPts val="0"/>
+                </a:spcAft>
+                <a:buNone/>
+              </a:pPr>
+              <a:r>
+                <a:t/>
+              </a:r>
+              <a:endParaRPr>
+                <a:latin typeface="Raleway Light"/>
+                <a:ea typeface="Raleway Light"/>
+                <a:cs typeface="Raleway Light"/>
+                <a:sym typeface="Raleway Light"/>
+              </a:endParaRPr>
+            </a:p>
+          </p:txBody>
+        </p:sp>
+        <p:sp>
+          <p:nvSpPr>
+            <p:cNvPr id="133" name="Google Shape;133;p19"/>
+            <p:cNvSpPr/>
+            <p:nvPr/>
+          </p:nvSpPr>
+          <p:spPr>
+            <a:xfrm rot="-6598620">
+              <a:off x="4374916" y="913763"/>
+              <a:ext cx="1681581" cy="1681581"/>
+            </a:xfrm>
+            <a:prstGeom prst="ellipse">
+              <a:avLst/>
+            </a:prstGeom>
+            <a:solidFill>
+              <a:srgbClr val="FFE599"/>
+            </a:solidFill>
+            <a:ln>
+              <a:noFill/>
+            </a:ln>
+          </p:spPr>
+          <p:txBody>
+            <a:bodyPr anchorCtr="0" anchor="ctr" bIns="91425" lIns="91425" spcFirstLastPara="1" rIns="91425" wrap="square" tIns="91425">
+              <a:noAutofit/>
+            </a:bodyPr>
+            <a:lstStyle/>
+            <a:p>
+              <a:pPr indent="0" lvl="0" marL="0" rtl="0" algn="l">
+                <a:spcBef>
+                  <a:spcPts val="0"/>
+                </a:spcBef>
+                <a:spcAft>
+                  <a:spcPts val="0"/>
+                </a:spcAft>
+                <a:buNone/>
+              </a:pPr>
+              <a:r>
+                <a:t/>
+              </a:r>
+              <a:endParaRPr>
+                <a:latin typeface="Raleway Light"/>
+                <a:ea typeface="Raleway Light"/>
+                <a:cs typeface="Raleway Light"/>
+                <a:sym typeface="Raleway Light"/>
+              </a:endParaRPr>
+            </a:p>
+          </p:txBody>
+        </p:sp>
+        <p:sp>
+          <p:nvSpPr>
+            <p:cNvPr id="134" name="Google Shape;134;p19"/>
+            <p:cNvSpPr/>
+            <p:nvPr/>
+          </p:nvSpPr>
+          <p:spPr>
+            <a:xfrm rot="-6597866">
+              <a:off x="2661829" y="2208216"/>
+              <a:ext cx="629106" cy="629106"/>
+            </a:xfrm>
+            <a:prstGeom prst="ellipse">
+              <a:avLst/>
+            </a:prstGeom>
+            <a:solidFill>
+              <a:srgbClr val="FFB600"/>
+            </a:solidFill>
+            <a:ln>
+              <a:noFill/>
+            </a:ln>
+          </p:spPr>
+          <p:txBody>
+            <a:bodyPr anchorCtr="0" anchor="ctr" bIns="91425" lIns="91425" spcFirstLastPara="1" rIns="91425" wrap="square" tIns="91425">
+              <a:noAutofit/>
+            </a:bodyPr>
+            <a:lstStyle/>
+            <a:p>
+              <a:pPr indent="0" lvl="0" marL="0" rtl="0" algn="l">
+                <a:spcBef>
+                  <a:spcPts val="0"/>
+                </a:spcBef>
+                <a:spcAft>
+                  <a:spcPts val="0"/>
+                </a:spcAft>
+                <a:buNone/>
+              </a:pPr>
+              <a:r>
+                <a:t/>
+              </a:r>
+              <a:endParaRPr>
+                <a:latin typeface="Raleway Light"/>
+                <a:ea typeface="Raleway Light"/>
+                <a:cs typeface="Raleway Light"/>
+                <a:sym typeface="Raleway Light"/>
+              </a:endParaRPr>
+            </a:p>
+          </p:txBody>
+        </p:sp>
+        <p:sp>
+          <p:nvSpPr>
+            <p:cNvPr id="135" name="Google Shape;135;p19"/>
+            <p:cNvSpPr/>
+            <p:nvPr/>
+          </p:nvSpPr>
+          <p:spPr>
+            <a:xfrm rot="-6597701">
+              <a:off x="3267625" y="1113818"/>
+              <a:ext cx="274172" cy="274172"/>
+            </a:xfrm>
+            <a:prstGeom prst="ellipse">
+              <a:avLst/>
+            </a:prstGeom>
+            <a:solidFill>
+              <a:srgbClr val="FFE599"/>
+            </a:solidFill>
+            <a:ln>
+              <a:noFill/>
+            </a:ln>
+          </p:spPr>
+          <p:txBody>
+            <a:bodyPr anchorCtr="0" anchor="ctr" bIns="91425" lIns="91425" spcFirstLastPara="1" rIns="91425" wrap="square" tIns="91425">
+              <a:noAutofit/>
+            </a:bodyPr>
+            <a:lstStyle/>
+            <a:p>
+              <a:pPr indent="0" lvl="0" marL="0" rtl="0" algn="l">
+                <a:spcBef>
+                  <a:spcPts val="0"/>
+                </a:spcBef>
+                <a:spcAft>
+                  <a:spcPts val="0"/>
+                </a:spcAft>
+                <a:buNone/>
+              </a:pPr>
+              <a:r>
+                <a:t/>
+              </a:r>
+              <a:endParaRPr>
+                <a:latin typeface="Raleway Light"/>
+                <a:ea typeface="Raleway Light"/>
+                <a:cs typeface="Raleway Light"/>
+                <a:sym typeface="Raleway Light"/>
+              </a:endParaRPr>
+            </a:p>
+          </p:txBody>
+        </p:sp>
+      </p:grpSp>
+      <p:grpSp>
+        <p:nvGrpSpPr>
+          <p:cNvPr id="136" name="Google Shape;136;p19"/>
+          <p:cNvGrpSpPr/>
+          <p:nvPr/>
+        </p:nvGrpSpPr>
+        <p:grpSpPr>
+          <a:xfrm>
+            <a:off x="5893669" y="1739566"/>
+            <a:ext cx="2440200" cy="2440200"/>
+            <a:chOff x="4447194" y="1815766"/>
+            <a:chExt cx="2440200" cy="2440200"/>
+          </a:xfrm>
+        </p:grpSpPr>
+        <p:sp>
+          <p:nvSpPr>
+            <p:cNvPr id="137" name="Google Shape;137;p19"/>
+            <p:cNvSpPr/>
+            <p:nvPr/>
+          </p:nvSpPr>
+          <p:spPr>
+            <a:xfrm>
+              <a:off x="4447194" y="1815766"/>
+              <a:ext cx="2440200" cy="2440200"/>
+            </a:xfrm>
+            <a:prstGeom prst="ellipse">
+              <a:avLst/>
+            </a:prstGeom>
+            <a:solidFill>
+              <a:srgbClr val="FFB600"/>
+            </a:solidFill>
+            <a:ln>
+              <a:noFill/>
+            </a:ln>
+            <a:effectLst>
+              <a:outerShdw blurRad="228600" rotWithShape="0" algn="tl" dir="5400000" dist="50800">
+                <a:srgbClr val="000000">
+                  <a:alpha val="54900"/>
+                </a:srgbClr>
+              </a:outerShdw>
+            </a:effectLst>
+          </p:spPr>
+          <p:txBody>
+            <a:bodyPr anchorCtr="0" anchor="ctr" bIns="91425" lIns="91425" spcFirstLastPara="1" rIns="91425" wrap="square" tIns="91425">
+              <a:noAutofit/>
+            </a:bodyPr>
+            <a:lstStyle/>
+            <a:p>
+              <a:pPr indent="0" lvl="0" marL="0" rtl="0" algn="l">
+                <a:spcBef>
+                  <a:spcPts val="0"/>
+                </a:spcBef>
+                <a:spcAft>
+                  <a:spcPts val="0"/>
+                </a:spcAft>
+                <a:buNone/>
+              </a:pPr>
+              <a:r>
+                <a:t/>
+              </a:r>
+              <a:endParaRPr sz="900">
+                <a:solidFill>
+                  <a:srgbClr val="00695C"/>
+                </a:solidFill>
+                <a:latin typeface="Raleway Light"/>
+                <a:ea typeface="Raleway Light"/>
+                <a:cs typeface="Raleway Light"/>
+                <a:sym typeface="Raleway Light"/>
+              </a:endParaRPr>
+            </a:p>
+          </p:txBody>
+        </p:sp>
+        <p:sp>
+          <p:nvSpPr>
+            <p:cNvPr id="138" name="Google Shape;138;p19"/>
+            <p:cNvSpPr txBox="1"/>
+            <p:nvPr/>
+          </p:nvSpPr>
+          <p:spPr>
+            <a:xfrm>
+              <a:off x="4682550" y="2454175"/>
+              <a:ext cx="1969500" cy="1163400"/>
+            </a:xfrm>
+            <a:prstGeom prst="rect">
+              <a:avLst/>
+            </a:prstGeom>
+            <a:noFill/>
+            <a:ln>
+              <a:noFill/>
+            </a:ln>
+          </p:spPr>
+          <p:txBody>
+            <a:bodyPr anchorCtr="0" anchor="ctr" bIns="91425" lIns="91425" spcFirstLastPara="1" rIns="91425" wrap="square" tIns="91425">
+              <a:noAutofit/>
+            </a:bodyPr>
+            <a:lstStyle/>
+            <a:p>
+              <a:pPr indent="0" lvl="0" marL="0" rtl="0" algn="ctr">
+                <a:spcBef>
+                  <a:spcPts val="0"/>
+                </a:spcBef>
+                <a:spcAft>
+                  <a:spcPts val="0"/>
+                </a:spcAft>
+                <a:buNone/>
+              </a:pPr>
+              <a:r>
+                <a:rPr lang="en">
+                  <a:solidFill>
+                    <a:srgbClr val="FFFFFF"/>
+                  </a:solidFill>
+                  <a:latin typeface="Source Code Pro Semibold"/>
+                  <a:ea typeface="Source Code Pro Semibold"/>
+                  <a:cs typeface="Source Code Pro Semibold"/>
+                  <a:sym typeface="Source Code Pro Semibold"/>
+                </a:rPr>
+                <a:t>$ git checkout -b new_branch</a:t>
+              </a:r>
+              <a:endParaRPr>
+                <a:solidFill>
+                  <a:srgbClr val="FFFFFF"/>
+                </a:solidFill>
+                <a:latin typeface="Source Code Pro Semibold"/>
+                <a:ea typeface="Source Code Pro Semibold"/>
+                <a:cs typeface="Source Code Pro Semibold"/>
+                <a:sym typeface="Source Code Pro Semibold"/>
+              </a:endParaRPr>
+            </a:p>
+          </p:txBody>
+        </p:sp>
+      </p:grpSp>
+      <p:grpSp>
+        <p:nvGrpSpPr>
+          <p:cNvPr id="139" name="Google Shape;139;p19"/>
+          <p:cNvGrpSpPr/>
+          <p:nvPr/>
+        </p:nvGrpSpPr>
+        <p:grpSpPr>
+          <a:xfrm>
+            <a:off x="5013412" y="1297853"/>
+            <a:ext cx="1423800" cy="1423800"/>
+            <a:chOff x="3490737" y="1374053"/>
+            <a:chExt cx="1423800" cy="1423800"/>
+          </a:xfrm>
+        </p:grpSpPr>
+        <p:sp>
+          <p:nvSpPr>
+            <p:cNvPr id="140" name="Google Shape;140;p19"/>
+            <p:cNvSpPr/>
+            <p:nvPr/>
+          </p:nvSpPr>
+          <p:spPr>
+            <a:xfrm>
+              <a:off x="3490737" y="1374053"/>
+              <a:ext cx="1423800" cy="1423800"/>
+            </a:xfrm>
+            <a:prstGeom prst="ellipse">
+              <a:avLst/>
+            </a:prstGeom>
+            <a:solidFill>
+              <a:srgbClr val="F1C232"/>
+            </a:solidFill>
+            <a:ln>
+              <a:noFill/>
+            </a:ln>
+            <a:effectLst>
+              <a:outerShdw blurRad="228600" rotWithShape="0" algn="tl" dir="5400000" dist="50800">
+                <a:srgbClr val="000000">
+                  <a:alpha val="54900"/>
+                </a:srgbClr>
+              </a:outerShdw>
+            </a:effectLst>
+          </p:spPr>
+          <p:txBody>
+            <a:bodyPr anchorCtr="0" anchor="ctr" bIns="91425" lIns="91425" spcFirstLastPara="1" rIns="91425" wrap="square" tIns="91425">
+              <a:noAutofit/>
+            </a:bodyPr>
+            <a:lstStyle/>
+            <a:p>
+              <a:pPr indent="0" lvl="0" marL="0" rtl="0" algn="l">
+                <a:spcBef>
+                  <a:spcPts val="0"/>
+                </a:spcBef>
+                <a:spcAft>
+                  <a:spcPts val="0"/>
+                </a:spcAft>
+                <a:buNone/>
+              </a:pPr>
+              <a:r>
+                <a:t/>
+              </a:r>
+              <a:endParaRPr sz="900">
+                <a:solidFill>
+                  <a:srgbClr val="00695C"/>
+                </a:solidFill>
+                <a:latin typeface="Raleway Light"/>
+                <a:ea typeface="Raleway Light"/>
+                <a:cs typeface="Raleway Light"/>
+                <a:sym typeface="Raleway Light"/>
+              </a:endParaRPr>
+            </a:p>
+          </p:txBody>
+        </p:sp>
+        <p:sp>
+          <p:nvSpPr>
+            <p:cNvPr id="141" name="Google Shape;141;p19"/>
+            <p:cNvSpPr txBox="1"/>
+            <p:nvPr/>
+          </p:nvSpPr>
+          <p:spPr>
+            <a:xfrm>
+              <a:off x="3558363" y="1613600"/>
+              <a:ext cx="1288500" cy="944700"/>
+            </a:xfrm>
+            <a:prstGeom prst="rect">
+              <a:avLst/>
+            </a:prstGeom>
+            <a:noFill/>
+            <a:ln>
+              <a:noFill/>
+            </a:ln>
+          </p:spPr>
+          <p:txBody>
+            <a:bodyPr anchorCtr="0" anchor="ctr" bIns="91425" lIns="91425" spcFirstLastPara="1" rIns="91425" wrap="square" tIns="91425">
+              <a:noAutofit/>
+            </a:bodyPr>
+            <a:lstStyle/>
+            <a:p>
+              <a:pPr indent="0" lvl="0" marL="0" rtl="0" algn="ctr">
+                <a:spcBef>
+                  <a:spcPts val="0"/>
+                </a:spcBef>
+                <a:spcAft>
+                  <a:spcPts val="0"/>
+                </a:spcAft>
+                <a:buNone/>
+              </a:pPr>
+              <a:r>
+                <a:rPr lang="en" sz="1000">
+                  <a:solidFill>
+                    <a:srgbClr val="FFFFFF"/>
+                  </a:solidFill>
+                  <a:latin typeface="Source Code Pro Medium"/>
+                  <a:ea typeface="Source Code Pro Medium"/>
+                  <a:cs typeface="Source Code Pro Medium"/>
+                  <a:sym typeface="Source Code Pro Medium"/>
+                </a:rPr>
+                <a:t>$ git merge master</a:t>
+              </a:r>
+              <a:endParaRPr sz="1000">
+                <a:solidFill>
+                  <a:srgbClr val="FFFFFF"/>
+                </a:solidFill>
+                <a:latin typeface="Source Code Pro Medium"/>
+                <a:ea typeface="Source Code Pro Medium"/>
+                <a:cs typeface="Source Code Pro Medium"/>
+                <a:sym typeface="Source Code Pro Medium"/>
+              </a:endParaRPr>
+            </a:p>
+          </p:txBody>
+        </p:sp>
+      </p:grpSp>
+      <p:grpSp>
+        <p:nvGrpSpPr>
+          <p:cNvPr id="142" name="Google Shape;142;p19"/>
+          <p:cNvGrpSpPr/>
+          <p:nvPr/>
+        </p:nvGrpSpPr>
+        <p:grpSpPr>
+          <a:xfrm>
+            <a:off x="4672228" y="2862089"/>
+            <a:ext cx="1498800" cy="1498800"/>
+            <a:chOff x="644203" y="3718814"/>
+            <a:chExt cx="1498800" cy="1498800"/>
+          </a:xfrm>
+        </p:grpSpPr>
+        <p:sp>
+          <p:nvSpPr>
+            <p:cNvPr id="143" name="Google Shape;143;p19"/>
+            <p:cNvSpPr/>
+            <p:nvPr/>
+          </p:nvSpPr>
+          <p:spPr>
+            <a:xfrm>
+              <a:off x="644203" y="3718814"/>
+              <a:ext cx="1498800" cy="1498800"/>
+            </a:xfrm>
+            <a:prstGeom prst="ellipse">
+              <a:avLst/>
+            </a:prstGeom>
+            <a:solidFill>
+              <a:srgbClr val="F1C232"/>
+            </a:solidFill>
+            <a:ln>
+              <a:noFill/>
+            </a:ln>
+            <a:effectLst>
+              <a:outerShdw blurRad="228600" rotWithShape="0" algn="tl" dir="5400000" dist="50800">
+                <a:srgbClr val="000000">
+                  <a:alpha val="54900"/>
+                </a:srgbClr>
+              </a:outerShdw>
+            </a:effectLst>
+          </p:spPr>
+          <p:txBody>
+            <a:bodyPr anchorCtr="0" anchor="ctr" bIns="91425" lIns="91425" spcFirstLastPara="1" rIns="91425" wrap="square" tIns="91425">
+              <a:noAutofit/>
+            </a:bodyPr>
+            <a:lstStyle/>
+            <a:p>
+              <a:pPr indent="0" lvl="0" marL="0" rtl="0" algn="l">
+                <a:spcBef>
+                  <a:spcPts val="0"/>
+                </a:spcBef>
+                <a:spcAft>
+                  <a:spcPts val="0"/>
+                </a:spcAft>
+                <a:buNone/>
+              </a:pPr>
+              <a:r>
+                <a:t/>
+              </a:r>
+              <a:endParaRPr sz="900">
+                <a:solidFill>
+                  <a:srgbClr val="00695C"/>
+                </a:solidFill>
+                <a:latin typeface="Raleway Light"/>
+                <a:ea typeface="Raleway Light"/>
+                <a:cs typeface="Raleway Light"/>
+                <a:sym typeface="Raleway Light"/>
+              </a:endParaRPr>
+            </a:p>
+          </p:txBody>
+        </p:sp>
+        <p:sp>
+          <p:nvSpPr>
+            <p:cNvPr id="144" name="Google Shape;144;p19"/>
+            <p:cNvSpPr txBox="1"/>
+            <p:nvPr/>
+          </p:nvSpPr>
+          <p:spPr>
+            <a:xfrm>
+              <a:off x="856901" y="3995875"/>
+              <a:ext cx="1073400" cy="944700"/>
+            </a:xfrm>
+            <a:prstGeom prst="rect">
+              <a:avLst/>
+            </a:prstGeom>
+            <a:noFill/>
+            <a:ln>
+              <a:noFill/>
+            </a:ln>
+          </p:spPr>
+          <p:txBody>
+            <a:bodyPr anchorCtr="0" anchor="ctr" bIns="91425" lIns="91425" spcFirstLastPara="1" rIns="91425" wrap="square" tIns="91425">
+              <a:noAutofit/>
+            </a:bodyPr>
+            <a:lstStyle/>
+            <a:p>
+              <a:pPr indent="0" lvl="0" marL="0" rtl="0" algn="ctr">
+                <a:spcBef>
+                  <a:spcPts val="0"/>
+                </a:spcBef>
+                <a:spcAft>
+                  <a:spcPts val="0"/>
+                </a:spcAft>
+                <a:buNone/>
+              </a:pPr>
+              <a:r>
+                <a:rPr lang="en" sz="1000">
+                  <a:solidFill>
+                    <a:srgbClr val="FFFFFF"/>
+                  </a:solidFill>
+                  <a:latin typeface="Source Code Pro Medium"/>
+                  <a:ea typeface="Source Code Pro Medium"/>
+                  <a:cs typeface="Source Code Pro Medium"/>
+                  <a:sym typeface="Source Code Pro Medium"/>
+                </a:rPr>
+                <a:t>$ git log --oneline</a:t>
+              </a:r>
+              <a:endParaRPr sz="1000">
+                <a:solidFill>
+                  <a:srgbClr val="FFFFFF"/>
+                </a:solidFill>
+                <a:latin typeface="Source Code Pro Medium"/>
+                <a:ea typeface="Source Code Pro Medium"/>
+                <a:cs typeface="Source Code Pro Medium"/>
+                <a:sym typeface="Source Code Pro Medium"/>
+              </a:endParaRPr>
+            </a:p>
+          </p:txBody>
+        </p:sp>
+      </p:grpSp>
+      <p:grpSp>
+        <p:nvGrpSpPr>
+          <p:cNvPr id="145" name="Google Shape;145;p19"/>
+          <p:cNvGrpSpPr/>
+          <p:nvPr/>
+        </p:nvGrpSpPr>
+        <p:grpSpPr>
+          <a:xfrm>
+            <a:off x="7334059" y="1114293"/>
+            <a:ext cx="1052242" cy="1030262"/>
+            <a:chOff x="3490737" y="1374053"/>
+            <a:chExt cx="1454176" cy="1423800"/>
+          </a:xfrm>
+        </p:grpSpPr>
+        <p:sp>
+          <p:nvSpPr>
+            <p:cNvPr id="146" name="Google Shape;146;p19"/>
+            <p:cNvSpPr/>
+            <p:nvPr/>
+          </p:nvSpPr>
+          <p:spPr>
+            <a:xfrm>
+              <a:off x="3490737" y="1374053"/>
+              <a:ext cx="1423800" cy="1423800"/>
+            </a:xfrm>
+            <a:prstGeom prst="ellipse">
+              <a:avLst/>
+            </a:prstGeom>
+            <a:solidFill>
+              <a:srgbClr val="F1C232"/>
+            </a:solidFill>
+            <a:ln>
+              <a:noFill/>
+            </a:ln>
+            <a:effectLst>
+              <a:outerShdw blurRad="228600" rotWithShape="0" algn="tl" dir="5400000" dist="50800">
+                <a:srgbClr val="000000">
+                  <a:alpha val="54900"/>
+                </a:srgbClr>
+              </a:outerShdw>
+            </a:effectLst>
+          </p:spPr>
+          <p:txBody>
+            <a:bodyPr anchorCtr="0" anchor="ctr" bIns="91425" lIns="91425" spcFirstLastPara="1" rIns="91425" wrap="square" tIns="91425">
+              <a:noAutofit/>
+            </a:bodyPr>
+            <a:lstStyle/>
+            <a:p>
+              <a:pPr indent="0" lvl="0" marL="0" rtl="0" algn="l">
+                <a:spcBef>
+                  <a:spcPts val="0"/>
+                </a:spcBef>
+                <a:spcAft>
+                  <a:spcPts val="0"/>
+                </a:spcAft>
+                <a:buNone/>
+              </a:pPr>
+              <a:r>
+                <a:t/>
+              </a:r>
+              <a:endParaRPr sz="900">
+                <a:solidFill>
+                  <a:srgbClr val="00695C"/>
+                </a:solidFill>
+                <a:latin typeface="Raleway Light"/>
+                <a:ea typeface="Raleway Light"/>
+                <a:cs typeface="Raleway Light"/>
+                <a:sym typeface="Raleway Light"/>
+              </a:endParaRPr>
+            </a:p>
+          </p:txBody>
+        </p:sp>
+        <p:sp>
+          <p:nvSpPr>
+            <p:cNvPr id="147" name="Google Shape;147;p19"/>
+            <p:cNvSpPr txBox="1"/>
+            <p:nvPr/>
+          </p:nvSpPr>
+          <p:spPr>
+            <a:xfrm>
+              <a:off x="3521113" y="1613612"/>
+              <a:ext cx="1423800" cy="944700"/>
+            </a:xfrm>
+            <a:prstGeom prst="rect">
+              <a:avLst/>
+            </a:prstGeom>
+            <a:noFill/>
+            <a:ln>
+              <a:noFill/>
+            </a:ln>
+          </p:spPr>
+          <p:txBody>
+            <a:bodyPr anchorCtr="0" anchor="ctr" bIns="91425" lIns="91425" spcFirstLastPara="1" rIns="91425" wrap="square" tIns="91425">
+              <a:noAutofit/>
+            </a:bodyPr>
+            <a:lstStyle/>
+            <a:p>
+              <a:pPr indent="0" lvl="0" marL="0" rtl="0" algn="ctr">
+                <a:spcBef>
+                  <a:spcPts val="0"/>
+                </a:spcBef>
+                <a:spcAft>
+                  <a:spcPts val="0"/>
+                </a:spcAft>
+                <a:buNone/>
+              </a:pPr>
+              <a:r>
+                <a:rPr lang="en" sz="1000">
+                  <a:solidFill>
+                    <a:srgbClr val="FFFFFF"/>
+                  </a:solidFill>
+                  <a:latin typeface="Source Code Pro Medium"/>
+                  <a:ea typeface="Source Code Pro Medium"/>
+                  <a:cs typeface="Source Code Pro Medium"/>
+                  <a:sym typeface="Source Code Pro Medium"/>
+                </a:rPr>
+                <a:t>$ git push --force</a:t>
+              </a:r>
+              <a:endParaRPr sz="1000">
+                <a:solidFill>
+                  <a:srgbClr val="FFFFFF"/>
+                </a:solidFill>
+                <a:latin typeface="Source Code Pro Medium"/>
+                <a:ea typeface="Source Code Pro Medium"/>
+                <a:cs typeface="Source Code Pro Medium"/>
+                <a:sym typeface="Source Code Pro Medium"/>
+              </a:endParaRPr>
+            </a:p>
+          </p:txBody>
+        </p:sp>
+      </p:grpSp>
+      <p:grpSp>
+        <p:nvGrpSpPr>
+          <p:cNvPr id="148" name="Google Shape;148;p19"/>
+          <p:cNvGrpSpPr/>
+          <p:nvPr/>
+        </p:nvGrpSpPr>
+        <p:grpSpPr>
+          <a:xfrm>
+            <a:off x="8152038" y="369832"/>
+            <a:ext cx="602425" cy="641836"/>
+            <a:chOff x="5970800" y="1619250"/>
+            <a:chExt cx="428650" cy="456725"/>
+          </a:xfrm>
+        </p:grpSpPr>
+        <p:sp>
+          <p:nvSpPr>
+            <p:cNvPr id="149" name="Google Shape;149;p19"/>
+            <p:cNvSpPr/>
+            <p:nvPr/>
+          </p:nvSpPr>
+          <p:spPr>
+            <a:xfrm>
+              <a:off x="5970800" y="1674200"/>
+              <a:ext cx="377975" cy="377950"/>
+            </a:xfrm>
+            <a:custGeom>
+              <a:rect b="b" l="l" r="r" t="t"/>
+              <a:pathLst>
+                <a:path extrusionOk="0" h="15118" w="15119">
+                  <a:moveTo>
+                    <a:pt x="7181" y="0"/>
+                  </a:moveTo>
+                  <a:lnTo>
+                    <a:pt x="6790" y="49"/>
+                  </a:lnTo>
+                  <a:lnTo>
+                    <a:pt x="6424" y="98"/>
+                  </a:lnTo>
+                  <a:lnTo>
+                    <a:pt x="6058" y="147"/>
+                  </a:lnTo>
+                  <a:lnTo>
+                    <a:pt x="5691" y="244"/>
+                  </a:lnTo>
+                  <a:lnTo>
+                    <a:pt x="5325" y="342"/>
+                  </a:lnTo>
+                  <a:lnTo>
+                    <a:pt x="4983" y="464"/>
+                  </a:lnTo>
+                  <a:lnTo>
+                    <a:pt x="4641" y="586"/>
+                  </a:lnTo>
+                  <a:lnTo>
+                    <a:pt x="4299" y="733"/>
+                  </a:lnTo>
+                  <a:lnTo>
+                    <a:pt x="3982" y="904"/>
+                  </a:lnTo>
+                  <a:lnTo>
+                    <a:pt x="3664" y="1099"/>
+                  </a:lnTo>
+                  <a:lnTo>
+                    <a:pt x="3347" y="1295"/>
+                  </a:lnTo>
+                  <a:lnTo>
+                    <a:pt x="3053" y="1490"/>
+                  </a:lnTo>
+                  <a:lnTo>
+                    <a:pt x="2760" y="1734"/>
+                  </a:lnTo>
+                  <a:lnTo>
+                    <a:pt x="2492" y="1954"/>
+                  </a:lnTo>
+                  <a:lnTo>
+                    <a:pt x="2223" y="2223"/>
+                  </a:lnTo>
+                  <a:lnTo>
+                    <a:pt x="1979" y="2467"/>
+                  </a:lnTo>
+                  <a:lnTo>
+                    <a:pt x="1735" y="2760"/>
+                  </a:lnTo>
+                  <a:lnTo>
+                    <a:pt x="1515" y="3029"/>
+                  </a:lnTo>
+                  <a:lnTo>
+                    <a:pt x="1295" y="3322"/>
+                  </a:lnTo>
+                  <a:lnTo>
+                    <a:pt x="1100" y="3639"/>
+                  </a:lnTo>
+                  <a:lnTo>
+                    <a:pt x="929" y="3957"/>
+                  </a:lnTo>
+                  <a:lnTo>
+                    <a:pt x="758" y="4274"/>
+                  </a:lnTo>
+                  <a:lnTo>
+                    <a:pt x="611" y="4616"/>
+                  </a:lnTo>
+                  <a:lnTo>
+                    <a:pt x="465" y="4958"/>
+                  </a:lnTo>
+                  <a:lnTo>
+                    <a:pt x="343" y="5300"/>
+                  </a:lnTo>
+                  <a:lnTo>
+                    <a:pt x="245" y="5666"/>
+                  </a:lnTo>
+                  <a:lnTo>
+                    <a:pt x="172" y="6033"/>
+                  </a:lnTo>
+                  <a:lnTo>
+                    <a:pt x="98" y="6399"/>
+                  </a:lnTo>
+                  <a:lnTo>
+                    <a:pt x="49" y="6790"/>
+                  </a:lnTo>
+                  <a:lnTo>
+                    <a:pt x="25" y="7156"/>
+                  </a:lnTo>
+                  <a:lnTo>
+                    <a:pt x="1" y="7547"/>
+                  </a:lnTo>
+                  <a:lnTo>
+                    <a:pt x="25" y="7938"/>
+                  </a:lnTo>
+                  <a:lnTo>
+                    <a:pt x="49" y="8328"/>
+                  </a:lnTo>
+                  <a:lnTo>
+                    <a:pt x="98" y="8695"/>
+                  </a:lnTo>
+                  <a:lnTo>
+                    <a:pt x="172" y="9085"/>
+                  </a:lnTo>
+                  <a:lnTo>
+                    <a:pt x="245" y="9452"/>
+                  </a:lnTo>
+                  <a:lnTo>
+                    <a:pt x="343" y="9794"/>
+                  </a:lnTo>
+                  <a:lnTo>
+                    <a:pt x="465" y="10160"/>
+                  </a:lnTo>
+                  <a:lnTo>
+                    <a:pt x="611" y="10502"/>
+                  </a:lnTo>
+                  <a:lnTo>
+                    <a:pt x="758" y="10820"/>
+                  </a:lnTo>
+                  <a:lnTo>
+                    <a:pt x="929" y="11161"/>
+                  </a:lnTo>
+                  <a:lnTo>
+                    <a:pt x="1100" y="11479"/>
+                  </a:lnTo>
+                  <a:lnTo>
+                    <a:pt x="1295" y="11772"/>
+                  </a:lnTo>
+                  <a:lnTo>
+                    <a:pt x="1515" y="12065"/>
+                  </a:lnTo>
+                  <a:lnTo>
+                    <a:pt x="1735" y="12358"/>
+                  </a:lnTo>
+                  <a:lnTo>
+                    <a:pt x="1979" y="12627"/>
+                  </a:lnTo>
+                  <a:lnTo>
+                    <a:pt x="2223" y="12895"/>
+                  </a:lnTo>
+                  <a:lnTo>
+                    <a:pt x="2492" y="13140"/>
+                  </a:lnTo>
+                  <a:lnTo>
+                    <a:pt x="2760" y="13384"/>
+                  </a:lnTo>
+                  <a:lnTo>
+                    <a:pt x="3053" y="13604"/>
+                  </a:lnTo>
+                  <a:lnTo>
+                    <a:pt x="3347" y="13824"/>
+                  </a:lnTo>
+                  <a:lnTo>
+                    <a:pt x="3664" y="14019"/>
+                  </a:lnTo>
+                  <a:lnTo>
+                    <a:pt x="3982" y="14190"/>
+                  </a:lnTo>
+                  <a:lnTo>
+                    <a:pt x="4299" y="14361"/>
+                  </a:lnTo>
+                  <a:lnTo>
+                    <a:pt x="4641" y="14507"/>
+                  </a:lnTo>
+                  <a:lnTo>
+                    <a:pt x="4983" y="14654"/>
+                  </a:lnTo>
+                  <a:lnTo>
+                    <a:pt x="5325" y="14776"/>
+                  </a:lnTo>
+                  <a:lnTo>
+                    <a:pt x="5691" y="14874"/>
+                  </a:lnTo>
+                  <a:lnTo>
+                    <a:pt x="6058" y="14947"/>
+                  </a:lnTo>
+                  <a:lnTo>
+                    <a:pt x="6424" y="15020"/>
+                  </a:lnTo>
+                  <a:lnTo>
+                    <a:pt x="6790" y="15069"/>
+                  </a:lnTo>
+                  <a:lnTo>
+                    <a:pt x="7181" y="15094"/>
+                  </a:lnTo>
+                  <a:lnTo>
+                    <a:pt x="7572" y="15118"/>
+                  </a:lnTo>
+                  <a:lnTo>
+                    <a:pt x="7963" y="15094"/>
+                  </a:lnTo>
+                  <a:lnTo>
+                    <a:pt x="8329" y="15069"/>
+                  </a:lnTo>
+                  <a:lnTo>
+                    <a:pt x="8720" y="15020"/>
+                  </a:lnTo>
+                  <a:lnTo>
+                    <a:pt x="9086" y="14947"/>
+                  </a:lnTo>
+                  <a:lnTo>
+                    <a:pt x="9452" y="14874"/>
+                  </a:lnTo>
+                  <a:lnTo>
+                    <a:pt x="9819" y="14776"/>
+                  </a:lnTo>
+                  <a:lnTo>
+                    <a:pt x="10161" y="14654"/>
+                  </a:lnTo>
+                  <a:lnTo>
+                    <a:pt x="10503" y="14507"/>
+                  </a:lnTo>
+                  <a:lnTo>
+                    <a:pt x="10844" y="14361"/>
+                  </a:lnTo>
+                  <a:lnTo>
+                    <a:pt x="11162" y="14190"/>
+                  </a:lnTo>
+                  <a:lnTo>
+                    <a:pt x="11479" y="14019"/>
+                  </a:lnTo>
+                  <a:lnTo>
+                    <a:pt x="11797" y="13824"/>
+                  </a:lnTo>
+                  <a:lnTo>
+                    <a:pt x="12090" y="13604"/>
+                  </a:lnTo>
+                  <a:lnTo>
+                    <a:pt x="12383" y="13384"/>
+                  </a:lnTo>
+                  <a:lnTo>
+                    <a:pt x="12652" y="13140"/>
+                  </a:lnTo>
+                  <a:lnTo>
+                    <a:pt x="12920" y="12895"/>
+                  </a:lnTo>
+                  <a:lnTo>
+                    <a:pt x="13165" y="12627"/>
+                  </a:lnTo>
+                  <a:lnTo>
+                    <a:pt x="13409" y="12358"/>
+                  </a:lnTo>
+                  <a:lnTo>
+                    <a:pt x="13629" y="12065"/>
+                  </a:lnTo>
+                  <a:lnTo>
+                    <a:pt x="13824" y="11772"/>
+                  </a:lnTo>
+                  <a:lnTo>
+                    <a:pt x="14019" y="11479"/>
+                  </a:lnTo>
+                  <a:lnTo>
+                    <a:pt x="14215" y="11161"/>
+                  </a:lnTo>
+                  <a:lnTo>
+                    <a:pt x="14386" y="10820"/>
+                  </a:lnTo>
+                  <a:lnTo>
+                    <a:pt x="14532" y="10502"/>
+                  </a:lnTo>
+                  <a:lnTo>
+                    <a:pt x="14654" y="10160"/>
+                  </a:lnTo>
+                  <a:lnTo>
+                    <a:pt x="14777" y="9794"/>
+                  </a:lnTo>
+                  <a:lnTo>
+                    <a:pt x="14899" y="9452"/>
+                  </a:lnTo>
+                  <a:lnTo>
+                    <a:pt x="14972" y="9085"/>
+                  </a:lnTo>
+                  <a:lnTo>
+                    <a:pt x="15045" y="8695"/>
+                  </a:lnTo>
+                  <a:lnTo>
+                    <a:pt x="15094" y="8328"/>
+                  </a:lnTo>
+                  <a:lnTo>
+                    <a:pt x="15118" y="7938"/>
+                  </a:lnTo>
+                  <a:lnTo>
+                    <a:pt x="15118" y="7547"/>
+                  </a:lnTo>
+                  <a:lnTo>
+                    <a:pt x="15094" y="6936"/>
+                  </a:lnTo>
+                  <a:lnTo>
+                    <a:pt x="15021" y="6326"/>
+                  </a:lnTo>
+                  <a:lnTo>
+                    <a:pt x="14899" y="5740"/>
+                  </a:lnTo>
+                  <a:lnTo>
+                    <a:pt x="14728" y="5178"/>
+                  </a:lnTo>
+                  <a:lnTo>
+                    <a:pt x="14532" y="4616"/>
+                  </a:lnTo>
+                  <a:lnTo>
+                    <a:pt x="14288" y="4079"/>
+                  </a:lnTo>
+                  <a:lnTo>
+                    <a:pt x="13995" y="3590"/>
+                  </a:lnTo>
+                  <a:lnTo>
+                    <a:pt x="13653" y="3102"/>
+                  </a:lnTo>
+                  <a:lnTo>
+                    <a:pt x="13458" y="3053"/>
+                  </a:lnTo>
+                  <a:lnTo>
+                    <a:pt x="12163" y="4347"/>
+                  </a:lnTo>
+                  <a:lnTo>
+                    <a:pt x="12383" y="4689"/>
+                  </a:lnTo>
+                  <a:lnTo>
+                    <a:pt x="12578" y="5056"/>
+                  </a:lnTo>
+                  <a:lnTo>
+                    <a:pt x="12749" y="5446"/>
+                  </a:lnTo>
+                  <a:lnTo>
+                    <a:pt x="12896" y="5837"/>
+                  </a:lnTo>
+                  <a:lnTo>
+                    <a:pt x="13018" y="6252"/>
+                  </a:lnTo>
+                  <a:lnTo>
+                    <a:pt x="13091" y="6668"/>
+                  </a:lnTo>
+                  <a:lnTo>
+                    <a:pt x="13165" y="7107"/>
+                  </a:lnTo>
+                  <a:lnTo>
+                    <a:pt x="13165" y="7547"/>
+                  </a:lnTo>
+                  <a:lnTo>
+                    <a:pt x="13140" y="8133"/>
+                  </a:lnTo>
+                  <a:lnTo>
+                    <a:pt x="13067" y="8695"/>
+                  </a:lnTo>
+                  <a:lnTo>
+                    <a:pt x="12920" y="9208"/>
+                  </a:lnTo>
+                  <a:lnTo>
+                    <a:pt x="12725" y="9745"/>
+                  </a:lnTo>
+                  <a:lnTo>
+                    <a:pt x="12505" y="10233"/>
+                  </a:lnTo>
+                  <a:lnTo>
+                    <a:pt x="12212" y="10673"/>
+                  </a:lnTo>
+                  <a:lnTo>
+                    <a:pt x="11895" y="11113"/>
+                  </a:lnTo>
+                  <a:lnTo>
+                    <a:pt x="11528" y="11503"/>
+                  </a:lnTo>
+                  <a:lnTo>
+                    <a:pt x="11138" y="11870"/>
+                  </a:lnTo>
+                  <a:lnTo>
+                    <a:pt x="10698" y="12187"/>
+                  </a:lnTo>
+                  <a:lnTo>
+                    <a:pt x="10234" y="12480"/>
+                  </a:lnTo>
+                  <a:lnTo>
+                    <a:pt x="9745" y="12725"/>
+                  </a:lnTo>
+                  <a:lnTo>
+                    <a:pt x="9233" y="12895"/>
+                  </a:lnTo>
+                  <a:lnTo>
+                    <a:pt x="8695" y="13042"/>
+                  </a:lnTo>
+                  <a:lnTo>
+                    <a:pt x="8133" y="13140"/>
+                  </a:lnTo>
+                  <a:lnTo>
+                    <a:pt x="7572" y="13164"/>
+                  </a:lnTo>
+                  <a:lnTo>
+                    <a:pt x="6986" y="13140"/>
+                  </a:lnTo>
+                  <a:lnTo>
+                    <a:pt x="6448" y="13042"/>
+                  </a:lnTo>
+                  <a:lnTo>
+                    <a:pt x="5911" y="12895"/>
+                  </a:lnTo>
+                  <a:lnTo>
+                    <a:pt x="5398" y="12725"/>
+                  </a:lnTo>
+                  <a:lnTo>
+                    <a:pt x="4910" y="12480"/>
+                  </a:lnTo>
+                  <a:lnTo>
+                    <a:pt x="4446" y="12187"/>
+                  </a:lnTo>
+                  <a:lnTo>
+                    <a:pt x="4006" y="11870"/>
+                  </a:lnTo>
+                  <a:lnTo>
+                    <a:pt x="3615" y="11503"/>
+                  </a:lnTo>
+                  <a:lnTo>
+                    <a:pt x="3249" y="11113"/>
+                  </a:lnTo>
+                  <a:lnTo>
+                    <a:pt x="2931" y="10673"/>
+                  </a:lnTo>
+                  <a:lnTo>
+                    <a:pt x="2638" y="10233"/>
+                  </a:lnTo>
+                  <a:lnTo>
+                    <a:pt x="2418" y="9745"/>
+                  </a:lnTo>
+                  <a:lnTo>
+                    <a:pt x="2223" y="9208"/>
+                  </a:lnTo>
+                  <a:lnTo>
+                    <a:pt x="2077" y="8695"/>
+                  </a:lnTo>
+                  <a:lnTo>
+                    <a:pt x="2003" y="8133"/>
+                  </a:lnTo>
+                  <a:lnTo>
+                    <a:pt x="1954" y="7547"/>
+                  </a:lnTo>
+                  <a:lnTo>
+                    <a:pt x="2003" y="6985"/>
+                  </a:lnTo>
+                  <a:lnTo>
+                    <a:pt x="2077" y="6423"/>
+                  </a:lnTo>
+                  <a:lnTo>
+                    <a:pt x="2223" y="5886"/>
+                  </a:lnTo>
+                  <a:lnTo>
+                    <a:pt x="2418" y="5373"/>
+                  </a:lnTo>
+                  <a:lnTo>
+                    <a:pt x="2638" y="4885"/>
+                  </a:lnTo>
+                  <a:lnTo>
+                    <a:pt x="2931" y="4421"/>
+                  </a:lnTo>
+                  <a:lnTo>
+                    <a:pt x="3249" y="4005"/>
+                  </a:lnTo>
+                  <a:lnTo>
+                    <a:pt x="3615" y="3590"/>
+                  </a:lnTo>
+                  <a:lnTo>
+                    <a:pt x="4006" y="3224"/>
+                  </a:lnTo>
+                  <a:lnTo>
+                    <a:pt x="4446" y="2906"/>
+                  </a:lnTo>
+                  <a:lnTo>
+                    <a:pt x="4910" y="2638"/>
+                  </a:lnTo>
+                  <a:lnTo>
+                    <a:pt x="5398" y="2394"/>
+                  </a:lnTo>
+                  <a:lnTo>
+                    <a:pt x="5911" y="2198"/>
+                  </a:lnTo>
+                  <a:lnTo>
+                    <a:pt x="6448" y="2076"/>
+                  </a:lnTo>
+                  <a:lnTo>
+                    <a:pt x="6986" y="1978"/>
+                  </a:lnTo>
+                  <a:lnTo>
+                    <a:pt x="7572" y="1954"/>
+                  </a:lnTo>
+                  <a:lnTo>
+                    <a:pt x="8011" y="1978"/>
+                  </a:lnTo>
+                  <a:lnTo>
+                    <a:pt x="8451" y="2027"/>
+                  </a:lnTo>
+                  <a:lnTo>
+                    <a:pt x="8866" y="2100"/>
+                  </a:lnTo>
+                  <a:lnTo>
+                    <a:pt x="9281" y="2223"/>
+                  </a:lnTo>
+                  <a:lnTo>
+                    <a:pt x="9672" y="2369"/>
+                  </a:lnTo>
+                  <a:lnTo>
+                    <a:pt x="10063" y="2540"/>
+                  </a:lnTo>
+                  <a:lnTo>
+                    <a:pt x="10429" y="2735"/>
+                  </a:lnTo>
+                  <a:lnTo>
+                    <a:pt x="10771" y="2955"/>
+                  </a:lnTo>
+                  <a:lnTo>
+                    <a:pt x="11943" y="1807"/>
+                  </a:lnTo>
+                  <a:lnTo>
+                    <a:pt x="11846" y="1343"/>
+                  </a:lnTo>
+                  <a:lnTo>
+                    <a:pt x="11382" y="1026"/>
+                  </a:lnTo>
+                  <a:lnTo>
+                    <a:pt x="10893" y="782"/>
+                  </a:lnTo>
+                  <a:lnTo>
+                    <a:pt x="10380" y="537"/>
+                  </a:lnTo>
+                  <a:lnTo>
+                    <a:pt x="9843" y="342"/>
+                  </a:lnTo>
+                  <a:lnTo>
+                    <a:pt x="9306" y="195"/>
+                  </a:lnTo>
+                  <a:lnTo>
+                    <a:pt x="8744" y="98"/>
+                  </a:lnTo>
+                  <a:lnTo>
+                    <a:pt x="8158" y="25"/>
+                  </a:lnTo>
+                  <a:lnTo>
+                    <a:pt x="7572" y="0"/>
+                  </a:lnTo>
+                  <a:close/>
+                </a:path>
+              </a:pathLst>
+            </a:custGeom>
+            <a:solidFill>
+              <a:srgbClr val="FFB600"/>
+            </a:solidFill>
+            <a:ln>
+              <a:noFill/>
+            </a:ln>
+          </p:spPr>
+          <p:txBody>
+            <a:bodyPr anchorCtr="0" anchor="ctr" bIns="91425" lIns="91425" spcFirstLastPara="1" rIns="91425" wrap="square" tIns="91425">
+              <a:noAutofit/>
+            </a:bodyPr>
+            <a:lstStyle/>
+            <a:p>
+              <a:pPr indent="0" lvl="0" marL="0" rtl="0" algn="l">
+                <a:spcBef>
+                  <a:spcPts val="0"/>
+                </a:spcBef>
+                <a:spcAft>
+                  <a:spcPts val="0"/>
+                </a:spcAft>
+                <a:buNone/>
+              </a:pPr>
+              <a:r>
+                <a:t/>
+              </a:r>
+              <a:endParaRPr/>
+            </a:p>
+          </p:txBody>
+        </p:sp>
+        <p:sp>
+          <p:nvSpPr>
+            <p:cNvPr id="150" name="Google Shape;150;p19"/>
+            <p:cNvSpPr/>
+            <p:nvPr/>
+          </p:nvSpPr>
+          <p:spPr>
+            <a:xfrm>
+              <a:off x="6068500" y="1771875"/>
+              <a:ext cx="182575" cy="182600"/>
+            </a:xfrm>
+            <a:custGeom>
+              <a:rect b="b" l="l" r="r" t="t"/>
+              <a:pathLst>
+                <a:path extrusionOk="0" h="7304" w="7303">
+                  <a:moveTo>
+                    <a:pt x="3664" y="1"/>
+                  </a:moveTo>
+                  <a:lnTo>
+                    <a:pt x="3297" y="25"/>
+                  </a:lnTo>
+                  <a:lnTo>
+                    <a:pt x="2931" y="74"/>
+                  </a:lnTo>
+                  <a:lnTo>
+                    <a:pt x="2565" y="147"/>
+                  </a:lnTo>
+                  <a:lnTo>
+                    <a:pt x="2247" y="294"/>
+                  </a:lnTo>
+                  <a:lnTo>
+                    <a:pt x="1930" y="440"/>
+                  </a:lnTo>
+                  <a:lnTo>
+                    <a:pt x="1612" y="611"/>
+                  </a:lnTo>
+                  <a:lnTo>
+                    <a:pt x="1344" y="831"/>
+                  </a:lnTo>
+                  <a:lnTo>
+                    <a:pt x="1075" y="1075"/>
+                  </a:lnTo>
+                  <a:lnTo>
+                    <a:pt x="831" y="1320"/>
+                  </a:lnTo>
+                  <a:lnTo>
+                    <a:pt x="635" y="1613"/>
+                  </a:lnTo>
+                  <a:lnTo>
+                    <a:pt x="440" y="1906"/>
+                  </a:lnTo>
+                  <a:lnTo>
+                    <a:pt x="293" y="2223"/>
+                  </a:lnTo>
+                  <a:lnTo>
+                    <a:pt x="171" y="2565"/>
+                  </a:lnTo>
+                  <a:lnTo>
+                    <a:pt x="74" y="2907"/>
+                  </a:lnTo>
+                  <a:lnTo>
+                    <a:pt x="25" y="3273"/>
+                  </a:lnTo>
+                  <a:lnTo>
+                    <a:pt x="0" y="3640"/>
+                  </a:lnTo>
+                  <a:lnTo>
+                    <a:pt x="25" y="4031"/>
+                  </a:lnTo>
+                  <a:lnTo>
+                    <a:pt x="74" y="4373"/>
+                  </a:lnTo>
+                  <a:lnTo>
+                    <a:pt x="171" y="4739"/>
+                  </a:lnTo>
+                  <a:lnTo>
+                    <a:pt x="293" y="5081"/>
+                  </a:lnTo>
+                  <a:lnTo>
+                    <a:pt x="440" y="5398"/>
+                  </a:lnTo>
+                  <a:lnTo>
+                    <a:pt x="635" y="5691"/>
+                  </a:lnTo>
+                  <a:lnTo>
+                    <a:pt x="831" y="5960"/>
+                  </a:lnTo>
+                  <a:lnTo>
+                    <a:pt x="1075" y="6229"/>
+                  </a:lnTo>
+                  <a:lnTo>
+                    <a:pt x="1344" y="6473"/>
+                  </a:lnTo>
+                  <a:lnTo>
+                    <a:pt x="1612" y="6668"/>
+                  </a:lnTo>
+                  <a:lnTo>
+                    <a:pt x="1930" y="6864"/>
+                  </a:lnTo>
+                  <a:lnTo>
+                    <a:pt x="2247" y="7010"/>
+                  </a:lnTo>
+                  <a:lnTo>
+                    <a:pt x="2565" y="7132"/>
+                  </a:lnTo>
+                  <a:lnTo>
+                    <a:pt x="2931" y="7230"/>
+                  </a:lnTo>
+                  <a:lnTo>
+                    <a:pt x="3297" y="7279"/>
+                  </a:lnTo>
+                  <a:lnTo>
+                    <a:pt x="3664" y="7303"/>
+                  </a:lnTo>
+                  <a:lnTo>
+                    <a:pt x="4030" y="7279"/>
+                  </a:lnTo>
+                  <a:lnTo>
+                    <a:pt x="4396" y="7230"/>
+                  </a:lnTo>
+                  <a:lnTo>
+                    <a:pt x="4738" y="7132"/>
+                  </a:lnTo>
+                  <a:lnTo>
+                    <a:pt x="5080" y="7010"/>
+                  </a:lnTo>
+                  <a:lnTo>
+                    <a:pt x="5398" y="6864"/>
+                  </a:lnTo>
+                  <a:lnTo>
+                    <a:pt x="5691" y="6668"/>
+                  </a:lnTo>
+                  <a:lnTo>
+                    <a:pt x="5984" y="6473"/>
+                  </a:lnTo>
+                  <a:lnTo>
+                    <a:pt x="6253" y="6229"/>
+                  </a:lnTo>
+                  <a:lnTo>
+                    <a:pt x="6472" y="5960"/>
+                  </a:lnTo>
+                  <a:lnTo>
+                    <a:pt x="6692" y="5691"/>
+                  </a:lnTo>
+                  <a:lnTo>
+                    <a:pt x="6863" y="5398"/>
+                  </a:lnTo>
+                  <a:lnTo>
+                    <a:pt x="7034" y="5081"/>
+                  </a:lnTo>
+                  <a:lnTo>
+                    <a:pt x="7156" y="4739"/>
+                  </a:lnTo>
+                  <a:lnTo>
+                    <a:pt x="7230" y="4373"/>
+                  </a:lnTo>
+                  <a:lnTo>
+                    <a:pt x="7303" y="4031"/>
+                  </a:lnTo>
+                  <a:lnTo>
+                    <a:pt x="7303" y="3640"/>
+                  </a:lnTo>
+                  <a:lnTo>
+                    <a:pt x="7303" y="3396"/>
+                  </a:lnTo>
+                  <a:lnTo>
+                    <a:pt x="7278" y="3176"/>
+                  </a:lnTo>
+                  <a:lnTo>
+                    <a:pt x="7254" y="2932"/>
+                  </a:lnTo>
+                  <a:lnTo>
+                    <a:pt x="7181" y="2712"/>
+                  </a:lnTo>
+                  <a:lnTo>
+                    <a:pt x="7132" y="2492"/>
+                  </a:lnTo>
+                  <a:lnTo>
+                    <a:pt x="7034" y="2272"/>
+                  </a:lnTo>
+                  <a:lnTo>
+                    <a:pt x="6839" y="1857"/>
+                  </a:lnTo>
+                  <a:lnTo>
+                    <a:pt x="5325" y="3347"/>
+                  </a:lnTo>
+                  <a:lnTo>
+                    <a:pt x="5349" y="3640"/>
+                  </a:lnTo>
+                  <a:lnTo>
+                    <a:pt x="5349" y="3811"/>
+                  </a:lnTo>
+                  <a:lnTo>
+                    <a:pt x="5325" y="3982"/>
+                  </a:lnTo>
+                  <a:lnTo>
+                    <a:pt x="5276" y="4153"/>
+                  </a:lnTo>
+                  <a:lnTo>
+                    <a:pt x="5227" y="4299"/>
+                  </a:lnTo>
+                  <a:lnTo>
+                    <a:pt x="5154" y="4446"/>
+                  </a:lnTo>
+                  <a:lnTo>
+                    <a:pt x="5080" y="4592"/>
+                  </a:lnTo>
+                  <a:lnTo>
+                    <a:pt x="4983" y="4739"/>
+                  </a:lnTo>
+                  <a:lnTo>
+                    <a:pt x="4860" y="4861"/>
+                  </a:lnTo>
+                  <a:lnTo>
+                    <a:pt x="4738" y="4959"/>
+                  </a:lnTo>
+                  <a:lnTo>
+                    <a:pt x="4616" y="5056"/>
+                  </a:lnTo>
+                  <a:lnTo>
+                    <a:pt x="4470" y="5154"/>
+                  </a:lnTo>
+                  <a:lnTo>
+                    <a:pt x="4323" y="5203"/>
+                  </a:lnTo>
+                  <a:lnTo>
+                    <a:pt x="4177" y="5276"/>
+                  </a:lnTo>
+                  <a:lnTo>
+                    <a:pt x="4006" y="5301"/>
+                  </a:lnTo>
+                  <a:lnTo>
+                    <a:pt x="3835" y="5349"/>
+                  </a:lnTo>
+                  <a:lnTo>
+                    <a:pt x="3493" y="5349"/>
+                  </a:lnTo>
+                  <a:lnTo>
+                    <a:pt x="3322" y="5301"/>
+                  </a:lnTo>
+                  <a:lnTo>
+                    <a:pt x="3151" y="5276"/>
+                  </a:lnTo>
+                  <a:lnTo>
+                    <a:pt x="3004" y="5203"/>
+                  </a:lnTo>
+                  <a:lnTo>
+                    <a:pt x="2858" y="5154"/>
+                  </a:lnTo>
+                  <a:lnTo>
+                    <a:pt x="2711" y="5056"/>
+                  </a:lnTo>
+                  <a:lnTo>
+                    <a:pt x="2589" y="4959"/>
+                  </a:lnTo>
+                  <a:lnTo>
+                    <a:pt x="2467" y="4861"/>
+                  </a:lnTo>
+                  <a:lnTo>
+                    <a:pt x="2345" y="4739"/>
+                  </a:lnTo>
+                  <a:lnTo>
+                    <a:pt x="2247" y="4592"/>
+                  </a:lnTo>
+                  <a:lnTo>
+                    <a:pt x="2174" y="4446"/>
+                  </a:lnTo>
+                  <a:lnTo>
+                    <a:pt x="2101" y="4299"/>
+                  </a:lnTo>
+                  <a:lnTo>
+                    <a:pt x="2027" y="4153"/>
+                  </a:lnTo>
+                  <a:lnTo>
+                    <a:pt x="2003" y="3982"/>
+                  </a:lnTo>
+                  <a:lnTo>
+                    <a:pt x="1979" y="3811"/>
+                  </a:lnTo>
+                  <a:lnTo>
+                    <a:pt x="1954" y="3640"/>
+                  </a:lnTo>
+                  <a:lnTo>
+                    <a:pt x="1979" y="3469"/>
+                  </a:lnTo>
+                  <a:lnTo>
+                    <a:pt x="2003" y="3298"/>
+                  </a:lnTo>
+                  <a:lnTo>
+                    <a:pt x="2027" y="3151"/>
+                  </a:lnTo>
+                  <a:lnTo>
+                    <a:pt x="2101" y="2980"/>
+                  </a:lnTo>
+                  <a:lnTo>
+                    <a:pt x="2174" y="2834"/>
+                  </a:lnTo>
+                  <a:lnTo>
+                    <a:pt x="2247" y="2687"/>
+                  </a:lnTo>
+                  <a:lnTo>
+                    <a:pt x="2345" y="2565"/>
+                  </a:lnTo>
+                  <a:lnTo>
+                    <a:pt x="2467" y="2443"/>
+                  </a:lnTo>
+                  <a:lnTo>
+                    <a:pt x="2589" y="2345"/>
+                  </a:lnTo>
+                  <a:lnTo>
+                    <a:pt x="2711" y="2248"/>
+                  </a:lnTo>
+                  <a:lnTo>
+                    <a:pt x="2858" y="2150"/>
+                  </a:lnTo>
+                  <a:lnTo>
+                    <a:pt x="3004" y="2077"/>
+                  </a:lnTo>
+                  <a:lnTo>
+                    <a:pt x="3151" y="2028"/>
+                  </a:lnTo>
+                  <a:lnTo>
+                    <a:pt x="3322" y="1979"/>
+                  </a:lnTo>
+                  <a:lnTo>
+                    <a:pt x="3493" y="1955"/>
+                  </a:lnTo>
+                  <a:lnTo>
+                    <a:pt x="3664" y="1955"/>
+                  </a:lnTo>
+                  <a:lnTo>
+                    <a:pt x="3957" y="1979"/>
+                  </a:lnTo>
+                  <a:lnTo>
+                    <a:pt x="5447" y="465"/>
+                  </a:lnTo>
+                  <a:lnTo>
+                    <a:pt x="5056" y="269"/>
+                  </a:lnTo>
+                  <a:lnTo>
+                    <a:pt x="4836" y="196"/>
+                  </a:lnTo>
+                  <a:lnTo>
+                    <a:pt x="4616" y="123"/>
+                  </a:lnTo>
+                  <a:lnTo>
+                    <a:pt x="4372" y="74"/>
+                  </a:lnTo>
+                  <a:lnTo>
+                    <a:pt x="4152" y="25"/>
+                  </a:lnTo>
+                  <a:lnTo>
+                    <a:pt x="3908" y="1"/>
+                  </a:lnTo>
+                  <a:close/>
+                </a:path>
+              </a:pathLst>
+            </a:custGeom>
+            <a:solidFill>
+              <a:srgbClr val="FFB600"/>
+            </a:solidFill>
+            <a:ln>
+              <a:noFill/>
+            </a:ln>
+          </p:spPr>
+          <p:txBody>
+            <a:bodyPr anchorCtr="0" anchor="ctr" bIns="91425" lIns="91425" spcFirstLastPara="1" rIns="91425" wrap="square" tIns="91425">
+              <a:noAutofit/>
+            </a:bodyPr>
+            <a:lstStyle/>
+            <a:p>
+              <a:pPr indent="0" lvl="0" marL="0" rtl="0" algn="l">
+                <a:spcBef>
+                  <a:spcPts val="0"/>
+                </a:spcBef>
+                <a:spcAft>
+                  <a:spcPts val="0"/>
+                </a:spcAft>
+                <a:buNone/>
+              </a:pPr>
+              <a:r>
+                <a:t/>
+              </a:r>
+              <a:endParaRPr/>
+            </a:p>
+          </p:txBody>
+        </p:sp>
+        <p:sp>
+          <p:nvSpPr>
+            <p:cNvPr id="151" name="Google Shape;151;p19"/>
+            <p:cNvSpPr/>
+            <p:nvPr/>
+          </p:nvSpPr>
+          <p:spPr>
+            <a:xfrm>
+              <a:off x="5981175" y="2005125"/>
+              <a:ext cx="75125" cy="70850"/>
+            </a:xfrm>
+            <a:custGeom>
+              <a:rect b="b" l="l" r="r" t="t"/>
+              <a:pathLst>
+                <a:path extrusionOk="0" h="2834" w="3005">
+                  <a:moveTo>
+                    <a:pt x="1466" y="0"/>
+                  </a:moveTo>
+                  <a:lnTo>
+                    <a:pt x="294" y="1173"/>
+                  </a:lnTo>
+                  <a:lnTo>
+                    <a:pt x="172" y="1319"/>
+                  </a:lnTo>
+                  <a:lnTo>
+                    <a:pt x="74" y="1490"/>
+                  </a:lnTo>
+                  <a:lnTo>
+                    <a:pt x="25" y="1661"/>
+                  </a:lnTo>
+                  <a:lnTo>
+                    <a:pt x="1" y="1857"/>
+                  </a:lnTo>
+                  <a:lnTo>
+                    <a:pt x="25" y="2052"/>
+                  </a:lnTo>
+                  <a:lnTo>
+                    <a:pt x="74" y="2223"/>
+                  </a:lnTo>
+                  <a:lnTo>
+                    <a:pt x="172" y="2394"/>
+                  </a:lnTo>
+                  <a:lnTo>
+                    <a:pt x="294" y="2540"/>
+                  </a:lnTo>
+                  <a:lnTo>
+                    <a:pt x="440" y="2663"/>
+                  </a:lnTo>
+                  <a:lnTo>
+                    <a:pt x="611" y="2760"/>
+                  </a:lnTo>
+                  <a:lnTo>
+                    <a:pt x="807" y="2809"/>
+                  </a:lnTo>
+                  <a:lnTo>
+                    <a:pt x="978" y="2833"/>
+                  </a:lnTo>
+                  <a:lnTo>
+                    <a:pt x="1173" y="2809"/>
+                  </a:lnTo>
+                  <a:lnTo>
+                    <a:pt x="1344" y="2760"/>
+                  </a:lnTo>
+                  <a:lnTo>
+                    <a:pt x="1515" y="2663"/>
+                  </a:lnTo>
+                  <a:lnTo>
+                    <a:pt x="1686" y="2540"/>
+                  </a:lnTo>
+                  <a:lnTo>
+                    <a:pt x="2858" y="1368"/>
+                  </a:lnTo>
+                  <a:lnTo>
+                    <a:pt x="3005" y="1197"/>
+                  </a:lnTo>
+                  <a:lnTo>
+                    <a:pt x="2590" y="928"/>
+                  </a:lnTo>
+                  <a:lnTo>
+                    <a:pt x="2199" y="635"/>
+                  </a:lnTo>
+                  <a:lnTo>
+                    <a:pt x="1808" y="342"/>
+                  </a:lnTo>
+                  <a:lnTo>
+                    <a:pt x="1466" y="0"/>
+                  </a:lnTo>
+                  <a:close/>
+                </a:path>
+              </a:pathLst>
+            </a:custGeom>
+            <a:solidFill>
+              <a:srgbClr val="FFB600"/>
+            </a:solidFill>
+            <a:ln>
+              <a:noFill/>
+            </a:ln>
+          </p:spPr>
+          <p:txBody>
+            <a:bodyPr anchorCtr="0" anchor="ctr" bIns="91425" lIns="91425" spcFirstLastPara="1" rIns="91425" wrap="square" tIns="91425">
+              <a:noAutofit/>
+            </a:bodyPr>
+            <a:lstStyle/>
+            <a:p>
+              <a:pPr indent="0" lvl="0" marL="0" rtl="0" algn="l">
+                <a:spcBef>
+                  <a:spcPts val="0"/>
+                </a:spcBef>
+                <a:spcAft>
+                  <a:spcPts val="0"/>
+                </a:spcAft>
+                <a:buNone/>
+              </a:pPr>
+              <a:r>
+                <a:t/>
+              </a:r>
+              <a:endParaRPr/>
+            </a:p>
+          </p:txBody>
+        </p:sp>
+        <p:sp>
+          <p:nvSpPr>
+            <p:cNvPr id="152" name="Google Shape;152;p19"/>
+            <p:cNvSpPr/>
+            <p:nvPr/>
+          </p:nvSpPr>
+          <p:spPr>
+            <a:xfrm>
+              <a:off x="6263875" y="2005125"/>
+              <a:ext cx="74525" cy="70850"/>
+            </a:xfrm>
+            <a:custGeom>
+              <a:rect b="b" l="l" r="r" t="t"/>
+              <a:pathLst>
+                <a:path extrusionOk="0" h="2834" w="2981">
+                  <a:moveTo>
+                    <a:pt x="1539" y="0"/>
+                  </a:moveTo>
+                  <a:lnTo>
+                    <a:pt x="1173" y="342"/>
+                  </a:lnTo>
+                  <a:lnTo>
+                    <a:pt x="807" y="635"/>
+                  </a:lnTo>
+                  <a:lnTo>
+                    <a:pt x="416" y="928"/>
+                  </a:lnTo>
+                  <a:lnTo>
+                    <a:pt x="1" y="1197"/>
+                  </a:lnTo>
+                  <a:lnTo>
+                    <a:pt x="123" y="1368"/>
+                  </a:lnTo>
+                  <a:lnTo>
+                    <a:pt x="1319" y="2540"/>
+                  </a:lnTo>
+                  <a:lnTo>
+                    <a:pt x="1466" y="2663"/>
+                  </a:lnTo>
+                  <a:lnTo>
+                    <a:pt x="1637" y="2760"/>
+                  </a:lnTo>
+                  <a:lnTo>
+                    <a:pt x="1832" y="2809"/>
+                  </a:lnTo>
+                  <a:lnTo>
+                    <a:pt x="2003" y="2833"/>
+                  </a:lnTo>
+                  <a:lnTo>
+                    <a:pt x="2199" y="2809"/>
+                  </a:lnTo>
+                  <a:lnTo>
+                    <a:pt x="2370" y="2760"/>
+                  </a:lnTo>
+                  <a:lnTo>
+                    <a:pt x="2541" y="2663"/>
+                  </a:lnTo>
+                  <a:lnTo>
+                    <a:pt x="2712" y="2540"/>
+                  </a:lnTo>
+                  <a:lnTo>
+                    <a:pt x="2834" y="2394"/>
+                  </a:lnTo>
+                  <a:lnTo>
+                    <a:pt x="2931" y="2223"/>
+                  </a:lnTo>
+                  <a:lnTo>
+                    <a:pt x="2980" y="2052"/>
+                  </a:lnTo>
+                  <a:lnTo>
+                    <a:pt x="2980" y="1857"/>
+                  </a:lnTo>
+                  <a:lnTo>
+                    <a:pt x="2980" y="1661"/>
+                  </a:lnTo>
+                  <a:lnTo>
+                    <a:pt x="2931" y="1490"/>
+                  </a:lnTo>
+                  <a:lnTo>
+                    <a:pt x="2834" y="1319"/>
+                  </a:lnTo>
+                  <a:lnTo>
+                    <a:pt x="2712" y="1173"/>
+                  </a:lnTo>
+                  <a:lnTo>
+                    <a:pt x="1539" y="0"/>
+                  </a:lnTo>
+                  <a:close/>
+                </a:path>
+              </a:pathLst>
+            </a:custGeom>
+            <a:solidFill>
+              <a:srgbClr val="FFB600"/>
+            </a:solidFill>
+            <a:ln>
+              <a:noFill/>
+            </a:ln>
+          </p:spPr>
+          <p:txBody>
+            <a:bodyPr anchorCtr="0" anchor="ctr" bIns="91425" lIns="91425" spcFirstLastPara="1" rIns="91425" wrap="square" tIns="91425">
+              <a:noAutofit/>
+            </a:bodyPr>
+            <a:lstStyle/>
+            <a:p>
+              <a:pPr indent="0" lvl="0" marL="0" rtl="0" algn="l">
+                <a:spcBef>
+                  <a:spcPts val="0"/>
+                </a:spcBef>
+                <a:spcAft>
+                  <a:spcPts val="0"/>
+                </a:spcAft>
+                <a:buNone/>
+              </a:pPr>
+              <a:r>
+                <a:t/>
+              </a:r>
+              <a:endParaRPr/>
+            </a:p>
+          </p:txBody>
+        </p:sp>
+        <p:sp>
+          <p:nvSpPr>
+            <p:cNvPr id="153" name="Google Shape;153;p19"/>
+            <p:cNvSpPr/>
+            <p:nvPr/>
+          </p:nvSpPr>
+          <p:spPr>
+            <a:xfrm>
+              <a:off x="6147875" y="1619250"/>
+              <a:ext cx="251575" cy="255850"/>
+            </a:xfrm>
+            <a:custGeom>
+              <a:rect b="b" l="l" r="r" t="t"/>
+              <a:pathLst>
+                <a:path extrusionOk="0" h="10234" w="10063">
+                  <a:moveTo>
+                    <a:pt x="7352" y="0"/>
+                  </a:moveTo>
+                  <a:lnTo>
+                    <a:pt x="7254" y="24"/>
+                  </a:lnTo>
+                  <a:lnTo>
+                    <a:pt x="7181" y="73"/>
+                  </a:lnTo>
+                  <a:lnTo>
+                    <a:pt x="7083" y="147"/>
+                  </a:lnTo>
+                  <a:lnTo>
+                    <a:pt x="5447" y="1758"/>
+                  </a:lnTo>
+                  <a:lnTo>
+                    <a:pt x="5373" y="1856"/>
+                  </a:lnTo>
+                  <a:lnTo>
+                    <a:pt x="5300" y="1978"/>
+                  </a:lnTo>
+                  <a:lnTo>
+                    <a:pt x="5227" y="2125"/>
+                  </a:lnTo>
+                  <a:lnTo>
+                    <a:pt x="5178" y="2247"/>
+                  </a:lnTo>
+                  <a:lnTo>
+                    <a:pt x="5154" y="2393"/>
+                  </a:lnTo>
+                  <a:lnTo>
+                    <a:pt x="5129" y="2540"/>
+                  </a:lnTo>
+                  <a:lnTo>
+                    <a:pt x="5129" y="2687"/>
+                  </a:lnTo>
+                  <a:lnTo>
+                    <a:pt x="5129" y="2809"/>
+                  </a:lnTo>
+                  <a:lnTo>
+                    <a:pt x="5349" y="3981"/>
+                  </a:lnTo>
+                  <a:lnTo>
+                    <a:pt x="5398" y="4152"/>
+                  </a:lnTo>
+                  <a:lnTo>
+                    <a:pt x="147" y="9403"/>
+                  </a:lnTo>
+                  <a:lnTo>
+                    <a:pt x="74" y="9476"/>
+                  </a:lnTo>
+                  <a:lnTo>
+                    <a:pt x="25" y="9574"/>
+                  </a:lnTo>
+                  <a:lnTo>
+                    <a:pt x="0" y="9672"/>
+                  </a:lnTo>
+                  <a:lnTo>
+                    <a:pt x="0" y="9745"/>
+                  </a:lnTo>
+                  <a:lnTo>
+                    <a:pt x="0" y="9843"/>
+                  </a:lnTo>
+                  <a:lnTo>
+                    <a:pt x="25" y="9940"/>
+                  </a:lnTo>
+                  <a:lnTo>
+                    <a:pt x="74" y="10013"/>
+                  </a:lnTo>
+                  <a:lnTo>
+                    <a:pt x="147" y="10087"/>
+                  </a:lnTo>
+                  <a:lnTo>
+                    <a:pt x="220" y="10160"/>
+                  </a:lnTo>
+                  <a:lnTo>
+                    <a:pt x="293" y="10209"/>
+                  </a:lnTo>
+                  <a:lnTo>
+                    <a:pt x="391" y="10233"/>
+                  </a:lnTo>
+                  <a:lnTo>
+                    <a:pt x="586" y="10233"/>
+                  </a:lnTo>
+                  <a:lnTo>
+                    <a:pt x="660" y="10209"/>
+                  </a:lnTo>
+                  <a:lnTo>
+                    <a:pt x="757" y="10160"/>
+                  </a:lnTo>
+                  <a:lnTo>
+                    <a:pt x="831" y="10087"/>
+                  </a:lnTo>
+                  <a:lnTo>
+                    <a:pt x="6204" y="4738"/>
+                  </a:lnTo>
+                  <a:lnTo>
+                    <a:pt x="7254" y="4909"/>
+                  </a:lnTo>
+                  <a:lnTo>
+                    <a:pt x="7376" y="4933"/>
+                  </a:lnTo>
+                  <a:lnTo>
+                    <a:pt x="7523" y="4933"/>
+                  </a:lnTo>
+                  <a:lnTo>
+                    <a:pt x="7645" y="4909"/>
+                  </a:lnTo>
+                  <a:lnTo>
+                    <a:pt x="7791" y="4860"/>
+                  </a:lnTo>
+                  <a:lnTo>
+                    <a:pt x="7938" y="4811"/>
+                  </a:lnTo>
+                  <a:lnTo>
+                    <a:pt x="8060" y="4763"/>
+                  </a:lnTo>
+                  <a:lnTo>
+                    <a:pt x="8182" y="4689"/>
+                  </a:lnTo>
+                  <a:lnTo>
+                    <a:pt x="8280" y="4592"/>
+                  </a:lnTo>
+                  <a:lnTo>
+                    <a:pt x="9916" y="2955"/>
+                  </a:lnTo>
+                  <a:lnTo>
+                    <a:pt x="9989" y="2882"/>
+                  </a:lnTo>
+                  <a:lnTo>
+                    <a:pt x="10038" y="2784"/>
+                  </a:lnTo>
+                  <a:lnTo>
+                    <a:pt x="10063" y="2711"/>
+                  </a:lnTo>
+                  <a:lnTo>
+                    <a:pt x="10038" y="2613"/>
+                  </a:lnTo>
+                  <a:lnTo>
+                    <a:pt x="10014" y="2564"/>
+                  </a:lnTo>
+                  <a:lnTo>
+                    <a:pt x="9940" y="2491"/>
+                  </a:lnTo>
+                  <a:lnTo>
+                    <a:pt x="9843" y="2442"/>
+                  </a:lnTo>
+                  <a:lnTo>
+                    <a:pt x="9745" y="2418"/>
+                  </a:lnTo>
+                  <a:lnTo>
+                    <a:pt x="8695" y="2223"/>
+                  </a:lnTo>
+                  <a:lnTo>
+                    <a:pt x="9721" y="1197"/>
+                  </a:lnTo>
+                  <a:lnTo>
+                    <a:pt x="9794" y="1123"/>
+                  </a:lnTo>
+                  <a:lnTo>
+                    <a:pt x="9843" y="1026"/>
+                  </a:lnTo>
+                  <a:lnTo>
+                    <a:pt x="9867" y="953"/>
+                  </a:lnTo>
+                  <a:lnTo>
+                    <a:pt x="9867" y="855"/>
+                  </a:lnTo>
+                  <a:lnTo>
+                    <a:pt x="9867" y="757"/>
+                  </a:lnTo>
+                  <a:lnTo>
+                    <a:pt x="9843" y="659"/>
+                  </a:lnTo>
+                  <a:lnTo>
+                    <a:pt x="9794" y="586"/>
+                  </a:lnTo>
+                  <a:lnTo>
+                    <a:pt x="9721" y="513"/>
+                  </a:lnTo>
+                  <a:lnTo>
+                    <a:pt x="9647" y="440"/>
+                  </a:lnTo>
+                  <a:lnTo>
+                    <a:pt x="9574" y="391"/>
+                  </a:lnTo>
+                  <a:lnTo>
+                    <a:pt x="9476" y="366"/>
+                  </a:lnTo>
+                  <a:lnTo>
+                    <a:pt x="9281" y="366"/>
+                  </a:lnTo>
+                  <a:lnTo>
+                    <a:pt x="9208" y="391"/>
+                  </a:lnTo>
+                  <a:lnTo>
+                    <a:pt x="9110" y="440"/>
+                  </a:lnTo>
+                  <a:lnTo>
+                    <a:pt x="9037" y="513"/>
+                  </a:lnTo>
+                  <a:lnTo>
+                    <a:pt x="7889" y="1661"/>
+                  </a:lnTo>
+                  <a:lnTo>
+                    <a:pt x="7840" y="1490"/>
+                  </a:lnTo>
+                  <a:lnTo>
+                    <a:pt x="7620" y="318"/>
+                  </a:lnTo>
+                  <a:lnTo>
+                    <a:pt x="7596" y="195"/>
+                  </a:lnTo>
+                  <a:lnTo>
+                    <a:pt x="7547" y="98"/>
+                  </a:lnTo>
+                  <a:lnTo>
+                    <a:pt x="7498" y="49"/>
+                  </a:lnTo>
+                  <a:lnTo>
+                    <a:pt x="7425" y="0"/>
+                  </a:lnTo>
+                  <a:close/>
+                </a:path>
+              </a:pathLst>
+            </a:custGeom>
+            <a:solidFill>
+              <a:srgbClr val="FFB600"/>
+            </a:solidFill>
+            <a:ln>
+              <a:noFill/>
+            </a:ln>
+          </p:spPr>
+          <p:txBody>
+            <a:bodyPr anchorCtr="0" anchor="ctr" bIns="91425" lIns="91425" spcFirstLastPara="1" rIns="91425" wrap="square" tIns="91425">
+              <a:noAutofit/>
+            </a:bodyPr>
+            <a:lstStyle/>
+            <a:p>
+              <a:pPr indent="0" lvl="0" marL="0" rtl="0" algn="l">
+                <a:spcBef>
+                  <a:spcPts val="0"/>
+                </a:spcBef>
+                <a:spcAft>
+                  <a:spcPts val="0"/>
+                </a:spcAft>
+                <a:buNone/>
+              </a:pPr>
+              <a:r>
+                <a:t/>
+              </a:r>
+              <a:endParaRPr/>
+            </a:p>
+          </p:txBody>
+        </p:sp>
+      </p:grpSp>
+      <p:pic>
+        <p:nvPicPr>
+          <p:cNvPr id="154" name="Google Shape;154;p19"/>
+          <p:cNvPicPr preferRelativeResize="0"/>
+          <p:nvPr/>
+        </p:nvPicPr>
+        <p:blipFill>
+          <a:blip r:embed="rId3">
+            <a:alphaModFix/>
+          </a:blip>
+          <a:stretch>
+            <a:fillRect/>
+          </a:stretch>
+        </p:blipFill>
+        <p:spPr>
+          <a:xfrm>
+            <a:off x="1076200" y="3265400"/>
+            <a:ext cx="2542498" cy="1423800"/>
+          </a:xfrm>
+          <a:prstGeom prst="rect">
+            <a:avLst/>
+          </a:prstGeom>
+          <a:noFill/>
+          <a:ln>
+            <a:noFill/>
+          </a:ln>
+        </p:spPr>
+      </p:pic>
+    </p:spTree>
+  </p:cSld>
+  <p:clrMapOvr>
+    <a:masterClrMapping/>
+  </p:clrMapOvr>
+</p:sld>
+</file>
+
+<file path=ppt/slides/slide9.xml><?xml version="1.0" encoding="utf-8"?>
+<p:sld xmlns:a="http://schemas.openxmlformats.org/drawingml/2006/main" xmlns:r="http://schemas.openxmlformats.org/officeDocument/2006/relationships" xmlns:mc="http://schemas.openxmlformats.org/markup-compatibility/2006" xmlns:mv="urn:schemas-microsoft-com:mac:vml" xmlns:p="http://schemas.openxmlformats.org/presentationml/2006/main" xmlns:c="http://schemas.openxmlformats.org/drawingml/2006/chart" xmlns:dgm="http://schemas.openxmlformats.org/drawingml/2006/diagram" xmlns:o="urn:schemas-microsoft-com:office:office" xmlns:v="urn:schemas-microsoft-com:vml" xmlns:pvml="urn:schemas-microsoft-com:office:powerpoint" xmlns:com="http://schemas.openxmlformats.org/drawingml/2006/compatibility" xmlns:p14="http://schemas.microsoft.com/office/powerpoint/2010/main" xmlns:p15="http://schemas.microsoft.com/office/powerpoint/2012/main">
+  <p:cSld>
+    <p:spTree>
+      <p:nvGrpSpPr>
+        <p:cNvPr id="158" name="Shape 158"/>
+        <p:cNvGrpSpPr/>
+        <p:nvPr/>
+      </p:nvGrpSpPr>
+      <p:grpSpPr>
+        <a:xfrm>
+          <a:off x="0" y="0"/>
+          <a:ext cx="0" cy="0"/>
+          <a:chOff x="0" y="0"/>
+          <a:chExt cx="0" cy="0"/>
+        </a:xfrm>
+      </p:grpSpPr>
+      <p:sp>
+        <p:nvSpPr>
+          <p:cNvPr id="159" name="Google Shape;159;p20"/>
+          <p:cNvSpPr txBox="1"/>
+          <p:nvPr>
+            <p:ph type="title"/>
+          </p:nvPr>
+        </p:nvSpPr>
+        <p:spPr>
+          <a:xfrm>
+            <a:off x="922000" y="891775"/>
+            <a:ext cx="6866100" cy="857400"/>
+          </a:xfrm>
+          <a:prstGeom prst="rect">
+            <a:avLst/>
+          </a:prstGeom>
+        </p:spPr>
+        <p:txBody>
+          <a:bodyPr anchorCtr="0" anchor="t" bIns="91425" lIns="91425" spcFirstLastPara="1" rIns="91425" wrap="square" tIns="91425">
+            <a:noAutofit/>
+          </a:bodyPr>
+          <a:lstStyle/>
+          <a:p>
+            <a:pPr indent="0" lvl="0" marL="0" rtl="0" algn="l">
+              <a:spcBef>
+                <a:spcPts val="0"/>
+              </a:spcBef>
+              <a:spcAft>
+                <a:spcPts val="0"/>
+              </a:spcAft>
+              <a:buNone/>
+            </a:pPr>
+            <a:r>
+              <a:rPr lang="en"/>
+              <a:t>Passo-a-passo</a:t>
+            </a:r>
+            <a:endParaRPr/>
+          </a:p>
+        </p:txBody>
+      </p:sp>
+      <p:sp>
+        <p:nvSpPr>
+          <p:cNvPr id="160" name="Google Shape;160;p20"/>
+          <p:cNvSpPr txBox="1"/>
+          <p:nvPr>
+            <p:ph idx="12" type="sldNum"/>
+          </p:nvPr>
+        </p:nvSpPr>
+        <p:spPr>
+          <a:xfrm>
+            <a:off x="8604400" y="4590300"/>
+            <a:ext cx="539700" cy="553200"/>
+          </a:xfrm>
+          <a:prstGeom prst="rect">
+            <a:avLst/>
+          </a:prstGeom>
+        </p:spPr>
+        <p:txBody>
+          <a:bodyPr anchorCtr="0" anchor="ctr" bIns="91425" lIns="91425" spcFirstLastPara="1" rIns="91425" wrap="square" tIns="91425">
+            <a:noAutofit/>
+          </a:bodyPr>
+          <a:lstStyle/>
+          <a:p>
+            <a:pPr indent="0" lvl="0" marL="0" rtl="0" algn="ctr">
+              <a:spcBef>
+                <a:spcPts val="0"/>
+              </a:spcBef>
+              <a:spcAft>
+                <a:spcPts val="0"/>
+              </a:spcAft>
+              <a:buNone/>
+            </a:pPr>
+            <a:fld id="{00000000-1234-1234-1234-123412341234}" type="slidenum">
+              <a:rPr lang="en"/>
+              <a:t>‹#›</a:t>
+            </a:fld>
+            <a:endParaRPr/>
+          </a:p>
+        </p:txBody>
+      </p:sp>
+      <p:sp>
+        <p:nvSpPr>
+          <p:cNvPr id="161" name="Google Shape;161;p20"/>
+          <p:cNvSpPr/>
+          <p:nvPr/>
+        </p:nvSpPr>
+        <p:spPr>
+          <a:xfrm>
+            <a:off x="8055177" y="292676"/>
+            <a:ext cx="796167" cy="796157"/>
+          </a:xfrm>
+          <a:custGeom>
+            <a:rect b="b" l="l" r="r" t="t"/>
+            <a:pathLst>
+              <a:path extrusionOk="0" h="16071" w="16072">
+                <a:moveTo>
+                  <a:pt x="8036" y="0"/>
+                </a:moveTo>
+                <a:lnTo>
+                  <a:pt x="7938" y="24"/>
+                </a:lnTo>
+                <a:lnTo>
+                  <a:pt x="7792" y="98"/>
+                </a:lnTo>
+                <a:lnTo>
+                  <a:pt x="7328" y="366"/>
+                </a:lnTo>
+                <a:lnTo>
+                  <a:pt x="7059" y="537"/>
+                </a:lnTo>
+                <a:lnTo>
+                  <a:pt x="6766" y="757"/>
+                </a:lnTo>
+                <a:lnTo>
+                  <a:pt x="6448" y="977"/>
+                </a:lnTo>
+                <a:lnTo>
+                  <a:pt x="6155" y="1246"/>
+                </a:lnTo>
+                <a:lnTo>
+                  <a:pt x="5887" y="1514"/>
+                </a:lnTo>
+                <a:lnTo>
+                  <a:pt x="5643" y="1807"/>
+                </a:lnTo>
+                <a:lnTo>
+                  <a:pt x="5447" y="2100"/>
+                </a:lnTo>
+                <a:lnTo>
+                  <a:pt x="5374" y="2247"/>
+                </a:lnTo>
+                <a:lnTo>
+                  <a:pt x="5325" y="2418"/>
+                </a:lnTo>
+                <a:lnTo>
+                  <a:pt x="5276" y="2564"/>
+                </a:lnTo>
+                <a:lnTo>
+                  <a:pt x="5252" y="2711"/>
+                </a:lnTo>
+                <a:lnTo>
+                  <a:pt x="5252" y="2858"/>
+                </a:lnTo>
+                <a:lnTo>
+                  <a:pt x="5276" y="3029"/>
+                </a:lnTo>
+                <a:lnTo>
+                  <a:pt x="5325" y="3175"/>
+                </a:lnTo>
+                <a:lnTo>
+                  <a:pt x="5398" y="3322"/>
+                </a:lnTo>
+                <a:lnTo>
+                  <a:pt x="5496" y="3468"/>
+                </a:lnTo>
+                <a:lnTo>
+                  <a:pt x="5618" y="3615"/>
+                </a:lnTo>
+                <a:lnTo>
+                  <a:pt x="5814" y="3761"/>
+                </a:lnTo>
+                <a:lnTo>
+                  <a:pt x="6009" y="3859"/>
+                </a:lnTo>
+                <a:lnTo>
+                  <a:pt x="6204" y="3957"/>
+                </a:lnTo>
+                <a:lnTo>
+                  <a:pt x="6424" y="4005"/>
+                </a:lnTo>
+                <a:lnTo>
+                  <a:pt x="6644" y="4054"/>
+                </a:lnTo>
+                <a:lnTo>
+                  <a:pt x="6864" y="4152"/>
+                </a:lnTo>
+                <a:lnTo>
+                  <a:pt x="7059" y="4250"/>
+                </a:lnTo>
+                <a:lnTo>
+                  <a:pt x="7254" y="4421"/>
+                </a:lnTo>
+                <a:lnTo>
+                  <a:pt x="7425" y="4616"/>
+                </a:lnTo>
+                <a:lnTo>
+                  <a:pt x="7523" y="4836"/>
+                </a:lnTo>
+                <a:lnTo>
+                  <a:pt x="7596" y="5080"/>
+                </a:lnTo>
+                <a:lnTo>
+                  <a:pt x="7621" y="5373"/>
+                </a:lnTo>
+                <a:lnTo>
+                  <a:pt x="7596" y="5569"/>
+                </a:lnTo>
+                <a:lnTo>
+                  <a:pt x="7572" y="5788"/>
+                </a:lnTo>
+                <a:lnTo>
+                  <a:pt x="7499" y="5984"/>
+                </a:lnTo>
+                <a:lnTo>
+                  <a:pt x="7425" y="6179"/>
+                </a:lnTo>
+                <a:lnTo>
+                  <a:pt x="7328" y="6374"/>
+                </a:lnTo>
+                <a:lnTo>
+                  <a:pt x="7206" y="6570"/>
+                </a:lnTo>
+                <a:lnTo>
+                  <a:pt x="7059" y="6741"/>
+                </a:lnTo>
+                <a:lnTo>
+                  <a:pt x="6913" y="6912"/>
+                </a:lnTo>
+                <a:lnTo>
+                  <a:pt x="6742" y="7058"/>
+                </a:lnTo>
+                <a:lnTo>
+                  <a:pt x="6571" y="7205"/>
+                </a:lnTo>
+                <a:lnTo>
+                  <a:pt x="6400" y="7303"/>
+                </a:lnTo>
+                <a:lnTo>
+                  <a:pt x="6204" y="7425"/>
+                </a:lnTo>
+                <a:lnTo>
+                  <a:pt x="6009" y="7498"/>
+                </a:lnTo>
+                <a:lnTo>
+                  <a:pt x="5789" y="7571"/>
+                </a:lnTo>
+                <a:lnTo>
+                  <a:pt x="5569" y="7596"/>
+                </a:lnTo>
+                <a:lnTo>
+                  <a:pt x="5374" y="7620"/>
+                </a:lnTo>
+                <a:lnTo>
+                  <a:pt x="5105" y="7596"/>
+                </a:lnTo>
+                <a:lnTo>
+                  <a:pt x="4861" y="7522"/>
+                </a:lnTo>
+                <a:lnTo>
+                  <a:pt x="4617" y="7425"/>
+                </a:lnTo>
+                <a:lnTo>
+                  <a:pt x="4421" y="7254"/>
+                </a:lnTo>
+                <a:lnTo>
+                  <a:pt x="4250" y="7058"/>
+                </a:lnTo>
+                <a:lnTo>
+                  <a:pt x="4128" y="6839"/>
+                </a:lnTo>
+                <a:lnTo>
+                  <a:pt x="4055" y="6619"/>
+                </a:lnTo>
+                <a:lnTo>
+                  <a:pt x="3982" y="6399"/>
+                </a:lnTo>
+                <a:lnTo>
+                  <a:pt x="3933" y="6204"/>
+                </a:lnTo>
+                <a:lnTo>
+                  <a:pt x="3860" y="6008"/>
+                </a:lnTo>
+                <a:lnTo>
+                  <a:pt x="3762" y="5813"/>
+                </a:lnTo>
+                <a:lnTo>
+                  <a:pt x="3615" y="5617"/>
+                </a:lnTo>
+                <a:lnTo>
+                  <a:pt x="3469" y="5495"/>
+                </a:lnTo>
+                <a:lnTo>
+                  <a:pt x="3322" y="5398"/>
+                </a:lnTo>
+                <a:lnTo>
+                  <a:pt x="3176" y="5324"/>
+                </a:lnTo>
+                <a:lnTo>
+                  <a:pt x="3029" y="5275"/>
+                </a:lnTo>
+                <a:lnTo>
+                  <a:pt x="2858" y="5251"/>
+                </a:lnTo>
+                <a:lnTo>
+                  <a:pt x="2712" y="5251"/>
+                </a:lnTo>
+                <a:lnTo>
+                  <a:pt x="2565" y="5275"/>
+                </a:lnTo>
+                <a:lnTo>
+                  <a:pt x="2419" y="5324"/>
+                </a:lnTo>
+                <a:lnTo>
+                  <a:pt x="2248" y="5373"/>
+                </a:lnTo>
+                <a:lnTo>
+                  <a:pt x="2101" y="5446"/>
+                </a:lnTo>
+                <a:lnTo>
+                  <a:pt x="1808" y="5642"/>
+                </a:lnTo>
+                <a:lnTo>
+                  <a:pt x="1515" y="5886"/>
+                </a:lnTo>
+                <a:lnTo>
+                  <a:pt x="1246" y="6155"/>
+                </a:lnTo>
+                <a:lnTo>
+                  <a:pt x="978" y="6448"/>
+                </a:lnTo>
+                <a:lnTo>
+                  <a:pt x="758" y="6765"/>
+                </a:lnTo>
+                <a:lnTo>
+                  <a:pt x="538" y="7058"/>
+                </a:lnTo>
+                <a:lnTo>
+                  <a:pt x="367" y="7327"/>
+                </a:lnTo>
+                <a:lnTo>
+                  <a:pt x="99" y="7791"/>
+                </a:lnTo>
+                <a:lnTo>
+                  <a:pt x="25" y="7938"/>
+                </a:lnTo>
+                <a:lnTo>
+                  <a:pt x="1" y="8035"/>
+                </a:lnTo>
+                <a:lnTo>
+                  <a:pt x="25" y="8231"/>
+                </a:lnTo>
+                <a:lnTo>
+                  <a:pt x="74" y="8402"/>
+                </a:lnTo>
+                <a:lnTo>
+                  <a:pt x="172" y="8597"/>
+                </a:lnTo>
+                <a:lnTo>
+                  <a:pt x="294" y="8744"/>
+                </a:lnTo>
+                <a:lnTo>
+                  <a:pt x="587" y="9012"/>
+                </a:lnTo>
+                <a:lnTo>
+                  <a:pt x="880" y="9256"/>
+                </a:lnTo>
+                <a:lnTo>
+                  <a:pt x="1417" y="9696"/>
+                </a:lnTo>
+                <a:lnTo>
+                  <a:pt x="1906" y="10062"/>
+                </a:lnTo>
+                <a:lnTo>
+                  <a:pt x="2101" y="10233"/>
+                </a:lnTo>
+                <a:lnTo>
+                  <a:pt x="2297" y="10404"/>
+                </a:lnTo>
+                <a:lnTo>
+                  <a:pt x="2419" y="10575"/>
+                </a:lnTo>
+                <a:lnTo>
+                  <a:pt x="2541" y="10746"/>
+                </a:lnTo>
+                <a:lnTo>
+                  <a:pt x="2590" y="10917"/>
+                </a:lnTo>
+                <a:lnTo>
+                  <a:pt x="2590" y="11113"/>
+                </a:lnTo>
+                <a:lnTo>
+                  <a:pt x="2541" y="11308"/>
+                </a:lnTo>
+                <a:lnTo>
+                  <a:pt x="2443" y="11528"/>
+                </a:lnTo>
+                <a:lnTo>
+                  <a:pt x="2272" y="11772"/>
+                </a:lnTo>
+                <a:lnTo>
+                  <a:pt x="2004" y="12041"/>
+                </a:lnTo>
+                <a:lnTo>
+                  <a:pt x="1833" y="12212"/>
+                </a:lnTo>
+                <a:lnTo>
+                  <a:pt x="1637" y="12309"/>
+                </a:lnTo>
+                <a:lnTo>
+                  <a:pt x="1417" y="12383"/>
+                </a:lnTo>
+                <a:lnTo>
+                  <a:pt x="1222" y="12431"/>
+                </a:lnTo>
+                <a:lnTo>
+                  <a:pt x="1002" y="12480"/>
+                </a:lnTo>
+                <a:lnTo>
+                  <a:pt x="782" y="12578"/>
+                </a:lnTo>
+                <a:lnTo>
+                  <a:pt x="587" y="12700"/>
+                </a:lnTo>
+                <a:lnTo>
+                  <a:pt x="367" y="12871"/>
+                </a:lnTo>
+                <a:lnTo>
+                  <a:pt x="196" y="13066"/>
+                </a:lnTo>
+                <a:lnTo>
+                  <a:pt x="99" y="13286"/>
+                </a:lnTo>
+                <a:lnTo>
+                  <a:pt x="25" y="13530"/>
+                </a:lnTo>
+                <a:lnTo>
+                  <a:pt x="1" y="13799"/>
+                </a:lnTo>
+                <a:lnTo>
+                  <a:pt x="25" y="14019"/>
+                </a:lnTo>
+                <a:lnTo>
+                  <a:pt x="50" y="14239"/>
+                </a:lnTo>
+                <a:lnTo>
+                  <a:pt x="123" y="14434"/>
+                </a:lnTo>
+                <a:lnTo>
+                  <a:pt x="221" y="14654"/>
+                </a:lnTo>
+                <a:lnTo>
+                  <a:pt x="318" y="14825"/>
+                </a:lnTo>
+                <a:lnTo>
+                  <a:pt x="440" y="15020"/>
+                </a:lnTo>
+                <a:lnTo>
+                  <a:pt x="563" y="15191"/>
+                </a:lnTo>
+                <a:lnTo>
+                  <a:pt x="709" y="15362"/>
+                </a:lnTo>
+                <a:lnTo>
+                  <a:pt x="880" y="15509"/>
+                </a:lnTo>
+                <a:lnTo>
+                  <a:pt x="1051" y="15631"/>
+                </a:lnTo>
+                <a:lnTo>
+                  <a:pt x="1246" y="15753"/>
+                </a:lnTo>
+                <a:lnTo>
+                  <a:pt x="1442" y="15875"/>
+                </a:lnTo>
+                <a:lnTo>
+                  <a:pt x="1637" y="15948"/>
+                </a:lnTo>
+                <a:lnTo>
+                  <a:pt x="1857" y="16022"/>
+                </a:lnTo>
+                <a:lnTo>
+                  <a:pt x="2052" y="16046"/>
+                </a:lnTo>
+                <a:lnTo>
+                  <a:pt x="2272" y="16070"/>
+                </a:lnTo>
+                <a:lnTo>
+                  <a:pt x="2541" y="16046"/>
+                </a:lnTo>
+                <a:lnTo>
+                  <a:pt x="2785" y="15973"/>
+                </a:lnTo>
+                <a:lnTo>
+                  <a:pt x="3005" y="15875"/>
+                </a:lnTo>
+                <a:lnTo>
+                  <a:pt x="3200" y="15704"/>
+                </a:lnTo>
+                <a:lnTo>
+                  <a:pt x="3371" y="15509"/>
+                </a:lnTo>
+                <a:lnTo>
+                  <a:pt x="3493" y="15289"/>
+                </a:lnTo>
+                <a:lnTo>
+                  <a:pt x="3567" y="15094"/>
+                </a:lnTo>
+                <a:lnTo>
+                  <a:pt x="3615" y="14874"/>
+                </a:lnTo>
+                <a:lnTo>
+                  <a:pt x="3689" y="14654"/>
+                </a:lnTo>
+                <a:lnTo>
+                  <a:pt x="3762" y="14459"/>
+                </a:lnTo>
+                <a:lnTo>
+                  <a:pt x="3860" y="14239"/>
+                </a:lnTo>
+                <a:lnTo>
+                  <a:pt x="4031" y="14068"/>
+                </a:lnTo>
+                <a:lnTo>
+                  <a:pt x="4299" y="13824"/>
+                </a:lnTo>
+                <a:lnTo>
+                  <a:pt x="4544" y="13628"/>
+                </a:lnTo>
+                <a:lnTo>
+                  <a:pt x="4763" y="13530"/>
+                </a:lnTo>
+                <a:lnTo>
+                  <a:pt x="4959" y="13482"/>
+                </a:lnTo>
+                <a:lnTo>
+                  <a:pt x="5154" y="13482"/>
+                </a:lnTo>
+                <a:lnTo>
+                  <a:pt x="5325" y="13530"/>
+                </a:lnTo>
+                <a:lnTo>
+                  <a:pt x="5496" y="13653"/>
+                </a:lnTo>
+                <a:lnTo>
+                  <a:pt x="5667" y="13775"/>
+                </a:lnTo>
+                <a:lnTo>
+                  <a:pt x="5838" y="13970"/>
+                </a:lnTo>
+                <a:lnTo>
+                  <a:pt x="6009" y="14165"/>
+                </a:lnTo>
+                <a:lnTo>
+                  <a:pt x="6375" y="14654"/>
+                </a:lnTo>
+                <a:lnTo>
+                  <a:pt x="6815" y="15191"/>
+                </a:lnTo>
+                <a:lnTo>
+                  <a:pt x="7059" y="15484"/>
+                </a:lnTo>
+                <a:lnTo>
+                  <a:pt x="7328" y="15777"/>
+                </a:lnTo>
+                <a:lnTo>
+                  <a:pt x="7474" y="15899"/>
+                </a:lnTo>
+                <a:lnTo>
+                  <a:pt x="7670" y="15997"/>
+                </a:lnTo>
+                <a:lnTo>
+                  <a:pt x="7841" y="16046"/>
+                </a:lnTo>
+                <a:lnTo>
+                  <a:pt x="8036" y="16070"/>
+                </a:lnTo>
+                <a:lnTo>
+                  <a:pt x="8134" y="16046"/>
+                </a:lnTo>
+                <a:lnTo>
+                  <a:pt x="8280" y="15973"/>
+                </a:lnTo>
+                <a:lnTo>
+                  <a:pt x="8744" y="15704"/>
+                </a:lnTo>
+                <a:lnTo>
+                  <a:pt x="9013" y="15533"/>
+                </a:lnTo>
+                <a:lnTo>
+                  <a:pt x="9306" y="15313"/>
+                </a:lnTo>
+                <a:lnTo>
+                  <a:pt x="9623" y="15094"/>
+                </a:lnTo>
+                <a:lnTo>
+                  <a:pt x="9917" y="14825"/>
+                </a:lnTo>
+                <a:lnTo>
+                  <a:pt x="10185" y="14556"/>
+                </a:lnTo>
+                <a:lnTo>
+                  <a:pt x="10429" y="14263"/>
+                </a:lnTo>
+                <a:lnTo>
+                  <a:pt x="10625" y="13970"/>
+                </a:lnTo>
+                <a:lnTo>
+                  <a:pt x="10698" y="13824"/>
+                </a:lnTo>
+                <a:lnTo>
+                  <a:pt x="10747" y="13653"/>
+                </a:lnTo>
+                <a:lnTo>
+                  <a:pt x="10796" y="13506"/>
+                </a:lnTo>
+                <a:lnTo>
+                  <a:pt x="10820" y="13359"/>
+                </a:lnTo>
+                <a:lnTo>
+                  <a:pt x="10820" y="13213"/>
+                </a:lnTo>
+                <a:lnTo>
+                  <a:pt x="10796" y="13042"/>
+                </a:lnTo>
+                <a:lnTo>
+                  <a:pt x="10747" y="12895"/>
+                </a:lnTo>
+                <a:lnTo>
+                  <a:pt x="10674" y="12749"/>
+                </a:lnTo>
+                <a:lnTo>
+                  <a:pt x="10576" y="12602"/>
+                </a:lnTo>
+                <a:lnTo>
+                  <a:pt x="10454" y="12456"/>
+                </a:lnTo>
+                <a:lnTo>
+                  <a:pt x="10258" y="12309"/>
+                </a:lnTo>
+                <a:lnTo>
+                  <a:pt x="10063" y="12212"/>
+                </a:lnTo>
+                <a:lnTo>
+                  <a:pt x="9868" y="12138"/>
+                </a:lnTo>
+                <a:lnTo>
+                  <a:pt x="9648" y="12065"/>
+                </a:lnTo>
+                <a:lnTo>
+                  <a:pt x="9428" y="12016"/>
+                </a:lnTo>
+                <a:lnTo>
+                  <a:pt x="9208" y="11919"/>
+                </a:lnTo>
+                <a:lnTo>
+                  <a:pt x="9013" y="11821"/>
+                </a:lnTo>
+                <a:lnTo>
+                  <a:pt x="8818" y="11650"/>
+                </a:lnTo>
+                <a:lnTo>
+                  <a:pt x="8647" y="11454"/>
+                </a:lnTo>
+                <a:lnTo>
+                  <a:pt x="8549" y="11235"/>
+                </a:lnTo>
+                <a:lnTo>
+                  <a:pt x="8476" y="10990"/>
+                </a:lnTo>
+                <a:lnTo>
+                  <a:pt x="8451" y="10697"/>
+                </a:lnTo>
+                <a:lnTo>
+                  <a:pt x="8476" y="10502"/>
+                </a:lnTo>
+                <a:lnTo>
+                  <a:pt x="8500" y="10282"/>
+                </a:lnTo>
+                <a:lnTo>
+                  <a:pt x="8573" y="10087"/>
+                </a:lnTo>
+                <a:lnTo>
+                  <a:pt x="8647" y="9891"/>
+                </a:lnTo>
+                <a:lnTo>
+                  <a:pt x="8744" y="9696"/>
+                </a:lnTo>
+                <a:lnTo>
+                  <a:pt x="8866" y="9501"/>
+                </a:lnTo>
+                <a:lnTo>
+                  <a:pt x="9013" y="9330"/>
+                </a:lnTo>
+                <a:lnTo>
+                  <a:pt x="9159" y="9159"/>
+                </a:lnTo>
+                <a:lnTo>
+                  <a:pt x="9330" y="9012"/>
+                </a:lnTo>
+                <a:lnTo>
+                  <a:pt x="9501" y="8890"/>
+                </a:lnTo>
+                <a:lnTo>
+                  <a:pt x="9672" y="8768"/>
+                </a:lnTo>
+                <a:lnTo>
+                  <a:pt x="9868" y="8646"/>
+                </a:lnTo>
+                <a:lnTo>
+                  <a:pt x="10063" y="8573"/>
+                </a:lnTo>
+                <a:lnTo>
+                  <a:pt x="10283" y="8499"/>
+                </a:lnTo>
+                <a:lnTo>
+                  <a:pt x="10503" y="8475"/>
+                </a:lnTo>
+                <a:lnTo>
+                  <a:pt x="10698" y="8450"/>
+                </a:lnTo>
+                <a:lnTo>
+                  <a:pt x="10967" y="8475"/>
+                </a:lnTo>
+                <a:lnTo>
+                  <a:pt x="11211" y="8548"/>
+                </a:lnTo>
+                <a:lnTo>
+                  <a:pt x="11455" y="8646"/>
+                </a:lnTo>
+                <a:lnTo>
+                  <a:pt x="11651" y="8817"/>
+                </a:lnTo>
+                <a:lnTo>
+                  <a:pt x="11822" y="9012"/>
+                </a:lnTo>
+                <a:lnTo>
+                  <a:pt x="11944" y="9232"/>
+                </a:lnTo>
+                <a:lnTo>
+                  <a:pt x="12017" y="9452"/>
+                </a:lnTo>
+                <a:lnTo>
+                  <a:pt x="12090" y="9672"/>
+                </a:lnTo>
+                <a:lnTo>
+                  <a:pt x="12139" y="9867"/>
+                </a:lnTo>
+                <a:lnTo>
+                  <a:pt x="12212" y="10062"/>
+                </a:lnTo>
+                <a:lnTo>
+                  <a:pt x="12310" y="10258"/>
+                </a:lnTo>
+                <a:lnTo>
+                  <a:pt x="12457" y="10453"/>
+                </a:lnTo>
+                <a:lnTo>
+                  <a:pt x="12603" y="10575"/>
+                </a:lnTo>
+                <a:lnTo>
+                  <a:pt x="12750" y="10673"/>
+                </a:lnTo>
+                <a:lnTo>
+                  <a:pt x="12896" y="10746"/>
+                </a:lnTo>
+                <a:lnTo>
+                  <a:pt x="13043" y="10795"/>
+                </a:lnTo>
+                <a:lnTo>
+                  <a:pt x="13214" y="10819"/>
+                </a:lnTo>
+                <a:lnTo>
+                  <a:pt x="13360" y="10819"/>
+                </a:lnTo>
+                <a:lnTo>
+                  <a:pt x="13507" y="10795"/>
+                </a:lnTo>
+                <a:lnTo>
+                  <a:pt x="13653" y="10746"/>
+                </a:lnTo>
+                <a:lnTo>
+                  <a:pt x="13824" y="10697"/>
+                </a:lnTo>
+                <a:lnTo>
+                  <a:pt x="13971" y="10624"/>
+                </a:lnTo>
+                <a:lnTo>
+                  <a:pt x="14264" y="10429"/>
+                </a:lnTo>
+                <a:lnTo>
+                  <a:pt x="14557" y="10184"/>
+                </a:lnTo>
+                <a:lnTo>
+                  <a:pt x="14826" y="9916"/>
+                </a:lnTo>
+                <a:lnTo>
+                  <a:pt x="15094" y="9623"/>
+                </a:lnTo>
+                <a:lnTo>
+                  <a:pt x="15314" y="9305"/>
+                </a:lnTo>
+                <a:lnTo>
+                  <a:pt x="15534" y="9012"/>
+                </a:lnTo>
+                <a:lnTo>
+                  <a:pt x="15705" y="8744"/>
+                </a:lnTo>
+                <a:lnTo>
+                  <a:pt x="15973" y="8279"/>
+                </a:lnTo>
+                <a:lnTo>
+                  <a:pt x="16047" y="8133"/>
+                </a:lnTo>
+                <a:lnTo>
+                  <a:pt x="16071" y="8035"/>
+                </a:lnTo>
+                <a:lnTo>
+                  <a:pt x="16047" y="7840"/>
+                </a:lnTo>
+                <a:lnTo>
+                  <a:pt x="15998" y="7669"/>
+                </a:lnTo>
+                <a:lnTo>
+                  <a:pt x="15900" y="7474"/>
+                </a:lnTo>
+                <a:lnTo>
+                  <a:pt x="15778" y="7327"/>
+                </a:lnTo>
+                <a:lnTo>
+                  <a:pt x="15485" y="7058"/>
+                </a:lnTo>
+                <a:lnTo>
+                  <a:pt x="15192" y="6814"/>
+                </a:lnTo>
+                <a:lnTo>
+                  <a:pt x="14655" y="6374"/>
+                </a:lnTo>
+                <a:lnTo>
+                  <a:pt x="14166" y="6008"/>
+                </a:lnTo>
+                <a:lnTo>
+                  <a:pt x="13971" y="5837"/>
+                </a:lnTo>
+                <a:lnTo>
+                  <a:pt x="13775" y="5666"/>
+                </a:lnTo>
+                <a:lnTo>
+                  <a:pt x="13653" y="5495"/>
+                </a:lnTo>
+                <a:lnTo>
+                  <a:pt x="13531" y="5324"/>
+                </a:lnTo>
+                <a:lnTo>
+                  <a:pt x="13482" y="5153"/>
+                </a:lnTo>
+                <a:lnTo>
+                  <a:pt x="13482" y="4958"/>
+                </a:lnTo>
+                <a:lnTo>
+                  <a:pt x="13531" y="4763"/>
+                </a:lnTo>
+                <a:lnTo>
+                  <a:pt x="13629" y="4543"/>
+                </a:lnTo>
+                <a:lnTo>
+                  <a:pt x="13800" y="4299"/>
+                </a:lnTo>
+                <a:lnTo>
+                  <a:pt x="14068" y="4030"/>
+                </a:lnTo>
+                <a:lnTo>
+                  <a:pt x="14239" y="3859"/>
+                </a:lnTo>
+                <a:lnTo>
+                  <a:pt x="14435" y="3761"/>
+                </a:lnTo>
+                <a:lnTo>
+                  <a:pt x="14655" y="3688"/>
+                </a:lnTo>
+                <a:lnTo>
+                  <a:pt x="14850" y="3639"/>
+                </a:lnTo>
+                <a:lnTo>
+                  <a:pt x="15070" y="3590"/>
+                </a:lnTo>
+                <a:lnTo>
+                  <a:pt x="15290" y="3493"/>
+                </a:lnTo>
+                <a:lnTo>
+                  <a:pt x="15485" y="3370"/>
+                </a:lnTo>
+                <a:lnTo>
+                  <a:pt x="15705" y="3199"/>
+                </a:lnTo>
+                <a:lnTo>
+                  <a:pt x="15876" y="3004"/>
+                </a:lnTo>
+                <a:lnTo>
+                  <a:pt x="15973" y="2784"/>
+                </a:lnTo>
+                <a:lnTo>
+                  <a:pt x="16047" y="2540"/>
+                </a:lnTo>
+                <a:lnTo>
+                  <a:pt x="16071" y="2271"/>
+                </a:lnTo>
+                <a:lnTo>
+                  <a:pt x="16047" y="2052"/>
+                </a:lnTo>
+                <a:lnTo>
+                  <a:pt x="16022" y="1832"/>
+                </a:lnTo>
+                <a:lnTo>
+                  <a:pt x="15949" y="1636"/>
+                </a:lnTo>
+                <a:lnTo>
+                  <a:pt x="15851" y="1417"/>
+                </a:lnTo>
+                <a:lnTo>
+                  <a:pt x="15754" y="1246"/>
+                </a:lnTo>
+                <a:lnTo>
+                  <a:pt x="15632" y="1050"/>
+                </a:lnTo>
+                <a:lnTo>
+                  <a:pt x="15509" y="879"/>
+                </a:lnTo>
+                <a:lnTo>
+                  <a:pt x="15363" y="708"/>
+                </a:lnTo>
+                <a:lnTo>
+                  <a:pt x="15192" y="562"/>
+                </a:lnTo>
+                <a:lnTo>
+                  <a:pt x="15021" y="440"/>
+                </a:lnTo>
+                <a:lnTo>
+                  <a:pt x="14826" y="318"/>
+                </a:lnTo>
+                <a:lnTo>
+                  <a:pt x="14630" y="195"/>
+                </a:lnTo>
+                <a:lnTo>
+                  <a:pt x="14435" y="122"/>
+                </a:lnTo>
+                <a:lnTo>
+                  <a:pt x="14215" y="49"/>
+                </a:lnTo>
+                <a:lnTo>
+                  <a:pt x="14020" y="24"/>
+                </a:lnTo>
+                <a:lnTo>
+                  <a:pt x="13800" y="0"/>
+                </a:lnTo>
+                <a:lnTo>
+                  <a:pt x="13531" y="24"/>
+                </a:lnTo>
+                <a:lnTo>
+                  <a:pt x="13287" y="98"/>
+                </a:lnTo>
+                <a:lnTo>
+                  <a:pt x="13067" y="195"/>
+                </a:lnTo>
+                <a:lnTo>
+                  <a:pt x="12872" y="366"/>
+                </a:lnTo>
+                <a:lnTo>
+                  <a:pt x="12701" y="562"/>
+                </a:lnTo>
+                <a:lnTo>
+                  <a:pt x="12579" y="782"/>
+                </a:lnTo>
+                <a:lnTo>
+                  <a:pt x="12505" y="977"/>
+                </a:lnTo>
+                <a:lnTo>
+                  <a:pt x="12457" y="1197"/>
+                </a:lnTo>
+                <a:lnTo>
+                  <a:pt x="12383" y="1417"/>
+                </a:lnTo>
+                <a:lnTo>
+                  <a:pt x="12310" y="1612"/>
+                </a:lnTo>
+                <a:lnTo>
+                  <a:pt x="12212" y="1832"/>
+                </a:lnTo>
+                <a:lnTo>
+                  <a:pt x="12041" y="2003"/>
+                </a:lnTo>
+                <a:lnTo>
+                  <a:pt x="11773" y="2271"/>
+                </a:lnTo>
+                <a:lnTo>
+                  <a:pt x="11528" y="2442"/>
+                </a:lnTo>
+                <a:lnTo>
+                  <a:pt x="11309" y="2540"/>
+                </a:lnTo>
+                <a:lnTo>
+                  <a:pt x="11113" y="2589"/>
+                </a:lnTo>
+                <a:lnTo>
+                  <a:pt x="10918" y="2589"/>
+                </a:lnTo>
+                <a:lnTo>
+                  <a:pt x="10747" y="2540"/>
+                </a:lnTo>
+                <a:lnTo>
+                  <a:pt x="10576" y="2418"/>
+                </a:lnTo>
+                <a:lnTo>
+                  <a:pt x="10405" y="2296"/>
+                </a:lnTo>
+                <a:lnTo>
+                  <a:pt x="10234" y="2100"/>
+                </a:lnTo>
+                <a:lnTo>
+                  <a:pt x="10063" y="1905"/>
+                </a:lnTo>
+                <a:lnTo>
+                  <a:pt x="9697" y="1417"/>
+                </a:lnTo>
+                <a:lnTo>
+                  <a:pt x="9257" y="879"/>
+                </a:lnTo>
+                <a:lnTo>
+                  <a:pt x="9013" y="586"/>
+                </a:lnTo>
+                <a:lnTo>
+                  <a:pt x="8744" y="293"/>
+                </a:lnTo>
+                <a:lnTo>
+                  <a:pt x="8598" y="171"/>
+                </a:lnTo>
+                <a:lnTo>
+                  <a:pt x="8402" y="73"/>
+                </a:lnTo>
+                <a:lnTo>
+                  <a:pt x="8231" y="24"/>
+                </a:lnTo>
+                <a:lnTo>
+                  <a:pt x="8036" y="0"/>
+                </a:lnTo>
+                <a:close/>
+              </a:path>
+            </a:pathLst>
+          </a:custGeom>
+          <a:solidFill>
+            <a:srgbClr val="FFB600"/>
+          </a:solidFill>
+          <a:ln>
+            <a:noFill/>
+          </a:ln>
+        </p:spPr>
+        <p:txBody>
+          <a:bodyPr anchorCtr="0" anchor="ctr" bIns="91425" lIns="91425" spcFirstLastPara="1" rIns="91425" wrap="square" tIns="91425">
+            <a:noAutofit/>
+          </a:bodyPr>
+          <a:lstStyle/>
+          <a:p>
+            <a:pPr indent="0" lvl="0" marL="0" rtl="0" algn="l">
+              <a:spcBef>
+                <a:spcPts val="0"/>
+              </a:spcBef>
+              <a:spcAft>
+                <a:spcPts val="0"/>
+              </a:spcAft>
+              <a:buNone/>
+            </a:pPr>
+            <a:r>
+              <a:t/>
+            </a:r>
+            <a:endParaRPr/>
+          </a:p>
+        </p:txBody>
+      </p:sp>
+      <p:sp>
+        <p:nvSpPr>
+          <p:cNvPr id="162" name="Google Shape;162;p20"/>
           <p:cNvSpPr txBox="1"/>
           <p:nvPr>
             <p:ph idx="1" type="body"/>
@@ -11920,700 +16918,286 @@
 </p:sld>
 </file>
 
-<file path=ppt/slides/slide8.xml><?xml version="1.0" encoding="utf-8"?>
-<p:sld xmlns:a="http://schemas.openxmlformats.org/drawingml/2006/main" xmlns:r="http://schemas.openxmlformats.org/officeDocument/2006/relationships" xmlns:mc="http://schemas.openxmlformats.org/markup-compatibility/2006" xmlns:mv="urn:schemas-microsoft-com:mac:vml" xmlns:p="http://schemas.openxmlformats.org/presentationml/2006/main" xmlns:c="http://schemas.openxmlformats.org/drawingml/2006/chart" xmlns:dgm="http://schemas.openxmlformats.org/drawingml/2006/diagram" xmlns:o="urn:schemas-microsoft-com:office:office" xmlns:v="urn:schemas-microsoft-com:vml" xmlns:pvml="urn:schemas-microsoft-com:office:powerpoint" xmlns:com="http://schemas.openxmlformats.org/drawingml/2006/compatibility" xmlns:p14="http://schemas.microsoft.com/office/powerpoint/2010/main" xmlns:p15="http://schemas.microsoft.com/office/powerpoint/2012/main">
-  <p:cSld>
-    <p:spTree>
-      <p:nvGrpSpPr>
-        <p:cNvPr id="122" name="Shape 122"/>
-        <p:cNvGrpSpPr/>
-        <p:nvPr/>
-      </p:nvGrpSpPr>
-      <p:grpSpPr>
-        <a:xfrm>
-          <a:off x="0" y="0"/>
-          <a:ext cx="0" cy="0"/>
-          <a:chOff x="0" y="0"/>
-          <a:chExt cx="0" cy="0"/>
-        </a:xfrm>
-      </p:grpSpPr>
-      <p:sp>
-        <p:nvSpPr>
-          <p:cNvPr id="123" name="Google Shape;123;p19"/>
-          <p:cNvSpPr txBox="1"/>
-          <p:nvPr>
-            <p:ph idx="12" type="sldNum"/>
-          </p:nvPr>
-        </p:nvSpPr>
-        <p:spPr>
-          <a:xfrm>
-            <a:off x="8604400" y="4590300"/>
-            <a:ext cx="539700" cy="553200"/>
-          </a:xfrm>
-          <a:prstGeom prst="rect">
-            <a:avLst/>
-          </a:prstGeom>
-        </p:spPr>
-        <p:txBody>
-          <a:bodyPr anchorCtr="0" anchor="ctr" bIns="91425" lIns="91425" spcFirstLastPara="1" rIns="91425" wrap="square" tIns="91425">
-            <a:noAutofit/>
-          </a:bodyPr>
-          <a:lstStyle/>
-          <a:p>
-            <a:pPr indent="0" lvl="0" marL="0" rtl="0" algn="ctr">
-              <a:spcBef>
-                <a:spcPts val="0"/>
-              </a:spcBef>
-              <a:spcAft>
-                <a:spcPts val="0"/>
-              </a:spcAft>
-              <a:buNone/>
-            </a:pPr>
-            <a:fld id="{00000000-1234-1234-1234-123412341234}" type="slidenum">
-              <a:rPr lang="en"/>
-              <a:t>‹#›</a:t>
-            </a:fld>
-            <a:endParaRPr/>
-          </a:p>
-        </p:txBody>
-      </p:sp>
-      <p:sp>
-        <p:nvSpPr>
-          <p:cNvPr id="124" name="Google Shape;124;p19"/>
-          <p:cNvSpPr txBox="1"/>
-          <p:nvPr>
-            <p:ph idx="4294967295" type="ctrTitle"/>
-          </p:nvPr>
-        </p:nvSpPr>
-        <p:spPr>
-          <a:xfrm>
-            <a:off x="685800" y="1507150"/>
-            <a:ext cx="6593700" cy="1159800"/>
-          </a:xfrm>
-          <a:prstGeom prst="rect">
-            <a:avLst/>
-          </a:prstGeom>
-        </p:spPr>
-        <p:txBody>
-          <a:bodyPr anchorCtr="0" anchor="t" bIns="91425" lIns="91425" spcFirstLastPara="1" rIns="91425" wrap="square" tIns="91425">
-            <a:noAutofit/>
-          </a:bodyPr>
-          <a:lstStyle/>
-          <a:p>
-            <a:pPr indent="0" lvl="0" marL="0" rtl="0" algn="l">
-              <a:spcBef>
-                <a:spcPts val="0"/>
-              </a:spcBef>
-              <a:spcAft>
-                <a:spcPts val="0"/>
-              </a:spcAft>
-              <a:buNone/>
-            </a:pPr>
-            <a:r>
-              <a:rPr lang="en" sz="9600">
-                <a:solidFill>
-                  <a:srgbClr val="FFB600"/>
-                </a:solidFill>
-              </a:rPr>
-              <a:t>Obrigado</a:t>
-            </a:r>
-            <a:r>
-              <a:rPr lang="en" sz="9600">
-                <a:solidFill>
-                  <a:srgbClr val="FFB600"/>
-                </a:solidFill>
-              </a:rPr>
-              <a:t>!</a:t>
-            </a:r>
-            <a:endParaRPr sz="9600">
-              <a:solidFill>
-                <a:srgbClr val="FFB600"/>
-              </a:solidFill>
-            </a:endParaRPr>
-          </a:p>
-          <a:p>
-            <a:pPr indent="0" lvl="0" marL="0" rtl="0" algn="l">
-              <a:spcBef>
-                <a:spcPts val="0"/>
-              </a:spcBef>
-              <a:spcAft>
-                <a:spcPts val="0"/>
-              </a:spcAft>
-              <a:buNone/>
-            </a:pPr>
-            <a:r>
-              <a:t/>
-            </a:r>
-            <a:endParaRPr sz="9600">
-              <a:solidFill>
-                <a:srgbClr val="FFB600"/>
-              </a:solidFill>
-            </a:endParaRPr>
-          </a:p>
-        </p:txBody>
-      </p:sp>
-      <p:sp>
-        <p:nvSpPr>
-          <p:cNvPr id="125" name="Google Shape;125;p19"/>
-          <p:cNvSpPr txBox="1"/>
-          <p:nvPr>
-            <p:ph idx="4294967295" type="subTitle"/>
-          </p:nvPr>
-        </p:nvSpPr>
-        <p:spPr>
-          <a:xfrm>
-            <a:off x="685800" y="2860000"/>
-            <a:ext cx="6593700" cy="1930500"/>
-          </a:xfrm>
-          <a:prstGeom prst="rect">
-            <a:avLst/>
-          </a:prstGeom>
-        </p:spPr>
-        <p:txBody>
-          <a:bodyPr anchorCtr="0" anchor="t" bIns="91425" lIns="91425" spcFirstLastPara="1" rIns="91425" wrap="square" tIns="91425">
-            <a:noAutofit/>
-          </a:bodyPr>
-          <a:lstStyle/>
-          <a:p>
-            <a:pPr indent="0" lvl="0" marL="0" rtl="0" algn="l">
-              <a:spcBef>
-                <a:spcPts val="600"/>
-              </a:spcBef>
-              <a:spcAft>
-                <a:spcPts val="0"/>
-              </a:spcAft>
-              <a:buNone/>
-            </a:pPr>
-            <a:r>
-              <a:rPr b="1" lang="en" sz="3600"/>
-              <a:t>Alguma pergunta?</a:t>
-            </a:r>
-            <a:endParaRPr b="1" sz="3600"/>
-          </a:p>
-          <a:p>
-            <a:pPr indent="0" lvl="0" marL="0" rtl="0" algn="l">
-              <a:spcBef>
-                <a:spcPts val="600"/>
-              </a:spcBef>
-              <a:spcAft>
-                <a:spcPts val="0"/>
-              </a:spcAft>
-              <a:buClr>
-                <a:schemeClr val="dk1"/>
-              </a:buClr>
-              <a:buSzPts val="1100"/>
-              <a:buFont typeface="Arial"/>
-              <a:buNone/>
-            </a:pPr>
-            <a:r>
-              <a:rPr lang="en"/>
-              <a:t>Podem entrar em contato comigo em:</a:t>
-            </a:r>
-            <a:endParaRPr/>
-          </a:p>
-          <a:p>
-            <a:pPr indent="0" lvl="0" marL="0" rtl="0" algn="l">
-              <a:spcBef>
-                <a:spcPts val="600"/>
-              </a:spcBef>
-              <a:spcAft>
-                <a:spcPts val="0"/>
-              </a:spcAft>
-              <a:buClr>
-                <a:schemeClr val="dk1"/>
-              </a:buClr>
-              <a:buSzPts val="1100"/>
-              <a:buFont typeface="Arial"/>
-              <a:buNone/>
-            </a:pPr>
-            <a:r>
-              <a:rPr lang="en"/>
-              <a:t>@tyronedamasceno &amp; tyronedamasceno@gmail.com</a:t>
-            </a:r>
-            <a:endParaRPr/>
-          </a:p>
-        </p:txBody>
-      </p:sp>
-      <p:sp>
-        <p:nvSpPr>
-          <p:cNvPr id="126" name="Google Shape;126;p19"/>
-          <p:cNvSpPr/>
-          <p:nvPr/>
-        </p:nvSpPr>
-        <p:spPr>
-          <a:xfrm>
-            <a:off x="8054234" y="327815"/>
-            <a:ext cx="798007" cy="725835"/>
-          </a:xfrm>
-          <a:custGeom>
-            <a:rect b="b" l="l" r="r" t="t"/>
-            <a:pathLst>
-              <a:path extrusionOk="0" h="14752" w="16218">
-                <a:moveTo>
-                  <a:pt x="7694" y="0"/>
-                </a:moveTo>
-                <a:lnTo>
-                  <a:pt x="7279" y="25"/>
-                </a:lnTo>
-                <a:lnTo>
-                  <a:pt x="6863" y="74"/>
-                </a:lnTo>
-                <a:lnTo>
-                  <a:pt x="6473" y="123"/>
-                </a:lnTo>
-                <a:lnTo>
-                  <a:pt x="6082" y="196"/>
-                </a:lnTo>
-                <a:lnTo>
-                  <a:pt x="5691" y="293"/>
-                </a:lnTo>
-                <a:lnTo>
-                  <a:pt x="5325" y="416"/>
-                </a:lnTo>
-                <a:lnTo>
-                  <a:pt x="4958" y="538"/>
-                </a:lnTo>
-                <a:lnTo>
-                  <a:pt x="4592" y="660"/>
-                </a:lnTo>
-                <a:lnTo>
-                  <a:pt x="4250" y="831"/>
-                </a:lnTo>
-                <a:lnTo>
-                  <a:pt x="3908" y="977"/>
-                </a:lnTo>
-                <a:lnTo>
-                  <a:pt x="3566" y="1173"/>
-                </a:lnTo>
-                <a:lnTo>
-                  <a:pt x="3249" y="1368"/>
-                </a:lnTo>
-                <a:lnTo>
-                  <a:pt x="2956" y="1563"/>
-                </a:lnTo>
-                <a:lnTo>
-                  <a:pt x="2663" y="1783"/>
-                </a:lnTo>
-                <a:lnTo>
-                  <a:pt x="2370" y="2003"/>
-                </a:lnTo>
-                <a:lnTo>
-                  <a:pt x="2101" y="2247"/>
-                </a:lnTo>
-                <a:lnTo>
-                  <a:pt x="1857" y="2492"/>
-                </a:lnTo>
-                <a:lnTo>
-                  <a:pt x="1612" y="2760"/>
-                </a:lnTo>
-                <a:lnTo>
-                  <a:pt x="1393" y="3029"/>
-                </a:lnTo>
-                <a:lnTo>
-                  <a:pt x="1173" y="3298"/>
-                </a:lnTo>
-                <a:lnTo>
-                  <a:pt x="977" y="3591"/>
-                </a:lnTo>
-                <a:lnTo>
-                  <a:pt x="807" y="3884"/>
-                </a:lnTo>
-                <a:lnTo>
-                  <a:pt x="636" y="4201"/>
-                </a:lnTo>
-                <a:lnTo>
-                  <a:pt x="489" y="4519"/>
-                </a:lnTo>
-                <a:lnTo>
-                  <a:pt x="367" y="4836"/>
-                </a:lnTo>
-                <a:lnTo>
-                  <a:pt x="245" y="5154"/>
-                </a:lnTo>
-                <a:lnTo>
-                  <a:pt x="172" y="5496"/>
-                </a:lnTo>
-                <a:lnTo>
-                  <a:pt x="98" y="5838"/>
-                </a:lnTo>
-                <a:lnTo>
-                  <a:pt x="49" y="6179"/>
-                </a:lnTo>
-                <a:lnTo>
-                  <a:pt x="1" y="6521"/>
-                </a:lnTo>
-                <a:lnTo>
-                  <a:pt x="1" y="6888"/>
-                </a:lnTo>
-                <a:lnTo>
-                  <a:pt x="1" y="7254"/>
-                </a:lnTo>
-                <a:lnTo>
-                  <a:pt x="49" y="7645"/>
-                </a:lnTo>
-                <a:lnTo>
-                  <a:pt x="98" y="8011"/>
-                </a:lnTo>
-                <a:lnTo>
-                  <a:pt x="196" y="8353"/>
-                </a:lnTo>
-                <a:lnTo>
-                  <a:pt x="294" y="8719"/>
-                </a:lnTo>
-                <a:lnTo>
-                  <a:pt x="416" y="9061"/>
-                </a:lnTo>
-                <a:lnTo>
-                  <a:pt x="562" y="9403"/>
-                </a:lnTo>
-                <a:lnTo>
-                  <a:pt x="733" y="9745"/>
-                </a:lnTo>
-                <a:lnTo>
-                  <a:pt x="904" y="10063"/>
-                </a:lnTo>
-                <a:lnTo>
-                  <a:pt x="1100" y="10356"/>
-                </a:lnTo>
-                <a:lnTo>
-                  <a:pt x="1344" y="10673"/>
-                </a:lnTo>
-                <a:lnTo>
-                  <a:pt x="1564" y="10966"/>
-                </a:lnTo>
-                <a:lnTo>
-                  <a:pt x="1832" y="11235"/>
-                </a:lnTo>
-                <a:lnTo>
-                  <a:pt x="2101" y="11504"/>
-                </a:lnTo>
-                <a:lnTo>
-                  <a:pt x="2394" y="11772"/>
-                </a:lnTo>
-                <a:lnTo>
-                  <a:pt x="2687" y="12017"/>
-                </a:lnTo>
-                <a:lnTo>
-                  <a:pt x="2492" y="12383"/>
-                </a:lnTo>
-                <a:lnTo>
-                  <a:pt x="2272" y="12749"/>
-                </a:lnTo>
-                <a:lnTo>
-                  <a:pt x="2028" y="13140"/>
-                </a:lnTo>
-                <a:lnTo>
-                  <a:pt x="1710" y="13506"/>
-                </a:lnTo>
-                <a:lnTo>
-                  <a:pt x="1368" y="13873"/>
-                </a:lnTo>
-                <a:lnTo>
-                  <a:pt x="1173" y="14044"/>
-                </a:lnTo>
-                <a:lnTo>
-                  <a:pt x="953" y="14190"/>
-                </a:lnTo>
-                <a:lnTo>
-                  <a:pt x="733" y="14337"/>
-                </a:lnTo>
-                <a:lnTo>
-                  <a:pt x="513" y="14483"/>
-                </a:lnTo>
-                <a:lnTo>
-                  <a:pt x="269" y="14581"/>
-                </a:lnTo>
-                <a:lnTo>
-                  <a:pt x="1" y="14703"/>
-                </a:lnTo>
-                <a:lnTo>
-                  <a:pt x="123" y="14703"/>
-                </a:lnTo>
-                <a:lnTo>
-                  <a:pt x="489" y="14752"/>
-                </a:lnTo>
-                <a:lnTo>
-                  <a:pt x="1368" y="14752"/>
-                </a:lnTo>
-                <a:lnTo>
-                  <a:pt x="1710" y="14728"/>
-                </a:lnTo>
-                <a:lnTo>
-                  <a:pt x="2101" y="14654"/>
-                </a:lnTo>
-                <a:lnTo>
-                  <a:pt x="2492" y="14581"/>
-                </a:lnTo>
-                <a:lnTo>
-                  <a:pt x="2907" y="14459"/>
-                </a:lnTo>
-                <a:lnTo>
-                  <a:pt x="3322" y="14312"/>
-                </a:lnTo>
-                <a:lnTo>
-                  <a:pt x="3762" y="14117"/>
-                </a:lnTo>
-                <a:lnTo>
-                  <a:pt x="4177" y="13873"/>
-                </a:lnTo>
-                <a:lnTo>
-                  <a:pt x="4592" y="13604"/>
-                </a:lnTo>
-                <a:lnTo>
-                  <a:pt x="4983" y="13238"/>
-                </a:lnTo>
-                <a:lnTo>
-                  <a:pt x="5349" y="13360"/>
-                </a:lnTo>
-                <a:lnTo>
-                  <a:pt x="5716" y="13482"/>
-                </a:lnTo>
-                <a:lnTo>
-                  <a:pt x="6106" y="13555"/>
-                </a:lnTo>
-                <a:lnTo>
-                  <a:pt x="6497" y="13628"/>
-                </a:lnTo>
-                <a:lnTo>
-                  <a:pt x="6888" y="13702"/>
-                </a:lnTo>
-                <a:lnTo>
-                  <a:pt x="7279" y="13751"/>
-                </a:lnTo>
-                <a:lnTo>
-                  <a:pt x="7694" y="13775"/>
-                </a:lnTo>
-                <a:lnTo>
-                  <a:pt x="8524" y="13775"/>
-                </a:lnTo>
-                <a:lnTo>
-                  <a:pt x="8939" y="13751"/>
-                </a:lnTo>
-                <a:lnTo>
-                  <a:pt x="9355" y="13702"/>
-                </a:lnTo>
-                <a:lnTo>
-                  <a:pt x="9745" y="13628"/>
-                </a:lnTo>
-                <a:lnTo>
-                  <a:pt x="10136" y="13555"/>
-                </a:lnTo>
-                <a:lnTo>
-                  <a:pt x="10527" y="13458"/>
-                </a:lnTo>
-                <a:lnTo>
-                  <a:pt x="10893" y="13360"/>
-                </a:lnTo>
-                <a:lnTo>
-                  <a:pt x="11260" y="13238"/>
-                </a:lnTo>
-                <a:lnTo>
-                  <a:pt x="11626" y="13091"/>
-                </a:lnTo>
-                <a:lnTo>
-                  <a:pt x="11968" y="12945"/>
-                </a:lnTo>
-                <a:lnTo>
-                  <a:pt x="12310" y="12774"/>
-                </a:lnTo>
-                <a:lnTo>
-                  <a:pt x="12652" y="12603"/>
-                </a:lnTo>
-                <a:lnTo>
-                  <a:pt x="12969" y="12407"/>
-                </a:lnTo>
-                <a:lnTo>
-                  <a:pt x="13262" y="12212"/>
-                </a:lnTo>
-                <a:lnTo>
-                  <a:pt x="13555" y="11992"/>
-                </a:lnTo>
-                <a:lnTo>
-                  <a:pt x="13848" y="11748"/>
-                </a:lnTo>
-                <a:lnTo>
-                  <a:pt x="14117" y="11528"/>
-                </a:lnTo>
-                <a:lnTo>
-                  <a:pt x="14361" y="11259"/>
-                </a:lnTo>
-                <a:lnTo>
-                  <a:pt x="14606" y="11015"/>
-                </a:lnTo>
-                <a:lnTo>
-                  <a:pt x="14825" y="10747"/>
-                </a:lnTo>
-                <a:lnTo>
-                  <a:pt x="15045" y="10453"/>
-                </a:lnTo>
-                <a:lnTo>
-                  <a:pt x="15241" y="10160"/>
-                </a:lnTo>
-                <a:lnTo>
-                  <a:pt x="15412" y="9867"/>
-                </a:lnTo>
-                <a:lnTo>
-                  <a:pt x="15582" y="9574"/>
-                </a:lnTo>
-                <a:lnTo>
-                  <a:pt x="15729" y="9257"/>
-                </a:lnTo>
-                <a:lnTo>
-                  <a:pt x="15851" y="8939"/>
-                </a:lnTo>
-                <a:lnTo>
-                  <a:pt x="15973" y="8597"/>
-                </a:lnTo>
-                <a:lnTo>
-                  <a:pt x="16047" y="8280"/>
-                </a:lnTo>
-                <a:lnTo>
-                  <a:pt x="16120" y="7938"/>
-                </a:lnTo>
-                <a:lnTo>
-                  <a:pt x="16169" y="7596"/>
-                </a:lnTo>
-                <a:lnTo>
-                  <a:pt x="16217" y="7230"/>
-                </a:lnTo>
-                <a:lnTo>
-                  <a:pt x="16217" y="6888"/>
-                </a:lnTo>
-                <a:lnTo>
-                  <a:pt x="16217" y="6521"/>
-                </a:lnTo>
-                <a:lnTo>
-                  <a:pt x="16169" y="6179"/>
-                </a:lnTo>
-                <a:lnTo>
-                  <a:pt x="16120" y="5838"/>
-                </a:lnTo>
-                <a:lnTo>
-                  <a:pt x="16047" y="5496"/>
-                </a:lnTo>
-                <a:lnTo>
-                  <a:pt x="15973" y="5154"/>
-                </a:lnTo>
-                <a:lnTo>
-                  <a:pt x="15851" y="4836"/>
-                </a:lnTo>
-                <a:lnTo>
-                  <a:pt x="15729" y="4519"/>
-                </a:lnTo>
-                <a:lnTo>
-                  <a:pt x="15582" y="4201"/>
-                </a:lnTo>
-                <a:lnTo>
-                  <a:pt x="15412" y="3884"/>
-                </a:lnTo>
-                <a:lnTo>
-                  <a:pt x="15241" y="3591"/>
-                </a:lnTo>
-                <a:lnTo>
-                  <a:pt x="15045" y="3298"/>
-                </a:lnTo>
-                <a:lnTo>
-                  <a:pt x="14825" y="3029"/>
-                </a:lnTo>
-                <a:lnTo>
-                  <a:pt x="14606" y="2760"/>
-                </a:lnTo>
-                <a:lnTo>
-                  <a:pt x="14361" y="2492"/>
-                </a:lnTo>
-                <a:lnTo>
-                  <a:pt x="14117" y="2247"/>
-                </a:lnTo>
-                <a:lnTo>
-                  <a:pt x="13848" y="2003"/>
-                </a:lnTo>
-                <a:lnTo>
-                  <a:pt x="13555" y="1783"/>
-                </a:lnTo>
-                <a:lnTo>
-                  <a:pt x="13262" y="1563"/>
-                </a:lnTo>
-                <a:lnTo>
-                  <a:pt x="12969" y="1368"/>
-                </a:lnTo>
-                <a:lnTo>
-                  <a:pt x="12652" y="1173"/>
-                </a:lnTo>
-                <a:lnTo>
-                  <a:pt x="12310" y="977"/>
-                </a:lnTo>
-                <a:lnTo>
-                  <a:pt x="11968" y="831"/>
-                </a:lnTo>
-                <a:lnTo>
-                  <a:pt x="11626" y="660"/>
-                </a:lnTo>
-                <a:lnTo>
-                  <a:pt x="11260" y="538"/>
-                </a:lnTo>
-                <a:lnTo>
-                  <a:pt x="10893" y="416"/>
-                </a:lnTo>
-                <a:lnTo>
-                  <a:pt x="10527" y="293"/>
-                </a:lnTo>
-                <a:lnTo>
-                  <a:pt x="10136" y="196"/>
-                </a:lnTo>
-                <a:lnTo>
-                  <a:pt x="9745" y="123"/>
-                </a:lnTo>
-                <a:lnTo>
-                  <a:pt x="9355" y="74"/>
-                </a:lnTo>
-                <a:lnTo>
-                  <a:pt x="8939" y="25"/>
-                </a:lnTo>
-                <a:lnTo>
-                  <a:pt x="8524" y="0"/>
-                </a:lnTo>
-                <a:close/>
-              </a:path>
-            </a:pathLst>
-          </a:custGeom>
+<file path=ppt/theme/theme1.xml><?xml version="1.0" encoding="utf-8"?>
+<a:theme xmlns:a="http://schemas.openxmlformats.org/drawingml/2006/main" xmlns:r="http://schemas.openxmlformats.org/officeDocument/2006/relationships">
+  <a:themeElements>
+    <a:clrScheme name="Default">
+      <a:dk1>
+        <a:srgbClr val="000000"/>
+      </a:dk1>
+      <a:lt1>
+        <a:srgbClr val="FFFFFF"/>
+      </a:lt1>
+      <a:dk2>
+        <a:srgbClr val="158158"/>
+      </a:dk2>
+      <a:lt2>
+        <a:srgbClr val="F3F3F3"/>
+      </a:lt2>
+      <a:accent1>
+        <a:srgbClr val="058DC7"/>
+      </a:accent1>
+      <a:accent2>
+        <a:srgbClr val="50B432"/>
+      </a:accent2>
+      <a:accent3>
+        <a:srgbClr val="ED561B"/>
+      </a:accent3>
+      <a:accent4>
+        <a:srgbClr val="EDEF00"/>
+      </a:accent4>
+      <a:accent5>
+        <a:srgbClr val="24CBE5"/>
+      </a:accent5>
+      <a:accent6>
+        <a:srgbClr val="64E572"/>
+      </a:accent6>
+      <a:hlink>
+        <a:srgbClr val="2200CC"/>
+      </a:hlink>
+      <a:folHlink>
+        <a:srgbClr val="551A8B"/>
+      </a:folHlink>
+    </a:clrScheme>
+    <a:fontScheme name="Office">
+      <a:majorFont>
+        <a:latin typeface="Arial"/>
+        <a:ea typeface=""/>
+        <a:cs typeface=""/>
+        <a:font script="Jpan" typeface="ＭＳ Ｐゴシック"/>
+        <a:font script="Hang" typeface="맑은 고딕"/>
+        <a:font script="Hans" typeface="宋体"/>
+        <a:font script="Hant" typeface="新細明體"/>
+        <a:font script="Arab" typeface="Times New Roman"/>
+        <a:font script="Hebr" typeface="Times New Roman"/>
+        <a:font script="Thai" typeface="Angsana New"/>
+        <a:font script="Ethi" typeface="Nyala"/>
+        <a:font script="Beng" typeface="Vrinda"/>
+        <a:font script="Gujr" typeface="Shruti"/>
+        <a:font script="Khmr" typeface="MoolBoran"/>
+        <a:font script="Knda" typeface="Tunga"/>
+        <a:font script="Guru" typeface="Raavi"/>
+        <a:font script="Cans" typeface="Euphemia"/>
+        <a:font script="Cher" typeface="Plantagenet Cherokee"/>
+        <a:font script="Yiii" typeface="Microsoft Yi Baiti"/>
+        <a:font script="Tibt" typeface="Microsoft Himalaya"/>
+        <a:font script="Thaa" typeface="MV Boli"/>
+        <a:font script="Deva" typeface="Mangal"/>
+        <a:font script="Telu" typeface="Gautami"/>
+        <a:font script="Taml" typeface="Latha"/>
+        <a:font script="Syrc" typeface="Estrangelo Edessa"/>
+        <a:font script="Orya" typeface="Kalinga"/>
+        <a:font script="Mlym" typeface="Kartika"/>
+        <a:font script="Laoo" typeface="DokChampa"/>
+        <a:font script="Sinh" typeface="Iskoola Pota"/>
+        <a:font script="Mong" typeface="Mongolian Baiti"/>
+        <a:font script="Viet" typeface="Times New Roman"/>
+        <a:font script="Uigh" typeface="Microsoft Uighur"/>
+        <a:font script="Geor" typeface="Sylfaen"/>
+      </a:majorFont>
+      <a:minorFont>
+        <a:latin typeface="Arial"/>
+        <a:ea typeface=""/>
+        <a:cs typeface=""/>
+        <a:font script="Jpan" typeface="ＭＳ Ｐゴシック"/>
+        <a:font script="Hang" typeface="맑은 고딕"/>
+        <a:font script="Hans" typeface="宋体"/>
+        <a:font script="Hant" typeface="新細明體"/>
+        <a:font script="Arab" typeface="Arial"/>
+        <a:font script="Hebr" typeface="Arial"/>
+        <a:font script="Thai" typeface="Cordia New"/>
+        <a:font script="Ethi" typeface="Nyala"/>
+        <a:font script="Beng" typeface="Vrinda"/>
+        <a:font script="Gujr" typeface="Shruti"/>
+        <a:font script="Khmr" typeface="DaunPenh"/>
+        <a:font script="Knda" typeface="Tunga"/>
+        <a:font script="Guru" typeface="Raavi"/>
+        <a:font script="Cans" typeface="Euphemia"/>
+        <a:font script="Cher" typeface="Plantagenet Cherokee"/>
+        <a:font script="Yiii" typeface="Microsoft Yi Baiti"/>
+        <a:font script="Tibt" typeface="Microsoft Himalaya"/>
+        <a:font script="Thaa" typeface="MV Boli"/>
+        <a:font script="Deva" typeface="Mangal"/>
+        <a:font script="Telu" typeface="Gautami"/>
+        <a:font script="Taml" typeface="Latha"/>
+        <a:font script="Syrc" typeface="Estrangelo Edessa"/>
+        <a:font script="Orya" typeface="Kalinga"/>
+        <a:font script="Mlym" typeface="Kartika"/>
+        <a:font script="Laoo" typeface="DokChampa"/>
+        <a:font script="Sinh" typeface="Iskoola Pota"/>
+        <a:font script="Mong" typeface="Mongolian Baiti"/>
+        <a:font script="Viet" typeface="Arial"/>
+        <a:font script="Uigh" typeface="Microsoft Uighur"/>
+        <a:font script="Geor" typeface="Sylfaen"/>
+      </a:minorFont>
+    </a:fontScheme>
+    <a:fmtScheme name="Office">
+      <a:fillStyleLst>
+        <a:solidFill>
+          <a:schemeClr val="phClr"/>
+        </a:solidFill>
+        <a:gradFill rotWithShape="1">
+          <a:gsLst>
+            <a:gs pos="0">
+              <a:schemeClr val="phClr">
+                <a:tint val="50000"/>
+                <a:satMod val="300000"/>
+              </a:schemeClr>
+            </a:gs>
+            <a:gs pos="35000">
+              <a:schemeClr val="phClr">
+                <a:tint val="37000"/>
+                <a:satMod val="300000"/>
+              </a:schemeClr>
+            </a:gs>
+            <a:gs pos="100000">
+              <a:schemeClr val="phClr">
+                <a:tint val="15000"/>
+                <a:satMod val="350000"/>
+              </a:schemeClr>
+            </a:gs>
+          </a:gsLst>
+          <a:lin ang="16200000" scaled="1"/>
+        </a:gradFill>
+        <a:gradFill rotWithShape="1">
+          <a:gsLst>
+            <a:gs pos="0">
+              <a:schemeClr val="phClr">
+                <a:tint val="100000"/>
+                <a:shade val="100000"/>
+                <a:satMod val="130000"/>
+              </a:schemeClr>
+            </a:gs>
+            <a:gs pos="100000">
+              <a:schemeClr val="phClr">
+                <a:tint val="50000"/>
+                <a:shade val="100000"/>
+                <a:satMod val="350000"/>
+              </a:schemeClr>
+            </a:gs>
+          </a:gsLst>
+          <a:lin ang="16200000" scaled="0"/>
+        </a:gradFill>
+      </a:fillStyleLst>
+      <a:lnStyleLst>
+        <a:ln w="9525" cap="flat" cmpd="sng" algn="ctr">
           <a:solidFill>
-            <a:srgbClr val="FFB600"/>
+            <a:schemeClr val="phClr">
+              <a:shade val="95000"/>
+              <a:satMod val="105000"/>
+            </a:schemeClr>
           </a:solidFill>
-          <a:ln>
-            <a:noFill/>
-          </a:ln>
-        </p:spPr>
-        <p:txBody>
-          <a:bodyPr anchorCtr="0" anchor="ctr" bIns="91425" lIns="91425" spcFirstLastPara="1" rIns="91425" wrap="square" tIns="91425">
-            <a:noAutofit/>
-          </a:bodyPr>
-          <a:lstStyle/>
-          <a:p>
-            <a:pPr indent="0" lvl="0" marL="0" rtl="0" algn="l">
-              <a:spcBef>
-                <a:spcPts val="0"/>
-              </a:spcBef>
-              <a:spcAft>
-                <a:spcPts val="0"/>
-              </a:spcAft>
-              <a:buNone/>
-            </a:pPr>
-            <a:r>
-              <a:t/>
-            </a:r>
-            <a:endParaRPr/>
-          </a:p>
-        </p:txBody>
-      </p:sp>
-    </p:spTree>
-  </p:cSld>
-  <p:clrMapOvr>
-    <a:masterClrMapping/>
-  </p:clrMapOvr>
-</p:sld>
+          <a:prstDash val="solid"/>
+        </a:ln>
+        <a:ln w="25400" cap="flat" cmpd="sng" algn="ctr">
+          <a:solidFill>
+            <a:schemeClr val="phClr"/>
+          </a:solidFill>
+          <a:prstDash val="solid"/>
+        </a:ln>
+        <a:ln w="38100" cap="flat" cmpd="sng" algn="ctr">
+          <a:solidFill>
+            <a:schemeClr val="phClr"/>
+          </a:solidFill>
+          <a:prstDash val="solid"/>
+        </a:ln>
+      </a:lnStyleLst>
+      <a:effectStyleLst>
+        <a:effectStyle>
+          <a:effectLst>
+            <a:outerShdw blurRad="40000" dist="20000" dir="5400000" rotWithShape="0">
+              <a:srgbClr val="000000">
+                <a:alpha val="38000"/>
+              </a:srgbClr>
+            </a:outerShdw>
+          </a:effectLst>
+        </a:effectStyle>
+        <a:effectStyle>
+          <a:effectLst>
+            <a:outerShdw blurRad="40000" dist="23000" dir="5400000" rotWithShape="0">
+              <a:srgbClr val="000000">
+                <a:alpha val="35000"/>
+              </a:srgbClr>
+            </a:outerShdw>
+          </a:effectLst>
+        </a:effectStyle>
+        <a:effectStyle>
+          <a:effectLst>
+            <a:outerShdw blurRad="40000" dist="23000" dir="5400000" rotWithShape="0">
+              <a:srgbClr val="000000">
+                <a:alpha val="35000"/>
+              </a:srgbClr>
+            </a:outerShdw>
+          </a:effectLst>
+          <a:scene3d>
+            <a:camera prst="orthographicFront">
+              <a:rot lat="0" lon="0" rev="0"/>
+            </a:camera>
+            <a:lightRig rig="threePt" dir="t">
+              <a:rot lat="0" lon="0" rev="1200000"/>
+            </a:lightRig>
+          </a:scene3d>
+          <a:sp3d>
+            <a:bevelT w="63500" h="25400"/>
+          </a:sp3d>
+        </a:effectStyle>
+      </a:effectStyleLst>
+      <a:bgFillStyleLst>
+        <a:solidFill>
+          <a:schemeClr val="phClr"/>
+        </a:solidFill>
+        <a:gradFill rotWithShape="1">
+          <a:gsLst>
+            <a:gs pos="0">
+              <a:schemeClr val="phClr">
+                <a:tint val="40000"/>
+                <a:satMod val="350000"/>
+              </a:schemeClr>
+            </a:gs>
+            <a:gs pos="40000">
+              <a:schemeClr val="phClr">
+                <a:tint val="45000"/>
+                <a:shade val="99000"/>
+                <a:satMod val="350000"/>
+              </a:schemeClr>
+            </a:gs>
+            <a:gs pos="100000">
+              <a:schemeClr val="phClr">
+                <a:shade val="20000"/>
+                <a:satMod val="255000"/>
+              </a:schemeClr>
+            </a:gs>
+          </a:gsLst>
+          <a:path path="circle">
+            <a:fillToRect l="50000" t="-80000" r="50000" b="180000"/>
+          </a:path>
+        </a:gradFill>
+        <a:gradFill rotWithShape="1">
+          <a:gsLst>
+            <a:gs pos="0">
+              <a:schemeClr val="phClr">
+                <a:tint val="80000"/>
+                <a:satMod val="300000"/>
+              </a:schemeClr>
+            </a:gs>
+            <a:gs pos="100000">
+              <a:schemeClr val="phClr">
+                <a:shade val="30000"/>
+                <a:satMod val="200000"/>
+              </a:schemeClr>
+            </a:gs>
+          </a:gsLst>
+          <a:path path="circle">
+            <a:fillToRect l="50000" t="50000" r="50000" b="50000"/>
+          </a:path>
+        </a:gradFill>
+      </a:bgFillStyleLst>
+    </a:fmtScheme>
+  </a:themeElements>
+</a:theme>
 </file>
 
-<file path=ppt/theme/theme1.xml><?xml version="1.0" encoding="utf-8"?>
+<file path=ppt/theme/theme2.xml><?xml version="1.0" encoding="utf-8"?>
 <a:theme xmlns:a="http://schemas.openxmlformats.org/drawingml/2006/main" xmlns:r="http://schemas.openxmlformats.org/officeDocument/2006/relationships" name="Olivia template">
   <a:themeElements>
     <a:clrScheme name="Custom 347">
@@ -12890,283 +17474,4 @@
     </a:fmtScheme>
   </a:themeElements>
 </a:theme>
-</file>
-
-<file path=ppt/theme/theme2.xml><?xml version="1.0" encoding="utf-8"?>
-<a:theme xmlns:a="http://schemas.openxmlformats.org/drawingml/2006/main" xmlns:r="http://schemas.openxmlformats.org/officeDocument/2006/relationships">
-  <a:themeElements>
-    <a:clrScheme name="Default">
-      <a:dk1>
-        <a:srgbClr val="000000"/>
-      </a:dk1>
-      <a:lt1>
-        <a:srgbClr val="FFFFFF"/>
-      </a:lt1>
-      <a:dk2>
-        <a:srgbClr val="158158"/>
-      </a:dk2>
-      <a:lt2>
-        <a:srgbClr val="F3F3F3"/>
-      </a:lt2>
-      <a:accent1>
-        <a:srgbClr val="058DC7"/>
-      </a:accent1>
-      <a:accent2>
-        <a:srgbClr val="50B432"/>
-      </a:accent2>
-      <a:accent3>
-        <a:srgbClr val="ED561B"/>
-      </a:accent3>
-      <a:accent4>
-        <a:srgbClr val="EDEF00"/>
-      </a:accent4>
-      <a:accent5>
-        <a:srgbClr val="24CBE5"/>
-      </a:accent5>
-      <a:accent6>
-        <a:srgbClr val="64E572"/>
-      </a:accent6>
-      <a:hlink>
-        <a:srgbClr val="2200CC"/>
-      </a:hlink>
-      <a:folHlink>
-        <a:srgbClr val="551A8B"/>
-      </a:folHlink>
-    </a:clrScheme>
-    <a:fontScheme name="Office">
-      <a:majorFont>
-        <a:latin typeface="Arial"/>
-        <a:ea typeface=""/>
-        <a:cs typeface=""/>
-        <a:font script="Jpan" typeface="ＭＳ Ｐゴシック"/>
-        <a:font script="Hang" typeface="맑은 고딕"/>
-        <a:font script="Hans" typeface="宋体"/>
-        <a:font script="Hant" typeface="新細明體"/>
-        <a:font script="Arab" typeface="Times New Roman"/>
-        <a:font script="Hebr" typeface="Times New Roman"/>
-        <a:font script="Thai" typeface="Angsana New"/>
-        <a:font script="Ethi" typeface="Nyala"/>
-        <a:font script="Beng" typeface="Vrinda"/>
-        <a:font script="Gujr" typeface="Shruti"/>
-        <a:font script="Khmr" typeface="MoolBoran"/>
-        <a:font script="Knda" typeface="Tunga"/>
-        <a:font script="Guru" typeface="Raavi"/>
-        <a:font script="Cans" typeface="Euphemia"/>
-        <a:font script="Cher" typeface="Plantagenet Cherokee"/>
-        <a:font script="Yiii" typeface="Microsoft Yi Baiti"/>
-        <a:font script="Tibt" typeface="Microsoft Himalaya"/>
-        <a:font script="Thaa" typeface="MV Boli"/>
-        <a:font script="Deva" typeface="Mangal"/>
-        <a:font script="Telu" typeface="Gautami"/>
-        <a:font script="Taml" typeface="Latha"/>
-        <a:font script="Syrc" typeface="Estrangelo Edessa"/>
-        <a:font script="Orya" typeface="Kalinga"/>
-        <a:font script="Mlym" typeface="Kartika"/>
-        <a:font script="Laoo" typeface="DokChampa"/>
-        <a:font script="Sinh" typeface="Iskoola Pota"/>
-        <a:font script="Mong" typeface="Mongolian Baiti"/>
-        <a:font script="Viet" typeface="Times New Roman"/>
-        <a:font script="Uigh" typeface="Microsoft Uighur"/>
-        <a:font script="Geor" typeface="Sylfaen"/>
-      </a:majorFont>
-      <a:minorFont>
-        <a:latin typeface="Arial"/>
-        <a:ea typeface=""/>
-        <a:cs typeface=""/>
-        <a:font script="Jpan" typeface="ＭＳ Ｐゴシック"/>
-        <a:font script="Hang" typeface="맑은 고딕"/>
-        <a:font script="Hans" typeface="宋体"/>
-        <a:font script="Hant" typeface="新細明體"/>
-        <a:font script="Arab" typeface="Arial"/>
-        <a:font script="Hebr" typeface="Arial"/>
-        <a:font script="Thai" typeface="Cordia New"/>
-        <a:font script="Ethi" typeface="Nyala"/>
-        <a:font script="Beng" typeface="Vrinda"/>
-        <a:font script="Gujr" typeface="Shruti"/>
-        <a:font script="Khmr" typeface="DaunPenh"/>
-        <a:font script="Knda" typeface="Tunga"/>
-        <a:font script="Guru" typeface="Raavi"/>
-        <a:font script="Cans" typeface="Euphemia"/>
-        <a:font script="Cher" typeface="Plantagenet Cherokee"/>
-        <a:font script="Yiii" typeface="Microsoft Yi Baiti"/>
-        <a:font script="Tibt" typeface="Microsoft Himalaya"/>
-        <a:font script="Thaa" typeface="MV Boli"/>
-        <a:font script="Deva" typeface="Mangal"/>
-        <a:font script="Telu" typeface="Gautami"/>
-        <a:font script="Taml" typeface="Latha"/>
-        <a:font script="Syrc" typeface="Estrangelo Edessa"/>
-        <a:font script="Orya" typeface="Kalinga"/>
-        <a:font script="Mlym" typeface="Kartika"/>
-        <a:font script="Laoo" typeface="DokChampa"/>
-        <a:font script="Sinh" typeface="Iskoola Pota"/>
-        <a:font script="Mong" typeface="Mongolian Baiti"/>
-        <a:font script="Viet" typeface="Arial"/>
-        <a:font script="Uigh" typeface="Microsoft Uighur"/>
-        <a:font script="Geor" typeface="Sylfaen"/>
-      </a:minorFont>
-    </a:fontScheme>
-    <a:fmtScheme name="Office">
-      <a:fillStyleLst>
-        <a:solidFill>
-          <a:schemeClr val="phClr"/>
-        </a:solidFill>
-        <a:gradFill rotWithShape="1">
-          <a:gsLst>
-            <a:gs pos="0">
-              <a:schemeClr val="phClr">
-                <a:tint val="50000"/>
-                <a:satMod val="300000"/>
-              </a:schemeClr>
-            </a:gs>
-            <a:gs pos="35000">
-              <a:schemeClr val="phClr">
-                <a:tint val="37000"/>
-                <a:satMod val="300000"/>
-              </a:schemeClr>
-            </a:gs>
-            <a:gs pos="100000">
-              <a:schemeClr val="phClr">
-                <a:tint val="15000"/>
-                <a:satMod val="350000"/>
-              </a:schemeClr>
-            </a:gs>
-          </a:gsLst>
-          <a:lin ang="16200000" scaled="1"/>
-        </a:gradFill>
-        <a:gradFill rotWithShape="1">
-          <a:gsLst>
-            <a:gs pos="0">
-              <a:schemeClr val="phClr">
-                <a:tint val="100000"/>
-                <a:shade val="100000"/>
-                <a:satMod val="130000"/>
-              </a:schemeClr>
-            </a:gs>
-            <a:gs pos="100000">
-              <a:schemeClr val="phClr">
-                <a:tint val="50000"/>
-                <a:shade val="100000"/>
-                <a:satMod val="350000"/>
-              </a:schemeClr>
-            </a:gs>
-          </a:gsLst>
-          <a:lin ang="16200000" scaled="0"/>
-        </a:gradFill>
-      </a:fillStyleLst>
-      <a:lnStyleLst>
-        <a:ln w="9525" cap="flat" cmpd="sng" algn="ctr">
-          <a:solidFill>
-            <a:schemeClr val="phClr">
-              <a:shade val="95000"/>
-              <a:satMod val="105000"/>
-            </a:schemeClr>
-          </a:solidFill>
-          <a:prstDash val="solid"/>
-        </a:ln>
-        <a:ln w="25400" cap="flat" cmpd="sng" algn="ctr">
-          <a:solidFill>
-            <a:schemeClr val="phClr"/>
-          </a:solidFill>
-          <a:prstDash val="solid"/>
-        </a:ln>
-        <a:ln w="38100" cap="flat" cmpd="sng" algn="ctr">
-          <a:solidFill>
-            <a:schemeClr val="phClr"/>
-          </a:solidFill>
-          <a:prstDash val="solid"/>
-        </a:ln>
-      </a:lnStyleLst>
-      <a:effectStyleLst>
-        <a:effectStyle>
-          <a:effectLst>
-            <a:outerShdw blurRad="40000" dist="20000" dir="5400000" rotWithShape="0">
-              <a:srgbClr val="000000">
-                <a:alpha val="38000"/>
-              </a:srgbClr>
-            </a:outerShdw>
-          </a:effectLst>
-        </a:effectStyle>
-        <a:effectStyle>
-          <a:effectLst>
-            <a:outerShdw blurRad="40000" dist="23000" dir="5400000" rotWithShape="0">
-              <a:srgbClr val="000000">
-                <a:alpha val="35000"/>
-              </a:srgbClr>
-            </a:outerShdw>
-          </a:effectLst>
-        </a:effectStyle>
-        <a:effectStyle>
-          <a:effectLst>
-            <a:outerShdw blurRad="40000" dist="23000" dir="5400000" rotWithShape="0">
-              <a:srgbClr val="000000">
-                <a:alpha val="35000"/>
-              </a:srgbClr>
-            </a:outerShdw>
-          </a:effectLst>
-          <a:scene3d>
-            <a:camera prst="orthographicFront">
-              <a:rot lat="0" lon="0" rev="0"/>
-            </a:camera>
-            <a:lightRig rig="threePt" dir="t">
-              <a:rot lat="0" lon="0" rev="1200000"/>
-            </a:lightRig>
-          </a:scene3d>
-          <a:sp3d>
-            <a:bevelT w="63500" h="25400"/>
-          </a:sp3d>
-        </a:effectStyle>
-      </a:effectStyleLst>
-      <a:bgFillStyleLst>
-        <a:solidFill>
-          <a:schemeClr val="phClr"/>
-        </a:solidFill>
-        <a:gradFill rotWithShape="1">
-          <a:gsLst>
-            <a:gs pos="0">
-              <a:schemeClr val="phClr">
-                <a:tint val="40000"/>
-                <a:satMod val="350000"/>
-              </a:schemeClr>
-            </a:gs>
-            <a:gs pos="40000">
-              <a:schemeClr val="phClr">
-                <a:tint val="45000"/>
-                <a:shade val="99000"/>
-                <a:satMod val="350000"/>
-              </a:schemeClr>
-            </a:gs>
-            <a:gs pos="100000">
-              <a:schemeClr val="phClr">
-                <a:shade val="20000"/>
-                <a:satMod val="255000"/>
-              </a:schemeClr>
-            </a:gs>
-          </a:gsLst>
-          <a:path path="circle">
-            <a:fillToRect l="50000" t="-80000" r="50000" b="180000"/>
-          </a:path>
-        </a:gradFill>
-        <a:gradFill rotWithShape="1">
-          <a:gsLst>
-            <a:gs pos="0">
-              <a:schemeClr val="phClr">
-                <a:tint val="80000"/>
-                <a:satMod val="300000"/>
-              </a:schemeClr>
-            </a:gs>
-            <a:gs pos="100000">
-              <a:schemeClr val="phClr">
-                <a:shade val="30000"/>
-                <a:satMod val="200000"/>
-              </a:schemeClr>
-            </a:gs>
-          </a:gsLst>
-          <a:path path="circle">
-            <a:fillToRect l="50000" t="50000" r="50000" b="50000"/>
-          </a:path>
-        </a:gradFill>
-      </a:bgFillStyleLst>
-    </a:fmtScheme>
-  </a:themeElements>
-</a:theme>
 </file>